--- a/doc/pin configuration.pptx
+++ b/doc/pin configuration.pptx
@@ -5,8 +5,7 @@
     <p:sldMasterId id="2147483648" r:id="rId1"/>
   </p:sldMasterIdLst>
   <p:sldIdLst>
-    <p:sldId id="305" r:id="rId2"/>
-    <p:sldId id="306" r:id="rId3"/>
+    <p:sldId id="306" r:id="rId2"/>
   </p:sldIdLst>
   <p:sldSz cx="12192000" cy="6858000"/>
   <p:notesSz cx="6858000" cy="9144000"/>
@@ -459,7 +458,7 @@
           <a:p>
             <a:fld id="{7A3C6720-8F74-4E26-A384-D88810CC02C3}" type="datetimeFigureOut">
               <a:rPr lang="en-GB" smtClean="0"/>
-              <a:t>16/12/2024</a:t>
+              <a:t>12/02/2025</a:t>
             </a:fld>
             <a:endParaRPr lang="en-GB"/>
           </a:p>
@@ -659,7 +658,7 @@
           <a:p>
             <a:fld id="{7A3C6720-8F74-4E26-A384-D88810CC02C3}" type="datetimeFigureOut">
               <a:rPr lang="en-GB" smtClean="0"/>
-              <a:t>16/12/2024</a:t>
+              <a:t>12/02/2025</a:t>
             </a:fld>
             <a:endParaRPr lang="en-GB"/>
           </a:p>
@@ -869,7 +868,7 @@
           <a:p>
             <a:fld id="{7A3C6720-8F74-4E26-A384-D88810CC02C3}" type="datetimeFigureOut">
               <a:rPr lang="en-GB" smtClean="0"/>
-              <a:t>16/12/2024</a:t>
+              <a:t>12/02/2025</a:t>
             </a:fld>
             <a:endParaRPr lang="en-GB"/>
           </a:p>
@@ -1069,7 +1068,7 @@
           <a:p>
             <a:fld id="{7A3C6720-8F74-4E26-A384-D88810CC02C3}" type="datetimeFigureOut">
               <a:rPr lang="en-GB" smtClean="0"/>
-              <a:t>16/12/2024</a:t>
+              <a:t>12/02/2025</a:t>
             </a:fld>
             <a:endParaRPr lang="en-GB"/>
           </a:p>
@@ -1345,7 +1344,7 @@
           <a:p>
             <a:fld id="{7A3C6720-8F74-4E26-A384-D88810CC02C3}" type="datetimeFigureOut">
               <a:rPr lang="en-GB" smtClean="0"/>
-              <a:t>16/12/2024</a:t>
+              <a:t>12/02/2025</a:t>
             </a:fld>
             <a:endParaRPr lang="en-GB"/>
           </a:p>
@@ -1613,7 +1612,7 @@
           <a:p>
             <a:fld id="{7A3C6720-8F74-4E26-A384-D88810CC02C3}" type="datetimeFigureOut">
               <a:rPr lang="en-GB" smtClean="0"/>
-              <a:t>16/12/2024</a:t>
+              <a:t>12/02/2025</a:t>
             </a:fld>
             <a:endParaRPr lang="en-GB"/>
           </a:p>
@@ -2028,7 +2027,7 @@
           <a:p>
             <a:fld id="{7A3C6720-8F74-4E26-A384-D88810CC02C3}" type="datetimeFigureOut">
               <a:rPr lang="en-GB" smtClean="0"/>
-              <a:t>16/12/2024</a:t>
+              <a:t>12/02/2025</a:t>
             </a:fld>
             <a:endParaRPr lang="en-GB"/>
           </a:p>
@@ -2170,7 +2169,7 @@
           <a:p>
             <a:fld id="{7A3C6720-8F74-4E26-A384-D88810CC02C3}" type="datetimeFigureOut">
               <a:rPr lang="en-GB" smtClean="0"/>
-              <a:t>16/12/2024</a:t>
+              <a:t>12/02/2025</a:t>
             </a:fld>
             <a:endParaRPr lang="en-GB"/>
           </a:p>
@@ -2283,7 +2282,7 @@
           <a:p>
             <a:fld id="{7A3C6720-8F74-4E26-A384-D88810CC02C3}" type="datetimeFigureOut">
               <a:rPr lang="en-GB" smtClean="0"/>
-              <a:t>16/12/2024</a:t>
+              <a:t>12/02/2025</a:t>
             </a:fld>
             <a:endParaRPr lang="en-GB"/>
           </a:p>
@@ -2596,7 +2595,7 @@
           <a:p>
             <a:fld id="{7A3C6720-8F74-4E26-A384-D88810CC02C3}" type="datetimeFigureOut">
               <a:rPr lang="en-GB" smtClean="0"/>
-              <a:t>16/12/2024</a:t>
+              <a:t>12/02/2025</a:t>
             </a:fld>
             <a:endParaRPr lang="en-GB"/>
           </a:p>
@@ -2885,7 +2884,7 @@
           <a:p>
             <a:fld id="{7A3C6720-8F74-4E26-A384-D88810CC02C3}" type="datetimeFigureOut">
               <a:rPr lang="en-GB" smtClean="0"/>
-              <a:t>16/12/2024</a:t>
+              <a:t>12/02/2025</a:t>
             </a:fld>
             <a:endParaRPr lang="en-GB"/>
           </a:p>
@@ -3128,7 +3127,7 @@
           <a:p>
             <a:fld id="{7A3C6720-8F74-4E26-A384-D88810CC02C3}" type="datetimeFigureOut">
               <a:rPr lang="en-GB" smtClean="0"/>
-              <a:t>16/12/2024</a:t>
+              <a:t>12/02/2025</a:t>
             </a:fld>
             <a:endParaRPr lang="en-GB"/>
           </a:p>
@@ -3533,7 +3532,13 @@
   <p:cSld>
     <p:spTree>
       <p:nvGrpSpPr>
-        <p:cNvPr id="1" name=""/>
+        <p:cNvPr id="1" name="">
+          <a:extLst>
+            <a:ext uri="{FF2B5EF4-FFF2-40B4-BE49-F238E27FC236}">
+              <a16:creationId xmlns:a16="http://schemas.microsoft.com/office/drawing/2014/main" id="{13452902-3B32-2A2A-4BC5-D0CC1C15C0CE}"/>
+            </a:ext>
+          </a:extLst>
+        </p:cNvPr>
         <p:cNvGrpSpPr/>
         <p:nvPr/>
       </p:nvGrpSpPr>
@@ -3547,58 +3552,10 @@
       </p:grpSpPr>
       <p:sp>
         <p:nvSpPr>
-          <p:cNvPr id="2" name="Titolo 1">
-            <a:extLst>
-              <a:ext uri="{FF2B5EF4-FFF2-40B4-BE49-F238E27FC236}">
-                <a16:creationId xmlns:a16="http://schemas.microsoft.com/office/drawing/2014/main" id="{0B0CD5E1-CFD6-84D5-9057-56E9DBA09116}"/>
-              </a:ext>
-            </a:extLst>
-          </p:cNvPr>
-          <p:cNvSpPr>
-            <a:spLocks noGrp="1"/>
-          </p:cNvSpPr>
-          <p:nvPr>
-            <p:ph type="title"/>
-          </p:nvPr>
-        </p:nvSpPr>
-        <p:spPr/>
-        <p:txBody>
-          <a:bodyPr/>
-          <a:lstStyle/>
-          <a:p>
-            <a:r>
-              <a:rPr lang="it-IT" dirty="0">
-                <a:solidFill>
-                  <a:srgbClr val="00ADE5"/>
-                </a:solidFill>
-                <a:latin typeface="Astro space" panose="02000503000000000000" pitchFamily="2" charset="0"/>
-              </a:rPr>
-              <a:t>pin </a:t>
-            </a:r>
-            <a:r>
-              <a:rPr lang="it-IT" dirty="0" err="1">
-                <a:solidFill>
-                  <a:srgbClr val="00ADE5"/>
-                </a:solidFill>
-                <a:latin typeface="Astro space" panose="02000503000000000000" pitchFamily="2" charset="0"/>
-              </a:rPr>
-              <a:t>configuration</a:t>
-            </a:r>
-            <a:endParaRPr lang="en-GB" dirty="0">
-              <a:solidFill>
-                <a:srgbClr val="00ADE5"/>
-              </a:solidFill>
-              <a:latin typeface="Astro space" panose="02000503000000000000" pitchFamily="2" charset="0"/>
-            </a:endParaRPr>
-          </a:p>
-        </p:txBody>
-      </p:sp>
-      <p:sp>
-        <p:nvSpPr>
           <p:cNvPr id="3" name="Segnaposto numero diapositiva 2">
             <a:extLst>
               <a:ext uri="{FF2B5EF4-FFF2-40B4-BE49-F238E27FC236}">
-                <a16:creationId xmlns:a16="http://schemas.microsoft.com/office/drawing/2014/main" id="{0EB2768B-A411-3C3F-A451-0015E83BAE5A}"/>
+                <a16:creationId xmlns:a16="http://schemas.microsoft.com/office/drawing/2014/main" id="{3C7D1CD0-D4E3-907F-428E-744C5572BBE0}"/>
               </a:ext>
             </a:extLst>
           </p:cNvPr>
@@ -3627,7 +3584,7 @@
           <p:cNvPr id="4" name="Segnaposto contenuto 3">
             <a:extLst>
               <a:ext uri="{FF2B5EF4-FFF2-40B4-BE49-F238E27FC236}">
-                <a16:creationId xmlns:a16="http://schemas.microsoft.com/office/drawing/2014/main" id="{A07F4624-7442-C9A4-B2B3-98B9874D9261}"/>
+                <a16:creationId xmlns:a16="http://schemas.microsoft.com/office/drawing/2014/main" id="{0CF54339-6408-9CE0-68BB-3C454D24A16B}"/>
               </a:ext>
             </a:extLst>
           </p:cNvPr>
@@ -3638,14 +3595,14 @@
             <p:ph idx="1"/>
             <p:extLst>
               <p:ext uri="{D42A27DB-BD31-4B8C-83A1-F6EECF244321}">
-                <p14:modId xmlns:p14="http://schemas.microsoft.com/office/powerpoint/2010/main" val="3266454722"/>
+                <p14:modId xmlns:p14="http://schemas.microsoft.com/office/powerpoint/2010/main" val="1197335378"/>
               </p:ext>
             </p:extLst>
           </p:nvPr>
         </p:nvGraphicFramePr>
         <p:xfrm>
-          <a:off x="838200" y="3297084"/>
-          <a:ext cx="1914940" cy="1854200"/>
+          <a:off x="838200" y="2839889"/>
+          <a:ext cx="1914940" cy="2966720"/>
         </p:xfrm>
         <a:graphic>
           <a:graphicData uri="http://schemas.openxmlformats.org/drawingml/2006/table">
@@ -3677,7 +3634,355 @@
                     <a:p>
                       <a:pPr algn="ctr"/>
                       <a:r>
-                        <a:rPr lang="it-IT" b="1" dirty="0">
+                        <a:rPr lang="en-GB" b="1" dirty="0">
+                          <a:solidFill>
+                            <a:schemeClr val="tx1"/>
+                          </a:solidFill>
+                        </a:rPr>
+                        <a:t>3.3V</a:t>
+                      </a:r>
+                    </a:p>
+                  </a:txBody>
+                  <a:tcPr>
+                    <a:lnL w="12700" cap="flat" cmpd="sng" algn="ctr">
+                      <a:solidFill>
+                        <a:schemeClr val="tx1"/>
+                      </a:solidFill>
+                      <a:prstDash val="solid"/>
+                      <a:round/>
+                      <a:headEnd type="none" w="med" len="med"/>
+                      <a:tailEnd type="none" w="med" len="med"/>
+                    </a:lnL>
+                    <a:lnR w="12700" cap="flat" cmpd="sng" algn="ctr">
+                      <a:solidFill>
+                        <a:schemeClr val="tx1"/>
+                      </a:solidFill>
+                      <a:prstDash val="solid"/>
+                      <a:round/>
+                      <a:headEnd type="none" w="med" len="med"/>
+                      <a:tailEnd type="none" w="med" len="med"/>
+                    </a:lnR>
+                    <a:lnT w="12700" cap="flat" cmpd="sng" algn="ctr">
+                      <a:solidFill>
+                        <a:schemeClr val="tx1"/>
+                      </a:solidFill>
+                      <a:prstDash val="solid"/>
+                      <a:round/>
+                      <a:headEnd type="none" w="med" len="med"/>
+                      <a:tailEnd type="none" w="med" len="med"/>
+                    </a:lnT>
+                    <a:lnB w="12700" cap="flat" cmpd="sng" algn="ctr">
+                      <a:solidFill>
+                        <a:schemeClr val="tx1"/>
+                      </a:solidFill>
+                      <a:prstDash val="solid"/>
+                      <a:round/>
+                      <a:headEnd type="none" w="med" len="med"/>
+                      <a:tailEnd type="none" w="med" len="med"/>
+                    </a:lnB>
+                    <a:noFill/>
+                  </a:tcPr>
+                </a:tc>
+                <a:tc>
+                  <a:txBody>
+                    <a:bodyPr/>
+                    <a:lstStyle/>
+                    <a:p>
+                      <a:pPr algn="ctr"/>
+                      <a:endParaRPr lang="en-GB" b="1" dirty="0">
+                        <a:solidFill>
+                          <a:schemeClr val="tx1"/>
+                        </a:solidFill>
+                      </a:endParaRPr>
+                    </a:p>
+                  </a:txBody>
+                  <a:tcPr>
+                    <a:lnL w="12700" cap="flat" cmpd="sng" algn="ctr">
+                      <a:solidFill>
+                        <a:schemeClr val="tx1"/>
+                      </a:solidFill>
+                      <a:prstDash val="solid"/>
+                      <a:round/>
+                      <a:headEnd type="none" w="med" len="med"/>
+                      <a:tailEnd type="none" w="med" len="med"/>
+                    </a:lnL>
+                    <a:lnR w="12700" cap="flat" cmpd="sng" algn="ctr">
+                      <a:solidFill>
+                        <a:schemeClr val="tx1"/>
+                      </a:solidFill>
+                      <a:prstDash val="solid"/>
+                      <a:round/>
+                      <a:headEnd type="none" w="med" len="med"/>
+                      <a:tailEnd type="none" w="med" len="med"/>
+                    </a:lnR>
+                    <a:lnT w="12700" cap="flat" cmpd="sng" algn="ctr">
+                      <a:solidFill>
+                        <a:schemeClr val="tx1"/>
+                      </a:solidFill>
+                      <a:prstDash val="solid"/>
+                      <a:round/>
+                      <a:headEnd type="none" w="med" len="med"/>
+                      <a:tailEnd type="none" w="med" len="med"/>
+                    </a:lnT>
+                    <a:lnB w="12700" cap="flat" cmpd="sng" algn="ctr">
+                      <a:solidFill>
+                        <a:schemeClr val="tx1"/>
+                      </a:solidFill>
+                      <a:prstDash val="solid"/>
+                      <a:round/>
+                      <a:headEnd type="none" w="med" len="med"/>
+                      <a:tailEnd type="none" w="med" len="med"/>
+                    </a:lnB>
+                    <a:noFill/>
+                  </a:tcPr>
+                </a:tc>
+                <a:extLst>
+                  <a:ext uri="{0D108BD9-81ED-4DB2-BD59-A6C34878D82A}">
+                    <a16:rowId xmlns:a16="http://schemas.microsoft.com/office/drawing/2014/main" val="3155007337"/>
+                  </a:ext>
+                </a:extLst>
+              </a:tr>
+              <a:tr h="370840">
+                <a:tc>
+                  <a:txBody>
+                    <a:bodyPr/>
+                    <a:lstStyle/>
+                    <a:p>
+                      <a:pPr algn="ctr"/>
+                      <a:r>
+                        <a:rPr lang="en-GB" b="1" dirty="0">
+                          <a:solidFill>
+                            <a:schemeClr val="tx1"/>
+                          </a:solidFill>
+                        </a:rPr>
+                        <a:t>D23</a:t>
+                      </a:r>
+                    </a:p>
+                  </a:txBody>
+                  <a:tcPr>
+                    <a:lnL w="12700" cap="flat" cmpd="sng" algn="ctr">
+                      <a:solidFill>
+                        <a:schemeClr val="tx1"/>
+                      </a:solidFill>
+                      <a:prstDash val="solid"/>
+                      <a:round/>
+                      <a:headEnd type="none" w="med" len="med"/>
+                      <a:tailEnd type="none" w="med" len="med"/>
+                    </a:lnL>
+                    <a:lnR w="12700" cap="flat" cmpd="sng" algn="ctr">
+                      <a:solidFill>
+                        <a:schemeClr val="tx1"/>
+                      </a:solidFill>
+                      <a:prstDash val="solid"/>
+                      <a:round/>
+                      <a:headEnd type="none" w="med" len="med"/>
+                      <a:tailEnd type="none" w="med" len="med"/>
+                    </a:lnR>
+                    <a:lnT w="12700" cap="flat" cmpd="sng" algn="ctr">
+                      <a:solidFill>
+                        <a:schemeClr val="tx1"/>
+                      </a:solidFill>
+                      <a:prstDash val="solid"/>
+                      <a:round/>
+                      <a:headEnd type="none" w="med" len="med"/>
+                      <a:tailEnd type="none" w="med" len="med"/>
+                    </a:lnT>
+                    <a:lnB w="12700" cap="flat" cmpd="sng" algn="ctr">
+                      <a:solidFill>
+                        <a:schemeClr val="tx1"/>
+                      </a:solidFill>
+                      <a:prstDash val="solid"/>
+                      <a:round/>
+                      <a:headEnd type="none" w="med" len="med"/>
+                      <a:tailEnd type="none" w="med" len="med"/>
+                    </a:lnB>
+                    <a:noFill/>
+                  </a:tcPr>
+                </a:tc>
+                <a:tc>
+                  <a:txBody>
+                    <a:bodyPr/>
+                    <a:lstStyle/>
+                    <a:p>
+                      <a:pPr algn="ctr"/>
+                      <a:endParaRPr lang="en-GB" b="1" dirty="0">
+                        <a:solidFill>
+                          <a:schemeClr val="tx1"/>
+                        </a:solidFill>
+                      </a:endParaRPr>
+                    </a:p>
+                  </a:txBody>
+                  <a:tcPr>
+                    <a:lnL w="12700" cap="flat" cmpd="sng" algn="ctr">
+                      <a:solidFill>
+                        <a:schemeClr val="tx1"/>
+                      </a:solidFill>
+                      <a:prstDash val="solid"/>
+                      <a:round/>
+                      <a:headEnd type="none" w="med" len="med"/>
+                      <a:tailEnd type="none" w="med" len="med"/>
+                    </a:lnL>
+                    <a:lnR w="12700" cap="flat" cmpd="sng" algn="ctr">
+                      <a:solidFill>
+                        <a:schemeClr val="tx1"/>
+                      </a:solidFill>
+                      <a:prstDash val="solid"/>
+                      <a:round/>
+                      <a:headEnd type="none" w="med" len="med"/>
+                      <a:tailEnd type="none" w="med" len="med"/>
+                    </a:lnR>
+                    <a:lnT w="12700" cap="flat" cmpd="sng" algn="ctr">
+                      <a:solidFill>
+                        <a:schemeClr val="tx1"/>
+                      </a:solidFill>
+                      <a:prstDash val="solid"/>
+                      <a:round/>
+                      <a:headEnd type="none" w="med" len="med"/>
+                      <a:tailEnd type="none" w="med" len="med"/>
+                    </a:lnT>
+                    <a:lnB w="12700" cap="flat" cmpd="sng" algn="ctr">
+                      <a:solidFill>
+                        <a:schemeClr val="tx1"/>
+                      </a:solidFill>
+                      <a:prstDash val="solid"/>
+                      <a:round/>
+                      <a:headEnd type="none" w="med" len="med"/>
+                      <a:tailEnd type="none" w="med" len="med"/>
+                    </a:lnB>
+                    <a:noFill/>
+                  </a:tcPr>
+                </a:tc>
+                <a:extLst>
+                  <a:ext uri="{0D108BD9-81ED-4DB2-BD59-A6C34878D82A}">
+                    <a16:rowId xmlns:a16="http://schemas.microsoft.com/office/drawing/2014/main" val="111157720"/>
+                  </a:ext>
+                </a:extLst>
+              </a:tr>
+              <a:tr h="370840">
+                <a:tc>
+                  <a:txBody>
+                    <a:bodyPr/>
+                    <a:lstStyle/>
+                    <a:p>
+                      <a:pPr algn="ctr"/>
+                      <a:r>
+                        <a:rPr lang="en-GB" b="1" dirty="0">
+                          <a:solidFill>
+                            <a:schemeClr val="tx1"/>
+                          </a:solidFill>
+                        </a:rPr>
+                        <a:t>D22</a:t>
+                      </a:r>
+                    </a:p>
+                  </a:txBody>
+                  <a:tcPr>
+                    <a:lnL w="12700" cap="flat" cmpd="sng" algn="ctr">
+                      <a:solidFill>
+                        <a:schemeClr val="tx1"/>
+                      </a:solidFill>
+                      <a:prstDash val="solid"/>
+                      <a:round/>
+                      <a:headEnd type="none" w="med" len="med"/>
+                      <a:tailEnd type="none" w="med" len="med"/>
+                    </a:lnL>
+                    <a:lnR w="12700" cap="flat" cmpd="sng" algn="ctr">
+                      <a:solidFill>
+                        <a:schemeClr val="tx1"/>
+                      </a:solidFill>
+                      <a:prstDash val="solid"/>
+                      <a:round/>
+                      <a:headEnd type="none" w="med" len="med"/>
+                      <a:tailEnd type="none" w="med" len="med"/>
+                    </a:lnR>
+                    <a:lnT w="12700" cap="flat" cmpd="sng" algn="ctr">
+                      <a:solidFill>
+                        <a:schemeClr val="tx1"/>
+                      </a:solidFill>
+                      <a:prstDash val="solid"/>
+                      <a:round/>
+                      <a:headEnd type="none" w="med" len="med"/>
+                      <a:tailEnd type="none" w="med" len="med"/>
+                    </a:lnT>
+                    <a:lnB w="12700" cap="flat" cmpd="sng" algn="ctr">
+                      <a:solidFill>
+                        <a:schemeClr val="tx1"/>
+                      </a:solidFill>
+                      <a:prstDash val="solid"/>
+                      <a:round/>
+                      <a:headEnd type="none" w="med" len="med"/>
+                      <a:tailEnd type="none" w="med" len="med"/>
+                    </a:lnB>
+                    <a:noFill/>
+                  </a:tcPr>
+                </a:tc>
+                <a:tc>
+                  <a:txBody>
+                    <a:bodyPr/>
+                    <a:lstStyle/>
+                    <a:p>
+                      <a:pPr algn="ctr"/>
+                      <a:endParaRPr lang="en-GB" b="1" dirty="0">
+                        <a:solidFill>
+                          <a:schemeClr val="tx1"/>
+                        </a:solidFill>
+                      </a:endParaRPr>
+                    </a:p>
+                  </a:txBody>
+                  <a:tcPr>
+                    <a:lnL w="12700" cap="flat" cmpd="sng" algn="ctr">
+                      <a:solidFill>
+                        <a:schemeClr val="tx1"/>
+                      </a:solidFill>
+                      <a:prstDash val="solid"/>
+                      <a:round/>
+                      <a:headEnd type="none" w="med" len="med"/>
+                      <a:tailEnd type="none" w="med" len="med"/>
+                    </a:lnL>
+                    <a:lnR w="12700" cap="flat" cmpd="sng" algn="ctr">
+                      <a:solidFill>
+                        <a:schemeClr val="tx1"/>
+                      </a:solidFill>
+                      <a:prstDash val="solid"/>
+                      <a:round/>
+                      <a:headEnd type="none" w="med" len="med"/>
+                      <a:tailEnd type="none" w="med" len="med"/>
+                    </a:lnR>
+                    <a:lnT w="12700" cap="flat" cmpd="sng" algn="ctr">
+                      <a:solidFill>
+                        <a:schemeClr val="tx1"/>
+                      </a:solidFill>
+                      <a:prstDash val="solid"/>
+                      <a:round/>
+                      <a:headEnd type="none" w="med" len="med"/>
+                      <a:tailEnd type="none" w="med" len="med"/>
+                    </a:lnT>
+                    <a:lnB w="12700" cap="flat" cmpd="sng" algn="ctr">
+                      <a:solidFill>
+                        <a:schemeClr val="tx1"/>
+                      </a:solidFill>
+                      <a:prstDash val="solid"/>
+                      <a:round/>
+                      <a:headEnd type="none" w="med" len="med"/>
+                      <a:tailEnd type="none" w="med" len="med"/>
+                    </a:lnB>
+                    <a:noFill/>
+                  </a:tcPr>
+                </a:tc>
+                <a:extLst>
+                  <a:ext uri="{0D108BD9-81ED-4DB2-BD59-A6C34878D82A}">
+                    <a16:rowId xmlns:a16="http://schemas.microsoft.com/office/drawing/2014/main" val="3767916209"/>
+                  </a:ext>
+                </a:extLst>
+              </a:tr>
+              <a:tr h="370840">
+                <a:tc>
+                  <a:txBody>
+                    <a:bodyPr/>
+                    <a:lstStyle/>
+                    <a:p>
+                      <a:pPr algn="ctr"/>
+                      <a:r>
+                        <a:rPr lang="it-IT" b="1">
                           <a:solidFill>
                             <a:schemeClr val="tx1"/>
                           </a:solidFill>
@@ -3798,13 +4103,18 @@
                     <a:p>
                       <a:pPr algn="ctr"/>
                       <a:r>
-                        <a:rPr lang="it-IT" b="1" dirty="0">
+                        <a:rPr lang="it-IT" b="1">
                           <a:solidFill>
                             <a:schemeClr val="tx1"/>
                           </a:solidFill>
                         </a:rPr>
                         <a:t>RX2 or D16</a:t>
                       </a:r>
+                      <a:endParaRPr lang="it-IT" b="1" dirty="0">
+                        <a:solidFill>
+                          <a:schemeClr val="tx1"/>
+                        </a:solidFill>
+                      </a:endParaRPr>
                     </a:p>
                   </a:txBody>
                   <a:tcPr>
@@ -3914,7 +4224,7 @@
                     <a:p>
                       <a:pPr algn="ctr"/>
                       <a:r>
-                        <a:rPr lang="it-IT" b="1" dirty="0">
+                        <a:rPr lang="it-IT" b="1">
                           <a:solidFill>
                             <a:schemeClr val="tx1"/>
                           </a:solidFill>
@@ -4035,7 +4345,7 @@
                     <a:p>
                       <a:pPr algn="ctr"/>
                       <a:r>
-                        <a:rPr lang="it-IT" b="1" dirty="0">
+                        <a:rPr lang="it-IT" b="1">
                           <a:solidFill>
                             <a:schemeClr val="tx1"/>
                           </a:solidFill>
@@ -4278,7 +4588,7 @@
           <p:cNvPr id="5" name="CasellaDiTesto 4">
             <a:extLst>
               <a:ext uri="{FF2B5EF4-FFF2-40B4-BE49-F238E27FC236}">
-                <a16:creationId xmlns:a16="http://schemas.microsoft.com/office/drawing/2014/main" id="{599E4C7B-6CD4-CDAD-E788-2B40C8D2C9D7}"/>
+                <a16:creationId xmlns:a16="http://schemas.microsoft.com/office/drawing/2014/main" id="{17DFCDA4-5B73-7F8F-A438-1AA4574925BD}"/>
               </a:ext>
             </a:extLst>
           </p:cNvPr>
@@ -4287,7 +4597,7 @@
         </p:nvSpPr>
         <p:spPr>
           <a:xfrm>
-            <a:off x="838200" y="2916432"/>
+            <a:off x="838200" y="2459237"/>
             <a:ext cx="1779104" cy="369332"/>
           </a:xfrm>
           <a:prstGeom prst="rect">
@@ -4315,7 +4625,7 @@
           <p:cNvPr id="7" name="Segnaposto contenuto 3">
             <a:extLst>
               <a:ext uri="{FF2B5EF4-FFF2-40B4-BE49-F238E27FC236}">
-                <a16:creationId xmlns:a16="http://schemas.microsoft.com/office/drawing/2014/main" id="{323C3224-4FF0-D05F-2681-5DE12E3B27D2}"/>
+                <a16:creationId xmlns:a16="http://schemas.microsoft.com/office/drawing/2014/main" id="{7498D74E-6DC4-9145-C075-63638C6A2A39}"/>
               </a:ext>
             </a:extLst>
           </p:cNvPr>
@@ -4325,13 +4635,13 @@
           <p:nvPr>
             <p:extLst>
               <p:ext uri="{D42A27DB-BD31-4B8C-83A1-F6EECF244321}">
-                <p14:modId xmlns:p14="http://schemas.microsoft.com/office/powerpoint/2010/main" val="409390399"/>
+                <p14:modId xmlns:p14="http://schemas.microsoft.com/office/powerpoint/2010/main" val="2554503573"/>
               </p:ext>
             </p:extLst>
           </p:nvPr>
         </p:nvGraphicFramePr>
         <p:xfrm>
-          <a:off x="5138530" y="2740824"/>
+          <a:off x="5138530" y="3435415"/>
           <a:ext cx="1914940" cy="2966720"/>
         </p:xfrm>
         <a:graphic>
@@ -5852,7 +6162,7 @@
           <p:cNvPr id="8" name="CasellaDiTesto 7">
             <a:extLst>
               <a:ext uri="{FF2B5EF4-FFF2-40B4-BE49-F238E27FC236}">
-                <a16:creationId xmlns:a16="http://schemas.microsoft.com/office/drawing/2014/main" id="{DD33F0CD-1385-C8EF-B0F9-0B3D7D3901B0}"/>
+                <a16:creationId xmlns:a16="http://schemas.microsoft.com/office/drawing/2014/main" id="{8D1531F3-7014-961C-72AE-3B58D80F81F7}"/>
               </a:ext>
             </a:extLst>
           </p:cNvPr>
@@ -5861,7 +6171,7 @@
         </p:nvSpPr>
         <p:spPr>
           <a:xfrm>
-            <a:off x="5206448" y="2350814"/>
+            <a:off x="5206448" y="3045405"/>
             <a:ext cx="1779104" cy="369332"/>
           </a:xfrm>
           <a:prstGeom prst="rect">
@@ -5889,7 +6199,7 @@
           <p:cNvPr id="9" name="Segnaposto contenuto 3">
             <a:extLst>
               <a:ext uri="{FF2B5EF4-FFF2-40B4-BE49-F238E27FC236}">
-                <a16:creationId xmlns:a16="http://schemas.microsoft.com/office/drawing/2014/main" id="{ED87A92F-601E-6418-A046-C23E0FA18143}"/>
+                <a16:creationId xmlns:a16="http://schemas.microsoft.com/office/drawing/2014/main" id="{B47A0793-8996-9A65-C3C6-EE920DA0FFB9}"/>
               </a:ext>
             </a:extLst>
           </p:cNvPr>
@@ -5899,13 +6209,13 @@
           <p:nvPr>
             <p:extLst>
               <p:ext uri="{D42A27DB-BD31-4B8C-83A1-F6EECF244321}">
-                <p14:modId xmlns:p14="http://schemas.microsoft.com/office/powerpoint/2010/main" val="1221806346"/>
+                <p14:modId xmlns:p14="http://schemas.microsoft.com/office/powerpoint/2010/main" val="257696584"/>
               </p:ext>
             </p:extLst>
           </p:nvPr>
         </p:nvGraphicFramePr>
         <p:xfrm>
-          <a:off x="9438860" y="2740824"/>
+          <a:off x="9438860" y="3373871"/>
           <a:ext cx="2325248" cy="3017520"/>
         </p:xfrm>
         <a:graphic>
@@ -7610,4608 +7920,6 @@
           <p:cNvPr id="10" name="CasellaDiTesto 9">
             <a:extLst>
               <a:ext uri="{FF2B5EF4-FFF2-40B4-BE49-F238E27FC236}">
-                <a16:creationId xmlns:a16="http://schemas.microsoft.com/office/drawing/2014/main" id="{E88C401D-4024-6EFC-B925-195E0FD98558}"/>
-              </a:ext>
-            </a:extLst>
-          </p:cNvPr>
-          <p:cNvSpPr txBox="1"/>
-          <p:nvPr/>
-        </p:nvSpPr>
-        <p:spPr>
-          <a:xfrm>
-            <a:off x="9506778" y="2381304"/>
-            <a:ext cx="1779104" cy="369332"/>
-          </a:xfrm>
-          <a:prstGeom prst="rect">
-            <a:avLst/>
-          </a:prstGeom>
-          <a:noFill/>
-        </p:spPr>
-        <p:txBody>
-          <a:bodyPr wrap="square" rtlCol="0">
-            <a:spAutoFit/>
-          </a:bodyPr>
-          <a:lstStyle/>
-          <a:p>
-            <a:pPr algn="ctr"/>
-            <a:r>
-              <a:rPr lang="it-IT" dirty="0"/>
-              <a:t>Cable</a:t>
-            </a:r>
-            <a:endParaRPr lang="en-GB" dirty="0"/>
-          </a:p>
-        </p:txBody>
-      </p:sp>
-      <p:cxnSp>
-        <p:nvCxnSpPr>
-          <p:cNvPr id="12" name="Connettore a gomito 11">
-            <a:extLst>
-              <a:ext uri="{FF2B5EF4-FFF2-40B4-BE49-F238E27FC236}">
-                <a16:creationId xmlns:a16="http://schemas.microsoft.com/office/drawing/2014/main" id="{CDA2140A-3ED0-E037-2775-30575FD8B228}"/>
-              </a:ext>
-            </a:extLst>
-          </p:cNvPr>
-          <p:cNvCxnSpPr>
-            <a:cxnSpLocks/>
-          </p:cNvCxnSpPr>
-          <p:nvPr/>
-        </p:nvCxnSpPr>
-        <p:spPr>
-          <a:xfrm flipV="1">
-            <a:off x="2519570" y="2916432"/>
-            <a:ext cx="2847560" cy="512568"/>
-          </a:xfrm>
-          <a:prstGeom prst="bentConnector3">
-            <a:avLst/>
-          </a:prstGeom>
-          <a:ln w="28575">
-            <a:solidFill>
-              <a:schemeClr val="tx1"/>
-            </a:solidFill>
-          </a:ln>
-        </p:spPr>
-        <p:style>
-          <a:lnRef idx="2">
-            <a:schemeClr val="accent1"/>
-          </a:lnRef>
-          <a:fillRef idx="0">
-            <a:schemeClr val="accent1"/>
-          </a:fillRef>
-          <a:effectRef idx="1">
-            <a:schemeClr val="accent1"/>
-          </a:effectRef>
-          <a:fontRef idx="minor">
-            <a:schemeClr val="tx1"/>
-          </a:fontRef>
-        </p:style>
-      </p:cxnSp>
-      <p:cxnSp>
-        <p:nvCxnSpPr>
-          <p:cNvPr id="14" name="Connettore diritto 13">
-            <a:extLst>
-              <a:ext uri="{FF2B5EF4-FFF2-40B4-BE49-F238E27FC236}">
-                <a16:creationId xmlns:a16="http://schemas.microsoft.com/office/drawing/2014/main" id="{0AFD1369-A249-E0E6-4C2B-C91B9D343F39}"/>
-              </a:ext>
-            </a:extLst>
-          </p:cNvPr>
-          <p:cNvCxnSpPr/>
-          <p:nvPr/>
-        </p:nvCxnSpPr>
-        <p:spPr>
-          <a:xfrm flipH="1">
-            <a:off x="3945835" y="3285764"/>
-            <a:ext cx="1421295" cy="0"/>
-          </a:xfrm>
-          <a:prstGeom prst="line">
-            <a:avLst/>
-          </a:prstGeom>
-          <a:ln w="28575">
-            <a:solidFill>
-              <a:schemeClr val="tx1"/>
-            </a:solidFill>
-          </a:ln>
-        </p:spPr>
-        <p:style>
-          <a:lnRef idx="2">
-            <a:schemeClr val="accent1"/>
-          </a:lnRef>
-          <a:fillRef idx="0">
-            <a:schemeClr val="accent1"/>
-          </a:fillRef>
-          <a:effectRef idx="1">
-            <a:schemeClr val="accent1"/>
-          </a:effectRef>
-          <a:fontRef idx="minor">
-            <a:schemeClr val="tx1"/>
-          </a:fontRef>
-        </p:style>
-      </p:cxnSp>
-      <p:pic>
-        <p:nvPicPr>
-          <p:cNvPr id="17" name="Immagine 16">
-            <a:extLst>
-              <a:ext uri="{FF2B5EF4-FFF2-40B4-BE49-F238E27FC236}">
-                <a16:creationId xmlns:a16="http://schemas.microsoft.com/office/drawing/2014/main" id="{286C48AD-FA30-E3F2-693E-7CE39F0DB3BA}"/>
-              </a:ext>
-            </a:extLst>
-          </p:cNvPr>
-          <p:cNvPicPr>
-            <a:picLocks noChangeAspect="1"/>
-          </p:cNvPicPr>
-          <p:nvPr/>
-        </p:nvPicPr>
-        <p:blipFill>
-          <a:blip r:embed="rId2"/>
-          <a:srcRect l="55163" t="4465" r="3716" b="16890"/>
-          <a:stretch/>
-        </p:blipFill>
-        <p:spPr>
-          <a:xfrm>
-            <a:off x="9559364" y="217396"/>
-            <a:ext cx="1726518" cy="2064852"/>
-          </a:xfrm>
-          <a:prstGeom prst="rect">
-            <a:avLst/>
-          </a:prstGeom>
-        </p:spPr>
-      </p:pic>
-      <p:cxnSp>
-        <p:nvCxnSpPr>
-          <p:cNvPr id="19" name="Connettore a gomito 18">
-            <a:extLst>
-              <a:ext uri="{FF2B5EF4-FFF2-40B4-BE49-F238E27FC236}">
-                <a16:creationId xmlns:a16="http://schemas.microsoft.com/office/drawing/2014/main" id="{78F7F558-0B50-C7D0-E59C-4C361EE1BE14}"/>
-              </a:ext>
-            </a:extLst>
-          </p:cNvPr>
-          <p:cNvCxnSpPr/>
-          <p:nvPr/>
-        </p:nvCxnSpPr>
-        <p:spPr>
-          <a:xfrm>
-            <a:off x="2519570" y="4572000"/>
-            <a:ext cx="2847560" cy="567964"/>
-          </a:xfrm>
-          <a:prstGeom prst="bentConnector3">
-            <a:avLst/>
-          </a:prstGeom>
-          <a:ln w="28575">
-            <a:solidFill>
-              <a:schemeClr val="tx1"/>
-            </a:solidFill>
-          </a:ln>
-        </p:spPr>
-        <p:style>
-          <a:lnRef idx="2">
-            <a:schemeClr val="accent1"/>
-          </a:lnRef>
-          <a:fillRef idx="0">
-            <a:schemeClr val="accent1"/>
-          </a:fillRef>
-          <a:effectRef idx="1">
-            <a:schemeClr val="accent1"/>
-          </a:effectRef>
-          <a:fontRef idx="minor">
-            <a:schemeClr val="tx1"/>
-          </a:fontRef>
-        </p:style>
-      </p:cxnSp>
-      <p:cxnSp>
-        <p:nvCxnSpPr>
-          <p:cNvPr id="21" name="Connettore a gomito 20">
-            <a:extLst>
-              <a:ext uri="{FF2B5EF4-FFF2-40B4-BE49-F238E27FC236}">
-                <a16:creationId xmlns:a16="http://schemas.microsoft.com/office/drawing/2014/main" id="{B4519B7E-6DF7-0113-AF57-F2690A0368DF}"/>
-              </a:ext>
-            </a:extLst>
-          </p:cNvPr>
-          <p:cNvCxnSpPr/>
-          <p:nvPr/>
-        </p:nvCxnSpPr>
-        <p:spPr>
-          <a:xfrm flipV="1">
-            <a:off x="2519570" y="3667539"/>
-            <a:ext cx="2847560" cy="168965"/>
-          </a:xfrm>
-          <a:prstGeom prst="bentConnector3">
-            <a:avLst>
-              <a:gd name="adj1" fmla="val 44415"/>
-            </a:avLst>
-          </a:prstGeom>
-          <a:ln w="28575">
-            <a:solidFill>
-              <a:schemeClr val="tx1"/>
-            </a:solidFill>
-          </a:ln>
-        </p:spPr>
-        <p:style>
-          <a:lnRef idx="2">
-            <a:schemeClr val="accent1"/>
-          </a:lnRef>
-          <a:fillRef idx="0">
-            <a:schemeClr val="accent1"/>
-          </a:fillRef>
-          <a:effectRef idx="1">
-            <a:schemeClr val="accent1"/>
-          </a:effectRef>
-          <a:fontRef idx="minor">
-            <a:schemeClr val="tx1"/>
-          </a:fontRef>
-        </p:style>
-      </p:cxnSp>
-      <p:cxnSp>
-        <p:nvCxnSpPr>
-          <p:cNvPr id="23" name="Connettore a gomito 22">
-            <a:extLst>
-              <a:ext uri="{FF2B5EF4-FFF2-40B4-BE49-F238E27FC236}">
-                <a16:creationId xmlns:a16="http://schemas.microsoft.com/office/drawing/2014/main" id="{BF32125A-B241-1258-2D4E-6F41A8CE53B6}"/>
-              </a:ext>
-            </a:extLst>
-          </p:cNvPr>
-          <p:cNvCxnSpPr/>
-          <p:nvPr/>
-        </p:nvCxnSpPr>
-        <p:spPr>
-          <a:xfrm flipV="1">
-            <a:off x="2519570" y="4004420"/>
-            <a:ext cx="2847560" cy="219764"/>
-          </a:xfrm>
-          <a:prstGeom prst="bentConnector3">
-            <a:avLst>
-              <a:gd name="adj1" fmla="val 54537"/>
-            </a:avLst>
-          </a:prstGeom>
-          <a:ln w="28575">
-            <a:solidFill>
-              <a:schemeClr val="tx1"/>
-            </a:solidFill>
-          </a:ln>
-        </p:spPr>
-        <p:style>
-          <a:lnRef idx="2">
-            <a:schemeClr val="accent1"/>
-          </a:lnRef>
-          <a:fillRef idx="0">
-            <a:schemeClr val="accent1"/>
-          </a:fillRef>
-          <a:effectRef idx="1">
-            <a:schemeClr val="accent1"/>
-          </a:effectRef>
-          <a:fontRef idx="minor">
-            <a:schemeClr val="tx1"/>
-          </a:fontRef>
-        </p:style>
-      </p:cxnSp>
-      <p:cxnSp>
-        <p:nvCxnSpPr>
-          <p:cNvPr id="25" name="Connettore a gomito 24">
-            <a:extLst>
-              <a:ext uri="{FF2B5EF4-FFF2-40B4-BE49-F238E27FC236}">
-                <a16:creationId xmlns:a16="http://schemas.microsoft.com/office/drawing/2014/main" id="{2B47BB37-66A1-9508-94D3-12E723DF5064}"/>
-              </a:ext>
-            </a:extLst>
-          </p:cNvPr>
-          <p:cNvCxnSpPr>
-            <a:cxnSpLocks/>
-          </p:cNvCxnSpPr>
-          <p:nvPr/>
-        </p:nvCxnSpPr>
-        <p:spPr>
-          <a:xfrm>
-            <a:off x="2519570" y="4908847"/>
-            <a:ext cx="2847560" cy="623089"/>
-          </a:xfrm>
-          <a:prstGeom prst="bentConnector3">
-            <a:avLst>
-              <a:gd name="adj1" fmla="val 41623"/>
-            </a:avLst>
-          </a:prstGeom>
-          <a:ln w="28575">
-            <a:solidFill>
-              <a:schemeClr val="tx1"/>
-            </a:solidFill>
-          </a:ln>
-        </p:spPr>
-        <p:style>
-          <a:lnRef idx="2">
-            <a:schemeClr val="accent1"/>
-          </a:lnRef>
-          <a:fillRef idx="0">
-            <a:schemeClr val="accent1"/>
-          </a:fillRef>
-          <a:effectRef idx="1">
-            <a:schemeClr val="accent1"/>
-          </a:effectRef>
-          <a:fontRef idx="minor">
-            <a:schemeClr val="tx1"/>
-          </a:fontRef>
-        </p:style>
-      </p:cxnSp>
-      <p:cxnSp>
-        <p:nvCxnSpPr>
-          <p:cNvPr id="30" name="Connettore a gomito 29">
-            <a:extLst>
-              <a:ext uri="{FF2B5EF4-FFF2-40B4-BE49-F238E27FC236}">
-                <a16:creationId xmlns:a16="http://schemas.microsoft.com/office/drawing/2014/main" id="{778CF2F4-4A26-7210-CBE5-5AF249D09DFE}"/>
-              </a:ext>
-            </a:extLst>
-          </p:cNvPr>
-          <p:cNvCxnSpPr>
-            <a:cxnSpLocks/>
-          </p:cNvCxnSpPr>
-          <p:nvPr/>
-        </p:nvCxnSpPr>
-        <p:spPr>
-          <a:xfrm flipV="1">
-            <a:off x="6821143" y="4021260"/>
-            <a:ext cx="2851287" cy="394475"/>
-          </a:xfrm>
-          <a:prstGeom prst="bentConnector3">
-            <a:avLst>
-              <a:gd name="adj1" fmla="val 44423"/>
-            </a:avLst>
-          </a:prstGeom>
-          <a:ln w="28575">
-            <a:solidFill>
-              <a:schemeClr val="tx1"/>
-            </a:solidFill>
-          </a:ln>
-        </p:spPr>
-        <p:style>
-          <a:lnRef idx="2">
-            <a:schemeClr val="accent1"/>
-          </a:lnRef>
-          <a:fillRef idx="0">
-            <a:schemeClr val="accent1"/>
-          </a:fillRef>
-          <a:effectRef idx="1">
-            <a:schemeClr val="accent1"/>
-          </a:effectRef>
-          <a:fontRef idx="minor">
-            <a:schemeClr val="tx1"/>
-          </a:fontRef>
-        </p:style>
-      </p:cxnSp>
-      <p:cxnSp>
-        <p:nvCxnSpPr>
-          <p:cNvPr id="32" name="Connettore a gomito 31">
-            <a:extLst>
-              <a:ext uri="{FF2B5EF4-FFF2-40B4-BE49-F238E27FC236}">
-                <a16:creationId xmlns:a16="http://schemas.microsoft.com/office/drawing/2014/main" id="{D3CC8004-8980-3A88-B38D-66880512FED9}"/>
-              </a:ext>
-            </a:extLst>
-          </p:cNvPr>
-          <p:cNvCxnSpPr>
-            <a:cxnSpLocks/>
-          </p:cNvCxnSpPr>
-          <p:nvPr/>
-        </p:nvCxnSpPr>
-        <p:spPr>
-          <a:xfrm flipV="1">
-            <a:off x="6820522" y="4415735"/>
-            <a:ext cx="2851908" cy="359520"/>
-          </a:xfrm>
-          <a:prstGeom prst="bentConnector3">
-            <a:avLst>
-              <a:gd name="adj1" fmla="val 59061"/>
-            </a:avLst>
-          </a:prstGeom>
-          <a:ln w="28575">
-            <a:solidFill>
-              <a:schemeClr val="tx1"/>
-            </a:solidFill>
-          </a:ln>
-        </p:spPr>
-        <p:style>
-          <a:lnRef idx="2">
-            <a:schemeClr val="accent1"/>
-          </a:lnRef>
-          <a:fillRef idx="0">
-            <a:schemeClr val="accent1"/>
-          </a:fillRef>
-          <a:effectRef idx="1">
-            <a:schemeClr val="accent1"/>
-          </a:effectRef>
-          <a:fontRef idx="minor">
-            <a:schemeClr val="tx1"/>
-          </a:fontRef>
-        </p:style>
-      </p:cxnSp>
-      <p:cxnSp>
-        <p:nvCxnSpPr>
-          <p:cNvPr id="43" name="Connettore a gomito 42">
-            <a:extLst>
-              <a:ext uri="{FF2B5EF4-FFF2-40B4-BE49-F238E27FC236}">
-                <a16:creationId xmlns:a16="http://schemas.microsoft.com/office/drawing/2014/main" id="{EDC2C7BB-5179-7D71-FB7E-243566406AE7}"/>
-              </a:ext>
-            </a:extLst>
-          </p:cNvPr>
-          <p:cNvCxnSpPr>
-            <a:cxnSpLocks/>
-          </p:cNvCxnSpPr>
-          <p:nvPr/>
-        </p:nvCxnSpPr>
-        <p:spPr>
-          <a:xfrm>
-            <a:off x="2519570" y="5029200"/>
-            <a:ext cx="7152860" cy="839583"/>
-          </a:xfrm>
-          <a:prstGeom prst="bentConnector3">
-            <a:avLst>
-              <a:gd name="adj1" fmla="val -23"/>
-            </a:avLst>
-          </a:prstGeom>
-          <a:ln w="28575">
-            <a:solidFill>
-              <a:schemeClr val="tx1"/>
-            </a:solidFill>
-          </a:ln>
-        </p:spPr>
-        <p:style>
-          <a:lnRef idx="2">
-            <a:schemeClr val="accent1"/>
-          </a:lnRef>
-          <a:fillRef idx="0">
-            <a:schemeClr val="accent1"/>
-          </a:fillRef>
-          <a:effectRef idx="1">
-            <a:schemeClr val="accent1"/>
-          </a:effectRef>
-          <a:fontRef idx="minor">
-            <a:schemeClr val="tx1"/>
-          </a:fontRef>
-        </p:style>
-      </p:cxnSp>
-      <p:cxnSp>
-        <p:nvCxnSpPr>
-          <p:cNvPr id="48" name="Connettore diritto 47">
-            <a:extLst>
-              <a:ext uri="{FF2B5EF4-FFF2-40B4-BE49-F238E27FC236}">
-                <a16:creationId xmlns:a16="http://schemas.microsoft.com/office/drawing/2014/main" id="{508583A3-C644-F705-E4E1-9B0EB3B66062}"/>
-              </a:ext>
-            </a:extLst>
-          </p:cNvPr>
-          <p:cNvCxnSpPr/>
-          <p:nvPr/>
-        </p:nvCxnSpPr>
-        <p:spPr>
-          <a:xfrm flipV="1">
-            <a:off x="9672430" y="5504620"/>
-            <a:ext cx="0" cy="364163"/>
-          </a:xfrm>
-          <a:prstGeom prst="line">
-            <a:avLst/>
-          </a:prstGeom>
-          <a:ln w="28575">
-            <a:solidFill>
-              <a:schemeClr val="tx1"/>
-            </a:solidFill>
-          </a:ln>
-        </p:spPr>
-        <p:style>
-          <a:lnRef idx="2">
-            <a:schemeClr val="accent1"/>
-          </a:lnRef>
-          <a:fillRef idx="0">
-            <a:schemeClr val="accent1"/>
-          </a:fillRef>
-          <a:effectRef idx="1">
-            <a:schemeClr val="accent1"/>
-          </a:effectRef>
-          <a:fontRef idx="minor">
-            <a:schemeClr val="tx1"/>
-          </a:fontRef>
-        </p:style>
-      </p:cxnSp>
-    </p:spTree>
-    <p:extLst>
-      <p:ext uri="{BB962C8B-B14F-4D97-AF65-F5344CB8AC3E}">
-        <p14:creationId xmlns:p14="http://schemas.microsoft.com/office/powerpoint/2010/main" val="268563174"/>
-      </p:ext>
-    </p:extLst>
-  </p:cSld>
-  <p:clrMapOvr>
-    <a:masterClrMapping/>
-  </p:clrMapOvr>
-</p:sld>
-</file>
-
-<file path=ppt/slides/slide2.xml><?xml version="1.0" encoding="utf-8"?>
-<p:sld xmlns:a="http://schemas.openxmlformats.org/drawingml/2006/main" xmlns:r="http://schemas.openxmlformats.org/officeDocument/2006/relationships" xmlns:p="http://schemas.openxmlformats.org/presentationml/2006/main">
-  <p:cSld>
-    <p:spTree>
-      <p:nvGrpSpPr>
-        <p:cNvPr id="1" name="">
-          <a:extLst>
-            <a:ext uri="{FF2B5EF4-FFF2-40B4-BE49-F238E27FC236}">
-              <a16:creationId xmlns:a16="http://schemas.microsoft.com/office/drawing/2014/main" id="{13452902-3B32-2A2A-4BC5-D0CC1C15C0CE}"/>
-            </a:ext>
-          </a:extLst>
-        </p:cNvPr>
-        <p:cNvGrpSpPr/>
-        <p:nvPr/>
-      </p:nvGrpSpPr>
-      <p:grpSpPr>
-        <a:xfrm>
-          <a:off x="0" y="0"/>
-          <a:ext cx="0" cy="0"/>
-          <a:chOff x="0" y="0"/>
-          <a:chExt cx="0" cy="0"/>
-        </a:xfrm>
-      </p:grpSpPr>
-      <p:sp>
-        <p:nvSpPr>
-          <p:cNvPr id="13" name="Rettangolo 12">
-            <a:extLst>
-              <a:ext uri="{FF2B5EF4-FFF2-40B4-BE49-F238E27FC236}">
-                <a16:creationId xmlns:a16="http://schemas.microsoft.com/office/drawing/2014/main" id="{9BBA9CF3-851F-F731-FFDD-4EFCFE339027}"/>
-              </a:ext>
-            </a:extLst>
-          </p:cNvPr>
-          <p:cNvSpPr/>
-          <p:nvPr/>
-        </p:nvSpPr>
-        <p:spPr>
-          <a:xfrm>
-            <a:off x="511277" y="68826"/>
-            <a:ext cx="11444749" cy="6287524"/>
-          </a:xfrm>
-          <a:prstGeom prst="rect">
-            <a:avLst/>
-          </a:prstGeom>
-          <a:solidFill>
-            <a:schemeClr val="bg1"/>
-          </a:solidFill>
-          <a:ln>
-            <a:noFill/>
-          </a:ln>
-        </p:spPr>
-        <p:style>
-          <a:lnRef idx="2">
-            <a:schemeClr val="accent1">
-              <a:shade val="15000"/>
-            </a:schemeClr>
-          </a:lnRef>
-          <a:fillRef idx="1">
-            <a:schemeClr val="accent1"/>
-          </a:fillRef>
-          <a:effectRef idx="0">
-            <a:schemeClr val="accent1"/>
-          </a:effectRef>
-          <a:fontRef idx="minor">
-            <a:schemeClr val="lt1"/>
-          </a:fontRef>
-        </p:style>
-        <p:txBody>
-          <a:bodyPr rtlCol="0" anchor="ctr"/>
-          <a:lstStyle/>
-          <a:p>
-            <a:pPr algn="ctr"/>
-            <a:endParaRPr lang="en-GB">
-              <a:solidFill>
-                <a:schemeClr val="bg1"/>
-              </a:solidFill>
-            </a:endParaRPr>
-          </a:p>
-        </p:txBody>
-      </p:sp>
-      <p:sp>
-        <p:nvSpPr>
-          <p:cNvPr id="3" name="Segnaposto numero diapositiva 2">
-            <a:extLst>
-              <a:ext uri="{FF2B5EF4-FFF2-40B4-BE49-F238E27FC236}">
-                <a16:creationId xmlns:a16="http://schemas.microsoft.com/office/drawing/2014/main" id="{3C7D1CD0-D4E3-907F-428E-744C5572BBE0}"/>
-              </a:ext>
-            </a:extLst>
-          </p:cNvPr>
-          <p:cNvSpPr>
-            <a:spLocks noGrp="1"/>
-          </p:cNvSpPr>
-          <p:nvPr>
-            <p:ph type="sldNum" sz="quarter" idx="12"/>
-          </p:nvPr>
-        </p:nvSpPr>
-        <p:spPr/>
-        <p:txBody>
-          <a:bodyPr/>
-          <a:lstStyle/>
-          <a:p>
-            <a:fld id="{D6BD06CD-B145-4B85-923B-7109E1F5ABEC}" type="slidenum">
-              <a:rPr lang="en-GB" smtClean="0"/>
-              <a:t>2</a:t>
-            </a:fld>
-            <a:endParaRPr lang="en-GB"/>
-          </a:p>
-        </p:txBody>
-      </p:sp>
-      <p:graphicFrame>
-        <p:nvGraphicFramePr>
-          <p:cNvPr id="4" name="Segnaposto contenuto 3">
-            <a:extLst>
-              <a:ext uri="{FF2B5EF4-FFF2-40B4-BE49-F238E27FC236}">
-                <a16:creationId xmlns:a16="http://schemas.microsoft.com/office/drawing/2014/main" id="{0CF54339-6408-9CE0-68BB-3C454D24A16B}"/>
-              </a:ext>
-            </a:extLst>
-          </p:cNvPr>
-          <p:cNvGraphicFramePr>
-            <a:graphicFrameLocks noGrp="1"/>
-          </p:cNvGraphicFramePr>
-          <p:nvPr>
-            <p:ph idx="1"/>
-            <p:extLst>
-              <p:ext uri="{D42A27DB-BD31-4B8C-83A1-F6EECF244321}">
-                <p14:modId xmlns:p14="http://schemas.microsoft.com/office/powerpoint/2010/main" val="3417700635"/>
-              </p:ext>
-            </p:extLst>
-          </p:nvPr>
-        </p:nvGraphicFramePr>
-        <p:xfrm>
-          <a:off x="838200" y="3297084"/>
-          <a:ext cx="1914940" cy="1854200"/>
-        </p:xfrm>
-        <a:graphic>
-          <a:graphicData uri="http://schemas.openxmlformats.org/drawingml/2006/table">
-            <a:tbl>
-              <a:tblPr firstRow="1" bandRow="1">
-                <a:tableStyleId>{5C22544A-7EE6-4342-B048-85BDC9FD1C3A}</a:tableStyleId>
-              </a:tblPr>
-              <a:tblGrid>
-                <a:gridCol w="1437861">
-                  <a:extLst>
-                    <a:ext uri="{9D8B030D-6E8A-4147-A177-3AD203B41FA5}">
-                      <a16:colId xmlns:a16="http://schemas.microsoft.com/office/drawing/2014/main" val="3363426028"/>
-                    </a:ext>
-                  </a:extLst>
-                </a:gridCol>
-                <a:gridCol w="477079">
-                  <a:extLst>
-                    <a:ext uri="{9D8B030D-6E8A-4147-A177-3AD203B41FA5}">
-                      <a16:colId xmlns:a16="http://schemas.microsoft.com/office/drawing/2014/main" val="888482125"/>
-                    </a:ext>
-                  </a:extLst>
-                </a:gridCol>
-              </a:tblGrid>
-              <a:tr h="370840">
-                <a:tc>
-                  <a:txBody>
-                    <a:bodyPr/>
-                    <a:lstStyle/>
-                    <a:p>
-                      <a:pPr algn="ctr"/>
-                      <a:r>
-                        <a:rPr lang="it-IT" b="1" dirty="0">
-                          <a:solidFill>
-                            <a:schemeClr val="tx1"/>
-                          </a:solidFill>
-                        </a:rPr>
-                        <a:t>D27</a:t>
-                      </a:r>
-                      <a:endParaRPr lang="en-GB" b="1" dirty="0">
-                        <a:solidFill>
-                          <a:schemeClr val="tx1"/>
-                        </a:solidFill>
-                      </a:endParaRPr>
-                    </a:p>
-                  </a:txBody>
-                  <a:tcPr>
-                    <a:lnL w="12700" cap="flat" cmpd="sng" algn="ctr">
-                      <a:solidFill>
-                        <a:schemeClr val="tx1"/>
-                      </a:solidFill>
-                      <a:prstDash val="solid"/>
-                      <a:round/>
-                      <a:headEnd type="none" w="med" len="med"/>
-                      <a:tailEnd type="none" w="med" len="med"/>
-                    </a:lnL>
-                    <a:lnR w="12700" cap="flat" cmpd="sng" algn="ctr">
-                      <a:solidFill>
-                        <a:schemeClr val="tx1"/>
-                      </a:solidFill>
-                      <a:prstDash val="solid"/>
-                      <a:round/>
-                      <a:headEnd type="none" w="med" len="med"/>
-                      <a:tailEnd type="none" w="med" len="med"/>
-                    </a:lnR>
-                    <a:lnT w="12700" cap="flat" cmpd="sng" algn="ctr">
-                      <a:solidFill>
-                        <a:schemeClr val="tx1"/>
-                      </a:solidFill>
-                      <a:prstDash val="solid"/>
-                      <a:round/>
-                      <a:headEnd type="none" w="med" len="med"/>
-                      <a:tailEnd type="none" w="med" len="med"/>
-                    </a:lnT>
-                    <a:lnB w="12700" cap="flat" cmpd="sng" algn="ctr">
-                      <a:solidFill>
-                        <a:schemeClr val="tx1"/>
-                      </a:solidFill>
-                      <a:prstDash val="solid"/>
-                      <a:round/>
-                      <a:headEnd type="none" w="med" len="med"/>
-                      <a:tailEnd type="none" w="med" len="med"/>
-                    </a:lnB>
-                    <a:noFill/>
-                  </a:tcPr>
-                </a:tc>
-                <a:tc>
-                  <a:txBody>
-                    <a:bodyPr/>
-                    <a:lstStyle/>
-                    <a:p>
-                      <a:pPr algn="ctr"/>
-                      <a:endParaRPr lang="en-GB" b="1">
-                        <a:solidFill>
-                          <a:schemeClr val="tx1"/>
-                        </a:solidFill>
-                      </a:endParaRPr>
-                    </a:p>
-                  </a:txBody>
-                  <a:tcPr>
-                    <a:lnL w="12700" cap="flat" cmpd="sng" algn="ctr">
-                      <a:solidFill>
-                        <a:schemeClr val="tx1"/>
-                      </a:solidFill>
-                      <a:prstDash val="solid"/>
-                      <a:round/>
-                      <a:headEnd type="none" w="med" len="med"/>
-                      <a:tailEnd type="none" w="med" len="med"/>
-                    </a:lnL>
-                    <a:lnR w="12700" cap="flat" cmpd="sng" algn="ctr">
-                      <a:solidFill>
-                        <a:schemeClr val="tx1"/>
-                      </a:solidFill>
-                      <a:prstDash val="solid"/>
-                      <a:round/>
-                      <a:headEnd type="none" w="med" len="med"/>
-                      <a:tailEnd type="none" w="med" len="med"/>
-                    </a:lnR>
-                    <a:lnT w="12700" cap="flat" cmpd="sng" algn="ctr">
-                      <a:solidFill>
-                        <a:schemeClr val="tx1"/>
-                      </a:solidFill>
-                      <a:prstDash val="solid"/>
-                      <a:round/>
-                      <a:headEnd type="none" w="med" len="med"/>
-                      <a:tailEnd type="none" w="med" len="med"/>
-                    </a:lnT>
-                    <a:lnB w="12700" cap="flat" cmpd="sng" algn="ctr">
-                      <a:solidFill>
-                        <a:schemeClr val="tx1"/>
-                      </a:solidFill>
-                      <a:prstDash val="solid"/>
-                      <a:round/>
-                      <a:headEnd type="none" w="med" len="med"/>
-                      <a:tailEnd type="none" w="med" len="med"/>
-                    </a:lnB>
-                    <a:noFill/>
-                  </a:tcPr>
-                </a:tc>
-                <a:extLst>
-                  <a:ext uri="{0D108BD9-81ED-4DB2-BD59-A6C34878D82A}">
-                    <a16:rowId xmlns:a16="http://schemas.microsoft.com/office/drawing/2014/main" val="3552436575"/>
-                  </a:ext>
-                </a:extLst>
-              </a:tr>
-              <a:tr h="370840">
-                <a:tc>
-                  <a:txBody>
-                    <a:bodyPr/>
-                    <a:lstStyle/>
-                    <a:p>
-                      <a:pPr algn="ctr"/>
-                      <a:r>
-                        <a:rPr lang="it-IT" b="1" dirty="0">
-                          <a:solidFill>
-                            <a:schemeClr val="tx1"/>
-                          </a:solidFill>
-                        </a:rPr>
-                        <a:t>RX2 or D16</a:t>
-                      </a:r>
-                    </a:p>
-                  </a:txBody>
-                  <a:tcPr>
-                    <a:lnL w="12700" cap="flat" cmpd="sng" algn="ctr">
-                      <a:solidFill>
-                        <a:schemeClr val="tx1"/>
-                      </a:solidFill>
-                      <a:prstDash val="solid"/>
-                      <a:round/>
-                      <a:headEnd type="none" w="med" len="med"/>
-                      <a:tailEnd type="none" w="med" len="med"/>
-                    </a:lnL>
-                    <a:lnR w="12700" cap="flat" cmpd="sng" algn="ctr">
-                      <a:solidFill>
-                        <a:schemeClr val="tx1"/>
-                      </a:solidFill>
-                      <a:prstDash val="solid"/>
-                      <a:round/>
-                      <a:headEnd type="none" w="med" len="med"/>
-                      <a:tailEnd type="none" w="med" len="med"/>
-                    </a:lnR>
-                    <a:lnT w="12700" cap="flat" cmpd="sng" algn="ctr">
-                      <a:solidFill>
-                        <a:schemeClr val="tx1"/>
-                      </a:solidFill>
-                      <a:prstDash val="solid"/>
-                      <a:round/>
-                      <a:headEnd type="none" w="med" len="med"/>
-                      <a:tailEnd type="none" w="med" len="med"/>
-                    </a:lnT>
-                    <a:lnB w="12700" cap="flat" cmpd="sng" algn="ctr">
-                      <a:solidFill>
-                        <a:schemeClr val="tx1"/>
-                      </a:solidFill>
-                      <a:prstDash val="solid"/>
-                      <a:round/>
-                      <a:headEnd type="none" w="med" len="med"/>
-                      <a:tailEnd type="none" w="med" len="med"/>
-                    </a:lnB>
-                    <a:noFill/>
-                  </a:tcPr>
-                </a:tc>
-                <a:tc>
-                  <a:txBody>
-                    <a:bodyPr/>
-                    <a:lstStyle/>
-                    <a:p>
-                      <a:pPr algn="ctr"/>
-                      <a:endParaRPr lang="en-GB" b="1">
-                        <a:solidFill>
-                          <a:schemeClr val="tx1"/>
-                        </a:solidFill>
-                      </a:endParaRPr>
-                    </a:p>
-                  </a:txBody>
-                  <a:tcPr>
-                    <a:lnL w="12700" cap="flat" cmpd="sng" algn="ctr">
-                      <a:solidFill>
-                        <a:schemeClr val="tx1"/>
-                      </a:solidFill>
-                      <a:prstDash val="solid"/>
-                      <a:round/>
-                      <a:headEnd type="none" w="med" len="med"/>
-                      <a:tailEnd type="none" w="med" len="med"/>
-                    </a:lnL>
-                    <a:lnR w="12700" cap="flat" cmpd="sng" algn="ctr">
-                      <a:solidFill>
-                        <a:schemeClr val="tx1"/>
-                      </a:solidFill>
-                      <a:prstDash val="solid"/>
-                      <a:round/>
-                      <a:headEnd type="none" w="med" len="med"/>
-                      <a:tailEnd type="none" w="med" len="med"/>
-                    </a:lnR>
-                    <a:lnT w="12700" cap="flat" cmpd="sng" algn="ctr">
-                      <a:solidFill>
-                        <a:schemeClr val="tx1"/>
-                      </a:solidFill>
-                      <a:prstDash val="solid"/>
-                      <a:round/>
-                      <a:headEnd type="none" w="med" len="med"/>
-                      <a:tailEnd type="none" w="med" len="med"/>
-                    </a:lnT>
-                    <a:lnB w="12700" cap="flat" cmpd="sng" algn="ctr">
-                      <a:solidFill>
-                        <a:schemeClr val="tx1"/>
-                      </a:solidFill>
-                      <a:prstDash val="solid"/>
-                      <a:round/>
-                      <a:headEnd type="none" w="med" len="med"/>
-                      <a:tailEnd type="none" w="med" len="med"/>
-                    </a:lnB>
-                    <a:noFill/>
-                  </a:tcPr>
-                </a:tc>
-                <a:extLst>
-                  <a:ext uri="{0D108BD9-81ED-4DB2-BD59-A6C34878D82A}">
-                    <a16:rowId xmlns:a16="http://schemas.microsoft.com/office/drawing/2014/main" val="2858923362"/>
-                  </a:ext>
-                </a:extLst>
-              </a:tr>
-              <a:tr h="370840">
-                <a:tc>
-                  <a:txBody>
-                    <a:bodyPr/>
-                    <a:lstStyle/>
-                    <a:p>
-                      <a:pPr algn="ctr"/>
-                      <a:r>
-                        <a:rPr lang="it-IT" b="1" dirty="0">
-                          <a:solidFill>
-                            <a:schemeClr val="tx1"/>
-                          </a:solidFill>
-                        </a:rPr>
-                        <a:t>TX2 or D17</a:t>
-                      </a:r>
-                      <a:endParaRPr lang="en-GB" b="1" dirty="0">
-                        <a:solidFill>
-                          <a:schemeClr val="tx1"/>
-                        </a:solidFill>
-                      </a:endParaRPr>
-                    </a:p>
-                  </a:txBody>
-                  <a:tcPr>
-                    <a:lnL w="12700" cap="flat" cmpd="sng" algn="ctr">
-                      <a:solidFill>
-                        <a:schemeClr val="tx1"/>
-                      </a:solidFill>
-                      <a:prstDash val="solid"/>
-                      <a:round/>
-                      <a:headEnd type="none" w="med" len="med"/>
-                      <a:tailEnd type="none" w="med" len="med"/>
-                    </a:lnL>
-                    <a:lnR w="12700" cap="flat" cmpd="sng" algn="ctr">
-                      <a:solidFill>
-                        <a:schemeClr val="tx1"/>
-                      </a:solidFill>
-                      <a:prstDash val="solid"/>
-                      <a:round/>
-                      <a:headEnd type="none" w="med" len="med"/>
-                      <a:tailEnd type="none" w="med" len="med"/>
-                    </a:lnR>
-                    <a:lnT w="12700" cap="flat" cmpd="sng" algn="ctr">
-                      <a:solidFill>
-                        <a:schemeClr val="tx1"/>
-                      </a:solidFill>
-                      <a:prstDash val="solid"/>
-                      <a:round/>
-                      <a:headEnd type="none" w="med" len="med"/>
-                      <a:tailEnd type="none" w="med" len="med"/>
-                    </a:lnT>
-                    <a:lnB w="12700" cap="flat" cmpd="sng" algn="ctr">
-                      <a:solidFill>
-                        <a:schemeClr val="tx1"/>
-                      </a:solidFill>
-                      <a:prstDash val="solid"/>
-                      <a:round/>
-                      <a:headEnd type="none" w="med" len="med"/>
-                      <a:tailEnd type="none" w="med" len="med"/>
-                    </a:lnB>
-                    <a:noFill/>
-                  </a:tcPr>
-                </a:tc>
-                <a:tc>
-                  <a:txBody>
-                    <a:bodyPr/>
-                    <a:lstStyle/>
-                    <a:p>
-                      <a:pPr algn="ctr"/>
-                      <a:endParaRPr lang="en-GB" b="1" dirty="0">
-                        <a:solidFill>
-                          <a:schemeClr val="tx1"/>
-                        </a:solidFill>
-                      </a:endParaRPr>
-                    </a:p>
-                  </a:txBody>
-                  <a:tcPr>
-                    <a:lnL w="12700" cap="flat" cmpd="sng" algn="ctr">
-                      <a:solidFill>
-                        <a:schemeClr val="tx1"/>
-                      </a:solidFill>
-                      <a:prstDash val="solid"/>
-                      <a:round/>
-                      <a:headEnd type="none" w="med" len="med"/>
-                      <a:tailEnd type="none" w="med" len="med"/>
-                    </a:lnL>
-                    <a:lnR w="12700" cap="flat" cmpd="sng" algn="ctr">
-                      <a:solidFill>
-                        <a:schemeClr val="tx1"/>
-                      </a:solidFill>
-                      <a:prstDash val="solid"/>
-                      <a:round/>
-                      <a:headEnd type="none" w="med" len="med"/>
-                      <a:tailEnd type="none" w="med" len="med"/>
-                    </a:lnR>
-                    <a:lnT w="12700" cap="flat" cmpd="sng" algn="ctr">
-                      <a:solidFill>
-                        <a:schemeClr val="tx1"/>
-                      </a:solidFill>
-                      <a:prstDash val="solid"/>
-                      <a:round/>
-                      <a:headEnd type="none" w="med" len="med"/>
-                      <a:tailEnd type="none" w="med" len="med"/>
-                    </a:lnT>
-                    <a:lnB w="12700" cap="flat" cmpd="sng" algn="ctr">
-                      <a:solidFill>
-                        <a:schemeClr val="tx1"/>
-                      </a:solidFill>
-                      <a:prstDash val="solid"/>
-                      <a:round/>
-                      <a:headEnd type="none" w="med" len="med"/>
-                      <a:tailEnd type="none" w="med" len="med"/>
-                    </a:lnB>
-                    <a:noFill/>
-                  </a:tcPr>
-                </a:tc>
-                <a:extLst>
-                  <a:ext uri="{0D108BD9-81ED-4DB2-BD59-A6C34878D82A}">
-                    <a16:rowId xmlns:a16="http://schemas.microsoft.com/office/drawing/2014/main" val="4111031725"/>
-                  </a:ext>
-                </a:extLst>
-              </a:tr>
-              <a:tr h="370840">
-                <a:tc>
-                  <a:txBody>
-                    <a:bodyPr/>
-                    <a:lstStyle/>
-                    <a:p>
-                      <a:pPr algn="ctr"/>
-                      <a:r>
-                        <a:rPr lang="it-IT" b="1" dirty="0">
-                          <a:solidFill>
-                            <a:schemeClr val="tx1"/>
-                          </a:solidFill>
-                        </a:rPr>
-                        <a:t>5V or Vin</a:t>
-                      </a:r>
-                      <a:endParaRPr lang="en-GB" b="1" dirty="0">
-                        <a:solidFill>
-                          <a:schemeClr val="tx1"/>
-                        </a:solidFill>
-                      </a:endParaRPr>
-                    </a:p>
-                  </a:txBody>
-                  <a:tcPr>
-                    <a:lnL w="12700" cap="flat" cmpd="sng" algn="ctr">
-                      <a:solidFill>
-                        <a:schemeClr val="tx1"/>
-                      </a:solidFill>
-                      <a:prstDash val="solid"/>
-                      <a:round/>
-                      <a:headEnd type="none" w="med" len="med"/>
-                      <a:tailEnd type="none" w="med" len="med"/>
-                    </a:lnL>
-                    <a:lnR w="12700" cap="flat" cmpd="sng" algn="ctr">
-                      <a:solidFill>
-                        <a:schemeClr val="tx1"/>
-                      </a:solidFill>
-                      <a:prstDash val="solid"/>
-                      <a:round/>
-                      <a:headEnd type="none" w="med" len="med"/>
-                      <a:tailEnd type="none" w="med" len="med"/>
-                    </a:lnR>
-                    <a:lnT w="12700" cap="flat" cmpd="sng" algn="ctr">
-                      <a:solidFill>
-                        <a:schemeClr val="tx1"/>
-                      </a:solidFill>
-                      <a:prstDash val="solid"/>
-                      <a:round/>
-                      <a:headEnd type="none" w="med" len="med"/>
-                      <a:tailEnd type="none" w="med" len="med"/>
-                    </a:lnT>
-                    <a:lnB w="12700" cap="flat" cmpd="sng" algn="ctr">
-                      <a:solidFill>
-                        <a:schemeClr val="tx1"/>
-                      </a:solidFill>
-                      <a:prstDash val="solid"/>
-                      <a:round/>
-                      <a:headEnd type="none" w="med" len="med"/>
-                      <a:tailEnd type="none" w="med" len="med"/>
-                    </a:lnB>
-                    <a:noFill/>
-                  </a:tcPr>
-                </a:tc>
-                <a:tc>
-                  <a:txBody>
-                    <a:bodyPr/>
-                    <a:lstStyle/>
-                    <a:p>
-                      <a:pPr algn="ctr"/>
-                      <a:endParaRPr lang="en-GB" b="1" dirty="0">
-                        <a:solidFill>
-                          <a:schemeClr val="tx1"/>
-                        </a:solidFill>
-                      </a:endParaRPr>
-                    </a:p>
-                  </a:txBody>
-                  <a:tcPr>
-                    <a:lnL w="12700" cap="flat" cmpd="sng" algn="ctr">
-                      <a:solidFill>
-                        <a:schemeClr val="tx1"/>
-                      </a:solidFill>
-                      <a:prstDash val="solid"/>
-                      <a:round/>
-                      <a:headEnd type="none" w="med" len="med"/>
-                      <a:tailEnd type="none" w="med" len="med"/>
-                    </a:lnL>
-                    <a:lnR w="12700" cap="flat" cmpd="sng" algn="ctr">
-                      <a:solidFill>
-                        <a:schemeClr val="tx1"/>
-                      </a:solidFill>
-                      <a:prstDash val="solid"/>
-                      <a:round/>
-                      <a:headEnd type="none" w="med" len="med"/>
-                      <a:tailEnd type="none" w="med" len="med"/>
-                    </a:lnR>
-                    <a:lnT w="12700" cap="flat" cmpd="sng" algn="ctr">
-                      <a:solidFill>
-                        <a:schemeClr val="tx1"/>
-                      </a:solidFill>
-                      <a:prstDash val="solid"/>
-                      <a:round/>
-                      <a:headEnd type="none" w="med" len="med"/>
-                      <a:tailEnd type="none" w="med" len="med"/>
-                    </a:lnT>
-                    <a:lnB w="12700" cap="flat" cmpd="sng" algn="ctr">
-                      <a:solidFill>
-                        <a:schemeClr val="tx1"/>
-                      </a:solidFill>
-                      <a:prstDash val="solid"/>
-                      <a:round/>
-                      <a:headEnd type="none" w="med" len="med"/>
-                      <a:tailEnd type="none" w="med" len="med"/>
-                    </a:lnB>
-                    <a:noFill/>
-                  </a:tcPr>
-                </a:tc>
-                <a:extLst>
-                  <a:ext uri="{0D108BD9-81ED-4DB2-BD59-A6C34878D82A}">
-                    <a16:rowId xmlns:a16="http://schemas.microsoft.com/office/drawing/2014/main" val="2496144482"/>
-                  </a:ext>
-                </a:extLst>
-              </a:tr>
-              <a:tr h="370840">
-                <a:tc>
-                  <a:txBody>
-                    <a:bodyPr/>
-                    <a:lstStyle/>
-                    <a:p>
-                      <a:pPr algn="ctr"/>
-                      <a:r>
-                        <a:rPr lang="it-IT" b="1" dirty="0">
-                          <a:solidFill>
-                            <a:schemeClr val="tx1"/>
-                          </a:solidFill>
-                        </a:rPr>
-                        <a:t>GND</a:t>
-                      </a:r>
-                      <a:endParaRPr lang="en-GB" b="1" dirty="0">
-                        <a:solidFill>
-                          <a:schemeClr val="tx1"/>
-                        </a:solidFill>
-                      </a:endParaRPr>
-                    </a:p>
-                  </a:txBody>
-                  <a:tcPr>
-                    <a:lnL w="12700" cap="flat" cmpd="sng" algn="ctr">
-                      <a:solidFill>
-                        <a:schemeClr val="tx1"/>
-                      </a:solidFill>
-                      <a:prstDash val="solid"/>
-                      <a:round/>
-                      <a:headEnd type="none" w="med" len="med"/>
-                      <a:tailEnd type="none" w="med" len="med"/>
-                    </a:lnL>
-                    <a:lnR w="12700" cap="flat" cmpd="sng" algn="ctr">
-                      <a:solidFill>
-                        <a:schemeClr val="tx1"/>
-                      </a:solidFill>
-                      <a:prstDash val="solid"/>
-                      <a:round/>
-                      <a:headEnd type="none" w="med" len="med"/>
-                      <a:tailEnd type="none" w="med" len="med"/>
-                    </a:lnR>
-                    <a:lnT w="12700" cap="flat" cmpd="sng" algn="ctr">
-                      <a:solidFill>
-                        <a:schemeClr val="tx1"/>
-                      </a:solidFill>
-                      <a:prstDash val="solid"/>
-                      <a:round/>
-                      <a:headEnd type="none" w="med" len="med"/>
-                      <a:tailEnd type="none" w="med" len="med"/>
-                    </a:lnT>
-                    <a:lnB w="12700" cap="flat" cmpd="sng" algn="ctr">
-                      <a:solidFill>
-                        <a:schemeClr val="tx1"/>
-                      </a:solidFill>
-                      <a:prstDash val="solid"/>
-                      <a:round/>
-                      <a:headEnd type="none" w="med" len="med"/>
-                      <a:tailEnd type="none" w="med" len="med"/>
-                    </a:lnB>
-                    <a:noFill/>
-                  </a:tcPr>
-                </a:tc>
-                <a:tc>
-                  <a:txBody>
-                    <a:bodyPr/>
-                    <a:lstStyle/>
-                    <a:p>
-                      <a:pPr algn="ctr"/>
-                      <a:endParaRPr lang="en-GB" b="1" dirty="0">
-                        <a:solidFill>
-                          <a:schemeClr val="tx1"/>
-                        </a:solidFill>
-                      </a:endParaRPr>
-                    </a:p>
-                  </a:txBody>
-                  <a:tcPr>
-                    <a:lnL w="12700" cap="flat" cmpd="sng" algn="ctr">
-                      <a:solidFill>
-                        <a:schemeClr val="tx1"/>
-                      </a:solidFill>
-                      <a:prstDash val="solid"/>
-                      <a:round/>
-                      <a:headEnd type="none" w="med" len="med"/>
-                      <a:tailEnd type="none" w="med" len="med"/>
-                    </a:lnL>
-                    <a:lnR w="12700" cap="flat" cmpd="sng" algn="ctr">
-                      <a:solidFill>
-                        <a:schemeClr val="tx1"/>
-                      </a:solidFill>
-                      <a:prstDash val="solid"/>
-                      <a:round/>
-                      <a:headEnd type="none" w="med" len="med"/>
-                      <a:tailEnd type="none" w="med" len="med"/>
-                    </a:lnR>
-                    <a:lnT w="12700" cap="flat" cmpd="sng" algn="ctr">
-                      <a:solidFill>
-                        <a:schemeClr val="tx1"/>
-                      </a:solidFill>
-                      <a:prstDash val="solid"/>
-                      <a:round/>
-                      <a:headEnd type="none" w="med" len="med"/>
-                      <a:tailEnd type="none" w="med" len="med"/>
-                    </a:lnT>
-                    <a:lnB w="12700" cap="flat" cmpd="sng" algn="ctr">
-                      <a:solidFill>
-                        <a:schemeClr val="tx1"/>
-                      </a:solidFill>
-                      <a:prstDash val="solid"/>
-                      <a:round/>
-                      <a:headEnd type="none" w="med" len="med"/>
-                      <a:tailEnd type="none" w="med" len="med"/>
-                    </a:lnB>
-                    <a:noFill/>
-                  </a:tcPr>
-                </a:tc>
-                <a:extLst>
-                  <a:ext uri="{0D108BD9-81ED-4DB2-BD59-A6C34878D82A}">
-                    <a16:rowId xmlns:a16="http://schemas.microsoft.com/office/drawing/2014/main" val="527210598"/>
-                  </a:ext>
-                </a:extLst>
-              </a:tr>
-            </a:tbl>
-          </a:graphicData>
-        </a:graphic>
-      </p:graphicFrame>
-      <p:sp>
-        <p:nvSpPr>
-          <p:cNvPr id="5" name="CasellaDiTesto 4">
-            <a:extLst>
-              <a:ext uri="{FF2B5EF4-FFF2-40B4-BE49-F238E27FC236}">
-                <a16:creationId xmlns:a16="http://schemas.microsoft.com/office/drawing/2014/main" id="{17DFCDA4-5B73-7F8F-A438-1AA4574925BD}"/>
-              </a:ext>
-            </a:extLst>
-          </p:cNvPr>
-          <p:cNvSpPr txBox="1"/>
-          <p:nvPr/>
-        </p:nvSpPr>
-        <p:spPr>
-          <a:xfrm>
-            <a:off x="838200" y="2916432"/>
-            <a:ext cx="1779104" cy="369332"/>
-          </a:xfrm>
-          <a:prstGeom prst="rect">
-            <a:avLst/>
-          </a:prstGeom>
-          <a:noFill/>
-        </p:spPr>
-        <p:txBody>
-          <a:bodyPr wrap="square" rtlCol="0">
-            <a:spAutoFit/>
-          </a:bodyPr>
-          <a:lstStyle/>
-          <a:p>
-            <a:pPr algn="ctr"/>
-            <a:r>
-              <a:rPr lang="it-IT" dirty="0"/>
-              <a:t>ESP 32</a:t>
-            </a:r>
-            <a:endParaRPr lang="en-GB" dirty="0"/>
-          </a:p>
-        </p:txBody>
-      </p:sp>
-      <p:graphicFrame>
-        <p:nvGraphicFramePr>
-          <p:cNvPr id="7" name="Segnaposto contenuto 3">
-            <a:extLst>
-              <a:ext uri="{FF2B5EF4-FFF2-40B4-BE49-F238E27FC236}">
-                <a16:creationId xmlns:a16="http://schemas.microsoft.com/office/drawing/2014/main" id="{7498D74E-6DC4-9145-C075-63638C6A2A39}"/>
-              </a:ext>
-            </a:extLst>
-          </p:cNvPr>
-          <p:cNvGraphicFramePr>
-            <a:graphicFrameLocks/>
-          </p:cNvGraphicFramePr>
-          <p:nvPr>
-            <p:extLst>
-              <p:ext uri="{D42A27DB-BD31-4B8C-83A1-F6EECF244321}">
-                <p14:modId xmlns:p14="http://schemas.microsoft.com/office/powerpoint/2010/main" val="2765509657"/>
-              </p:ext>
-            </p:extLst>
-          </p:nvPr>
-        </p:nvGraphicFramePr>
-        <p:xfrm>
-          <a:off x="5138530" y="2740824"/>
-          <a:ext cx="1914940" cy="2966720"/>
-        </p:xfrm>
-        <a:graphic>
-          <a:graphicData uri="http://schemas.openxmlformats.org/drawingml/2006/table">
-            <a:tbl>
-              <a:tblPr firstRow="1" bandRow="1">
-                <a:tableStyleId>{5C22544A-7EE6-4342-B048-85BDC9FD1C3A}</a:tableStyleId>
-              </a:tblPr>
-              <a:tblGrid>
-                <a:gridCol w="506896">
-                  <a:extLst>
-                    <a:ext uri="{9D8B030D-6E8A-4147-A177-3AD203B41FA5}">
-                      <a16:colId xmlns:a16="http://schemas.microsoft.com/office/drawing/2014/main" val="929489795"/>
-                    </a:ext>
-                  </a:extLst>
-                </a:gridCol>
-                <a:gridCol w="914400">
-                  <a:extLst>
-                    <a:ext uri="{9D8B030D-6E8A-4147-A177-3AD203B41FA5}">
-                      <a16:colId xmlns:a16="http://schemas.microsoft.com/office/drawing/2014/main" val="3363426028"/>
-                    </a:ext>
-                  </a:extLst>
-                </a:gridCol>
-                <a:gridCol w="493644">
-                  <a:extLst>
-                    <a:ext uri="{9D8B030D-6E8A-4147-A177-3AD203B41FA5}">
-                      <a16:colId xmlns:a16="http://schemas.microsoft.com/office/drawing/2014/main" val="888482125"/>
-                    </a:ext>
-                  </a:extLst>
-                </a:gridCol>
-              </a:tblGrid>
-              <a:tr h="370840">
-                <a:tc>
-                  <a:txBody>
-                    <a:bodyPr/>
-                    <a:lstStyle/>
-                    <a:p>
-                      <a:pPr marL="0" algn="ctr" defTabSz="914400" rtl="0" eaLnBrk="1" latinLnBrk="0" hangingPunct="1"/>
-                      <a:endParaRPr lang="en-GB" sz="1800" b="1" kern="1200" dirty="0">
-                        <a:solidFill>
-                          <a:schemeClr val="tx1"/>
-                        </a:solidFill>
-                        <a:latin typeface="+mn-lt"/>
-                        <a:ea typeface="+mn-ea"/>
-                        <a:cs typeface="+mn-cs"/>
-                      </a:endParaRPr>
-                    </a:p>
-                  </a:txBody>
-                  <a:tcPr>
-                    <a:lnL w="12700" cap="flat" cmpd="sng" algn="ctr">
-                      <a:solidFill>
-                        <a:schemeClr val="tx1"/>
-                      </a:solidFill>
-                      <a:prstDash val="solid"/>
-                      <a:round/>
-                      <a:headEnd type="none" w="med" len="med"/>
-                      <a:tailEnd type="none" w="med" len="med"/>
-                    </a:lnL>
-                    <a:lnR w="12700" cap="flat" cmpd="sng" algn="ctr">
-                      <a:solidFill>
-                        <a:schemeClr val="tx1"/>
-                      </a:solidFill>
-                      <a:prstDash val="solid"/>
-                      <a:round/>
-                      <a:headEnd type="none" w="med" len="med"/>
-                      <a:tailEnd type="none" w="med" len="med"/>
-                    </a:lnR>
-                    <a:lnT w="12700" cap="flat" cmpd="sng" algn="ctr">
-                      <a:solidFill>
-                        <a:schemeClr val="tx1"/>
-                      </a:solidFill>
-                      <a:prstDash val="solid"/>
-                      <a:round/>
-                      <a:headEnd type="none" w="med" len="med"/>
-                      <a:tailEnd type="none" w="med" len="med"/>
-                    </a:lnT>
-                    <a:lnB w="12700" cap="flat" cmpd="sng" algn="ctr">
-                      <a:solidFill>
-                        <a:schemeClr val="tx1"/>
-                      </a:solidFill>
-                      <a:prstDash val="solid"/>
-                      <a:round/>
-                      <a:headEnd type="none" w="med" len="med"/>
-                      <a:tailEnd type="none" w="med" len="med"/>
-                    </a:lnB>
-                    <a:noFill/>
-                  </a:tcPr>
-                </a:tc>
-                <a:tc>
-                  <a:txBody>
-                    <a:bodyPr/>
-                    <a:lstStyle/>
-                    <a:p>
-                      <a:pPr marL="0" algn="ctr" defTabSz="914400" rtl="0" eaLnBrk="1" latinLnBrk="0" hangingPunct="1"/>
-                      <a:r>
-                        <a:rPr lang="it-IT" sz="1800" b="1" kern="1200" dirty="0">
-                          <a:solidFill>
-                            <a:schemeClr val="tx1"/>
-                          </a:solidFill>
-                          <a:latin typeface="+mn-lt"/>
-                          <a:ea typeface="+mn-ea"/>
-                          <a:cs typeface="+mn-cs"/>
-                        </a:rPr>
-                        <a:t>DE</a:t>
-                      </a:r>
-                    </a:p>
-                  </a:txBody>
-                  <a:tcPr>
-                    <a:lnL w="12700" cap="flat" cmpd="sng" algn="ctr">
-                      <a:solidFill>
-                        <a:schemeClr val="tx1"/>
-                      </a:solidFill>
-                      <a:prstDash val="solid"/>
-                      <a:round/>
-                      <a:headEnd type="none" w="med" len="med"/>
-                      <a:tailEnd type="none" w="med" len="med"/>
-                    </a:lnL>
-                    <a:lnR w="12700" cap="flat" cmpd="sng" algn="ctr">
-                      <a:solidFill>
-                        <a:schemeClr val="tx1"/>
-                      </a:solidFill>
-                      <a:prstDash val="solid"/>
-                      <a:round/>
-                      <a:headEnd type="none" w="med" len="med"/>
-                      <a:tailEnd type="none" w="med" len="med"/>
-                    </a:lnR>
-                    <a:lnT w="12700" cap="flat" cmpd="sng" algn="ctr">
-                      <a:solidFill>
-                        <a:schemeClr val="tx1"/>
-                      </a:solidFill>
-                      <a:prstDash val="solid"/>
-                      <a:round/>
-                      <a:headEnd type="none" w="med" len="med"/>
-                      <a:tailEnd type="none" w="med" len="med"/>
-                    </a:lnT>
-                    <a:lnB w="12700" cap="flat" cmpd="sng" algn="ctr">
-                      <a:solidFill>
-                        <a:schemeClr val="tx1"/>
-                      </a:solidFill>
-                      <a:prstDash val="solid"/>
-                      <a:round/>
-                      <a:headEnd type="none" w="med" len="med"/>
-                      <a:tailEnd type="none" w="med" len="med"/>
-                    </a:lnB>
-                    <a:noFill/>
-                  </a:tcPr>
-                </a:tc>
-                <a:tc>
-                  <a:txBody>
-                    <a:bodyPr/>
-                    <a:lstStyle/>
-                    <a:p>
-                      <a:pPr marL="0" algn="ctr" defTabSz="914400" rtl="0" eaLnBrk="1" latinLnBrk="0" hangingPunct="1"/>
-                      <a:endParaRPr lang="en-GB" sz="1800" b="1" kern="1200">
-                        <a:solidFill>
-                          <a:schemeClr val="tx1"/>
-                        </a:solidFill>
-                        <a:latin typeface="+mn-lt"/>
-                        <a:ea typeface="+mn-ea"/>
-                        <a:cs typeface="+mn-cs"/>
-                      </a:endParaRPr>
-                    </a:p>
-                  </a:txBody>
-                  <a:tcPr>
-                    <a:lnL w="12700" cap="flat" cmpd="sng" algn="ctr">
-                      <a:solidFill>
-                        <a:schemeClr val="tx1"/>
-                      </a:solidFill>
-                      <a:prstDash val="solid"/>
-                      <a:round/>
-                      <a:headEnd type="none" w="med" len="med"/>
-                      <a:tailEnd type="none" w="med" len="med"/>
-                    </a:lnL>
-                    <a:lnR w="12700" cap="flat" cmpd="sng" algn="ctr">
-                      <a:solidFill>
-                        <a:schemeClr val="tx1"/>
-                      </a:solidFill>
-                      <a:prstDash val="solid"/>
-                      <a:round/>
-                      <a:headEnd type="none" w="med" len="med"/>
-                      <a:tailEnd type="none" w="med" len="med"/>
-                    </a:lnR>
-                    <a:lnT w="12700" cap="flat" cmpd="sng" algn="ctr">
-                      <a:solidFill>
-                        <a:schemeClr val="tx1"/>
-                      </a:solidFill>
-                      <a:prstDash val="solid"/>
-                      <a:round/>
-                      <a:headEnd type="none" w="med" len="med"/>
-                      <a:tailEnd type="none" w="med" len="med"/>
-                    </a:lnT>
-                    <a:lnB w="12700" cap="flat" cmpd="sng" algn="ctr">
-                      <a:solidFill>
-                        <a:schemeClr val="tx1"/>
-                      </a:solidFill>
-                      <a:prstDash val="solid"/>
-                      <a:round/>
-                      <a:headEnd type="none" w="med" len="med"/>
-                      <a:tailEnd type="none" w="med" len="med"/>
-                    </a:lnB>
-                    <a:noFill/>
-                  </a:tcPr>
-                </a:tc>
-                <a:extLst>
-                  <a:ext uri="{0D108BD9-81ED-4DB2-BD59-A6C34878D82A}">
-                    <a16:rowId xmlns:a16="http://schemas.microsoft.com/office/drawing/2014/main" val="3552436575"/>
-                  </a:ext>
-                </a:extLst>
-              </a:tr>
-              <a:tr h="370840">
-                <a:tc>
-                  <a:txBody>
-                    <a:bodyPr/>
-                    <a:lstStyle/>
-                    <a:p>
-                      <a:pPr marL="0" algn="ctr" defTabSz="914400" rtl="0" eaLnBrk="1" latinLnBrk="0" hangingPunct="1"/>
-                      <a:endParaRPr lang="en-GB" sz="1800" b="1" kern="1200">
-                        <a:solidFill>
-                          <a:schemeClr val="tx1"/>
-                        </a:solidFill>
-                        <a:latin typeface="+mn-lt"/>
-                        <a:ea typeface="+mn-ea"/>
-                        <a:cs typeface="+mn-cs"/>
-                      </a:endParaRPr>
-                    </a:p>
-                  </a:txBody>
-                  <a:tcPr>
-                    <a:lnL w="12700" cap="flat" cmpd="sng" algn="ctr">
-                      <a:solidFill>
-                        <a:schemeClr val="tx1"/>
-                      </a:solidFill>
-                      <a:prstDash val="solid"/>
-                      <a:round/>
-                      <a:headEnd type="none" w="med" len="med"/>
-                      <a:tailEnd type="none" w="med" len="med"/>
-                    </a:lnL>
-                    <a:lnR w="12700" cap="flat" cmpd="sng" algn="ctr">
-                      <a:solidFill>
-                        <a:schemeClr val="tx1"/>
-                      </a:solidFill>
-                      <a:prstDash val="solid"/>
-                      <a:round/>
-                      <a:headEnd type="none" w="med" len="med"/>
-                      <a:tailEnd type="none" w="med" len="med"/>
-                    </a:lnR>
-                    <a:lnT w="12700" cap="flat" cmpd="sng" algn="ctr">
-                      <a:solidFill>
-                        <a:schemeClr val="tx1"/>
-                      </a:solidFill>
-                      <a:prstDash val="solid"/>
-                      <a:round/>
-                      <a:headEnd type="none" w="med" len="med"/>
-                      <a:tailEnd type="none" w="med" len="med"/>
-                    </a:lnT>
-                    <a:lnB w="12700" cap="flat" cmpd="sng" algn="ctr">
-                      <a:solidFill>
-                        <a:schemeClr val="tx1"/>
-                      </a:solidFill>
-                      <a:prstDash val="solid"/>
-                      <a:round/>
-                      <a:headEnd type="none" w="med" len="med"/>
-                      <a:tailEnd type="none" w="med" len="med"/>
-                    </a:lnB>
-                    <a:noFill/>
-                  </a:tcPr>
-                </a:tc>
-                <a:tc>
-                  <a:txBody>
-                    <a:bodyPr/>
-                    <a:lstStyle/>
-                    <a:p>
-                      <a:pPr marL="0" algn="ctr" defTabSz="914400" rtl="0" eaLnBrk="1" latinLnBrk="0" hangingPunct="1"/>
-                      <a:r>
-                        <a:rPr lang="it-IT" sz="1800" b="1" kern="1200" dirty="0">
-                          <a:solidFill>
-                            <a:schemeClr val="tx1"/>
-                          </a:solidFill>
-                          <a:latin typeface="+mn-lt"/>
-                          <a:ea typeface="+mn-ea"/>
-                          <a:cs typeface="+mn-cs"/>
-                        </a:rPr>
-                        <a:t>RE</a:t>
-                      </a:r>
-                      <a:endParaRPr lang="en-GB" sz="1800" b="1" kern="1200" dirty="0">
-                        <a:solidFill>
-                          <a:schemeClr val="tx1"/>
-                        </a:solidFill>
-                        <a:latin typeface="+mn-lt"/>
-                        <a:ea typeface="+mn-ea"/>
-                        <a:cs typeface="+mn-cs"/>
-                      </a:endParaRPr>
-                    </a:p>
-                  </a:txBody>
-                  <a:tcPr>
-                    <a:lnL w="12700" cap="flat" cmpd="sng" algn="ctr">
-                      <a:solidFill>
-                        <a:schemeClr val="tx1"/>
-                      </a:solidFill>
-                      <a:prstDash val="solid"/>
-                      <a:round/>
-                      <a:headEnd type="none" w="med" len="med"/>
-                      <a:tailEnd type="none" w="med" len="med"/>
-                    </a:lnL>
-                    <a:lnR w="12700" cap="flat" cmpd="sng" algn="ctr">
-                      <a:solidFill>
-                        <a:schemeClr val="tx1"/>
-                      </a:solidFill>
-                      <a:prstDash val="solid"/>
-                      <a:round/>
-                      <a:headEnd type="none" w="med" len="med"/>
-                      <a:tailEnd type="none" w="med" len="med"/>
-                    </a:lnR>
-                    <a:lnT w="12700" cap="flat" cmpd="sng" algn="ctr">
-                      <a:solidFill>
-                        <a:schemeClr val="tx1"/>
-                      </a:solidFill>
-                      <a:prstDash val="solid"/>
-                      <a:round/>
-                      <a:headEnd type="none" w="med" len="med"/>
-                      <a:tailEnd type="none" w="med" len="med"/>
-                    </a:lnT>
-                    <a:lnB w="12700" cap="flat" cmpd="sng" algn="ctr">
-                      <a:solidFill>
-                        <a:schemeClr val="tx1"/>
-                      </a:solidFill>
-                      <a:prstDash val="solid"/>
-                      <a:round/>
-                      <a:headEnd type="none" w="med" len="med"/>
-                      <a:tailEnd type="none" w="med" len="med"/>
-                    </a:lnB>
-                    <a:noFill/>
-                  </a:tcPr>
-                </a:tc>
-                <a:tc>
-                  <a:txBody>
-                    <a:bodyPr/>
-                    <a:lstStyle/>
-                    <a:p>
-                      <a:pPr marL="0" algn="ctr" defTabSz="914400" rtl="0" eaLnBrk="1" latinLnBrk="0" hangingPunct="1"/>
-                      <a:endParaRPr lang="en-GB" sz="1800" b="1" kern="1200">
-                        <a:solidFill>
-                          <a:schemeClr val="tx1"/>
-                        </a:solidFill>
-                        <a:latin typeface="+mn-lt"/>
-                        <a:ea typeface="+mn-ea"/>
-                        <a:cs typeface="+mn-cs"/>
-                      </a:endParaRPr>
-                    </a:p>
-                  </a:txBody>
-                  <a:tcPr>
-                    <a:lnL w="12700" cap="flat" cmpd="sng" algn="ctr">
-                      <a:solidFill>
-                        <a:schemeClr val="tx1"/>
-                      </a:solidFill>
-                      <a:prstDash val="solid"/>
-                      <a:round/>
-                      <a:headEnd type="none" w="med" len="med"/>
-                      <a:tailEnd type="none" w="med" len="med"/>
-                    </a:lnL>
-                    <a:lnR w="12700" cap="flat" cmpd="sng" algn="ctr">
-                      <a:solidFill>
-                        <a:schemeClr val="tx1"/>
-                      </a:solidFill>
-                      <a:prstDash val="solid"/>
-                      <a:round/>
-                      <a:headEnd type="none" w="med" len="med"/>
-                      <a:tailEnd type="none" w="med" len="med"/>
-                    </a:lnR>
-                    <a:lnT w="12700" cap="flat" cmpd="sng" algn="ctr">
-                      <a:solidFill>
-                        <a:schemeClr val="tx1"/>
-                      </a:solidFill>
-                      <a:prstDash val="solid"/>
-                      <a:round/>
-                      <a:headEnd type="none" w="med" len="med"/>
-                      <a:tailEnd type="none" w="med" len="med"/>
-                    </a:lnT>
-                    <a:lnB w="12700" cap="flat" cmpd="sng" algn="ctr">
-                      <a:solidFill>
-                        <a:schemeClr val="tx1"/>
-                      </a:solidFill>
-                      <a:prstDash val="solid"/>
-                      <a:round/>
-                      <a:headEnd type="none" w="med" len="med"/>
-                      <a:tailEnd type="none" w="med" len="med"/>
-                    </a:lnB>
-                    <a:noFill/>
-                  </a:tcPr>
-                </a:tc>
-                <a:extLst>
-                  <a:ext uri="{0D108BD9-81ED-4DB2-BD59-A6C34878D82A}">
-                    <a16:rowId xmlns:a16="http://schemas.microsoft.com/office/drawing/2014/main" val="2858923362"/>
-                  </a:ext>
-                </a:extLst>
-              </a:tr>
-              <a:tr h="370840">
-                <a:tc>
-                  <a:txBody>
-                    <a:bodyPr/>
-                    <a:lstStyle/>
-                    <a:p>
-                      <a:pPr marL="0" algn="ctr" defTabSz="914400" rtl="0" eaLnBrk="1" latinLnBrk="0" hangingPunct="1"/>
-                      <a:endParaRPr lang="en-GB" sz="1800" b="1" kern="1200" dirty="0">
-                        <a:solidFill>
-                          <a:schemeClr val="tx1"/>
-                        </a:solidFill>
-                        <a:latin typeface="+mn-lt"/>
-                        <a:ea typeface="+mn-ea"/>
-                        <a:cs typeface="+mn-cs"/>
-                      </a:endParaRPr>
-                    </a:p>
-                  </a:txBody>
-                  <a:tcPr>
-                    <a:lnL w="12700" cap="flat" cmpd="sng" algn="ctr">
-                      <a:solidFill>
-                        <a:schemeClr val="tx1"/>
-                      </a:solidFill>
-                      <a:prstDash val="solid"/>
-                      <a:round/>
-                      <a:headEnd type="none" w="med" len="med"/>
-                      <a:tailEnd type="none" w="med" len="med"/>
-                    </a:lnL>
-                    <a:lnR w="12700" cap="flat" cmpd="sng" algn="ctr">
-                      <a:solidFill>
-                        <a:schemeClr val="tx1"/>
-                      </a:solidFill>
-                      <a:prstDash val="solid"/>
-                      <a:round/>
-                      <a:headEnd type="none" w="med" len="med"/>
-                      <a:tailEnd type="none" w="med" len="med"/>
-                    </a:lnR>
-                    <a:lnT w="12700" cap="flat" cmpd="sng" algn="ctr">
-                      <a:solidFill>
-                        <a:schemeClr val="tx1"/>
-                      </a:solidFill>
-                      <a:prstDash val="solid"/>
-                      <a:round/>
-                      <a:headEnd type="none" w="med" len="med"/>
-                      <a:tailEnd type="none" w="med" len="med"/>
-                    </a:lnT>
-                    <a:lnB w="12700" cap="flat" cmpd="sng" algn="ctr">
-                      <a:solidFill>
-                        <a:schemeClr val="tx1"/>
-                      </a:solidFill>
-                      <a:prstDash val="solid"/>
-                      <a:round/>
-                      <a:headEnd type="none" w="med" len="med"/>
-                      <a:tailEnd type="none" w="med" len="med"/>
-                    </a:lnB>
-                    <a:noFill/>
-                  </a:tcPr>
-                </a:tc>
-                <a:tc>
-                  <a:txBody>
-                    <a:bodyPr/>
-                    <a:lstStyle/>
-                    <a:p>
-                      <a:pPr marL="0" algn="ctr" defTabSz="914400" rtl="0" eaLnBrk="1" latinLnBrk="0" hangingPunct="1"/>
-                      <a:r>
-                        <a:rPr lang="it-IT" sz="1800" b="1" kern="1200" dirty="0">
-                          <a:solidFill>
-                            <a:schemeClr val="tx1"/>
-                          </a:solidFill>
-                          <a:latin typeface="+mn-lt"/>
-                          <a:ea typeface="+mn-ea"/>
-                          <a:cs typeface="+mn-cs"/>
-                        </a:rPr>
-                        <a:t>RO</a:t>
-                      </a:r>
-                      <a:endParaRPr lang="en-GB" sz="1800" b="1" kern="1200" dirty="0">
-                        <a:solidFill>
-                          <a:schemeClr val="tx1"/>
-                        </a:solidFill>
-                        <a:latin typeface="+mn-lt"/>
-                        <a:ea typeface="+mn-ea"/>
-                        <a:cs typeface="+mn-cs"/>
-                      </a:endParaRPr>
-                    </a:p>
-                  </a:txBody>
-                  <a:tcPr>
-                    <a:lnL w="12700" cap="flat" cmpd="sng" algn="ctr">
-                      <a:solidFill>
-                        <a:schemeClr val="tx1"/>
-                      </a:solidFill>
-                      <a:prstDash val="solid"/>
-                      <a:round/>
-                      <a:headEnd type="none" w="med" len="med"/>
-                      <a:tailEnd type="none" w="med" len="med"/>
-                    </a:lnL>
-                    <a:lnR w="12700" cap="flat" cmpd="sng" algn="ctr">
-                      <a:solidFill>
-                        <a:schemeClr val="tx1"/>
-                      </a:solidFill>
-                      <a:prstDash val="solid"/>
-                      <a:round/>
-                      <a:headEnd type="none" w="med" len="med"/>
-                      <a:tailEnd type="none" w="med" len="med"/>
-                    </a:lnR>
-                    <a:lnT w="12700" cap="flat" cmpd="sng" algn="ctr">
-                      <a:solidFill>
-                        <a:schemeClr val="tx1"/>
-                      </a:solidFill>
-                      <a:prstDash val="solid"/>
-                      <a:round/>
-                      <a:headEnd type="none" w="med" len="med"/>
-                      <a:tailEnd type="none" w="med" len="med"/>
-                    </a:lnT>
-                    <a:lnB w="12700" cap="flat" cmpd="sng" algn="ctr">
-                      <a:solidFill>
-                        <a:schemeClr val="tx1"/>
-                      </a:solidFill>
-                      <a:prstDash val="solid"/>
-                      <a:round/>
-                      <a:headEnd type="none" w="med" len="med"/>
-                      <a:tailEnd type="none" w="med" len="med"/>
-                    </a:lnB>
-                    <a:noFill/>
-                  </a:tcPr>
-                </a:tc>
-                <a:tc>
-                  <a:txBody>
-                    <a:bodyPr/>
-                    <a:lstStyle/>
-                    <a:p>
-                      <a:pPr marL="0" algn="ctr" defTabSz="914400" rtl="0" eaLnBrk="1" latinLnBrk="0" hangingPunct="1"/>
-                      <a:endParaRPr lang="en-GB" sz="1800" b="1" kern="1200">
-                        <a:solidFill>
-                          <a:schemeClr val="tx1"/>
-                        </a:solidFill>
-                        <a:latin typeface="+mn-lt"/>
-                        <a:ea typeface="+mn-ea"/>
-                        <a:cs typeface="+mn-cs"/>
-                      </a:endParaRPr>
-                    </a:p>
-                  </a:txBody>
-                  <a:tcPr>
-                    <a:lnL w="12700" cap="flat" cmpd="sng" algn="ctr">
-                      <a:solidFill>
-                        <a:schemeClr val="tx1"/>
-                      </a:solidFill>
-                      <a:prstDash val="solid"/>
-                      <a:round/>
-                      <a:headEnd type="none" w="med" len="med"/>
-                      <a:tailEnd type="none" w="med" len="med"/>
-                    </a:lnL>
-                    <a:lnR w="12700" cap="flat" cmpd="sng" algn="ctr">
-                      <a:solidFill>
-                        <a:schemeClr val="tx1"/>
-                      </a:solidFill>
-                      <a:prstDash val="solid"/>
-                      <a:round/>
-                      <a:headEnd type="none" w="med" len="med"/>
-                      <a:tailEnd type="none" w="med" len="med"/>
-                    </a:lnR>
-                    <a:lnT w="12700" cap="flat" cmpd="sng" algn="ctr">
-                      <a:solidFill>
-                        <a:schemeClr val="tx1"/>
-                      </a:solidFill>
-                      <a:prstDash val="solid"/>
-                      <a:round/>
-                      <a:headEnd type="none" w="med" len="med"/>
-                      <a:tailEnd type="none" w="med" len="med"/>
-                    </a:lnT>
-                    <a:lnB w="12700" cap="flat" cmpd="sng" algn="ctr">
-                      <a:solidFill>
-                        <a:schemeClr val="tx1"/>
-                      </a:solidFill>
-                      <a:prstDash val="solid"/>
-                      <a:round/>
-                      <a:headEnd type="none" w="med" len="med"/>
-                      <a:tailEnd type="none" w="med" len="med"/>
-                    </a:lnB>
-                    <a:noFill/>
-                  </a:tcPr>
-                </a:tc>
-                <a:extLst>
-                  <a:ext uri="{0D108BD9-81ED-4DB2-BD59-A6C34878D82A}">
-                    <a16:rowId xmlns:a16="http://schemas.microsoft.com/office/drawing/2014/main" val="4111031725"/>
-                  </a:ext>
-                </a:extLst>
-              </a:tr>
-              <a:tr h="370840">
-                <a:tc>
-                  <a:txBody>
-                    <a:bodyPr/>
-                    <a:lstStyle/>
-                    <a:p>
-                      <a:pPr marL="0" algn="ctr" defTabSz="914400" rtl="0" eaLnBrk="1" latinLnBrk="0" hangingPunct="1"/>
-                      <a:endParaRPr lang="en-GB" sz="1800" b="1" kern="1200" dirty="0">
-                        <a:solidFill>
-                          <a:schemeClr val="tx1"/>
-                        </a:solidFill>
-                        <a:latin typeface="+mn-lt"/>
-                        <a:ea typeface="+mn-ea"/>
-                        <a:cs typeface="+mn-cs"/>
-                      </a:endParaRPr>
-                    </a:p>
-                  </a:txBody>
-                  <a:tcPr>
-                    <a:lnL w="12700" cap="flat" cmpd="sng" algn="ctr">
-                      <a:solidFill>
-                        <a:schemeClr val="tx1"/>
-                      </a:solidFill>
-                      <a:prstDash val="solid"/>
-                      <a:round/>
-                      <a:headEnd type="none" w="med" len="med"/>
-                      <a:tailEnd type="none" w="med" len="med"/>
-                    </a:lnL>
-                    <a:lnR w="12700" cap="flat" cmpd="sng" algn="ctr">
-                      <a:solidFill>
-                        <a:schemeClr val="tx1"/>
-                      </a:solidFill>
-                      <a:prstDash val="solid"/>
-                      <a:round/>
-                      <a:headEnd type="none" w="med" len="med"/>
-                      <a:tailEnd type="none" w="med" len="med"/>
-                    </a:lnR>
-                    <a:lnT w="12700" cap="flat" cmpd="sng" algn="ctr">
-                      <a:solidFill>
-                        <a:schemeClr val="tx1"/>
-                      </a:solidFill>
-                      <a:prstDash val="solid"/>
-                      <a:round/>
-                      <a:headEnd type="none" w="med" len="med"/>
-                      <a:tailEnd type="none" w="med" len="med"/>
-                    </a:lnT>
-                    <a:lnB w="12700" cap="flat" cmpd="sng" algn="ctr">
-                      <a:solidFill>
-                        <a:schemeClr val="tx1"/>
-                      </a:solidFill>
-                      <a:prstDash val="solid"/>
-                      <a:round/>
-                      <a:headEnd type="none" w="med" len="med"/>
-                      <a:tailEnd type="none" w="med" len="med"/>
-                    </a:lnB>
-                    <a:noFill/>
-                  </a:tcPr>
-                </a:tc>
-                <a:tc>
-                  <a:txBody>
-                    <a:bodyPr/>
-                    <a:lstStyle/>
-                    <a:p>
-                      <a:pPr marL="0" algn="ctr" defTabSz="914400" rtl="0" eaLnBrk="1" latinLnBrk="0" hangingPunct="1"/>
-                      <a:r>
-                        <a:rPr lang="it-IT" sz="1800" b="1" kern="1200" dirty="0">
-                          <a:solidFill>
-                            <a:schemeClr val="tx1"/>
-                          </a:solidFill>
-                          <a:latin typeface="+mn-lt"/>
-                          <a:ea typeface="+mn-ea"/>
-                          <a:cs typeface="+mn-cs"/>
-                        </a:rPr>
-                        <a:t>DI</a:t>
-                      </a:r>
-                      <a:endParaRPr lang="en-GB" sz="1800" b="1" kern="1200" dirty="0">
-                        <a:solidFill>
-                          <a:schemeClr val="tx1"/>
-                        </a:solidFill>
-                        <a:latin typeface="+mn-lt"/>
-                        <a:ea typeface="+mn-ea"/>
-                        <a:cs typeface="+mn-cs"/>
-                      </a:endParaRPr>
-                    </a:p>
-                  </a:txBody>
-                  <a:tcPr>
-                    <a:lnL w="12700" cap="flat" cmpd="sng" algn="ctr">
-                      <a:solidFill>
-                        <a:schemeClr val="tx1"/>
-                      </a:solidFill>
-                      <a:prstDash val="solid"/>
-                      <a:round/>
-                      <a:headEnd type="none" w="med" len="med"/>
-                      <a:tailEnd type="none" w="med" len="med"/>
-                    </a:lnL>
-                    <a:lnR w="12700" cap="flat" cmpd="sng" algn="ctr">
-                      <a:solidFill>
-                        <a:schemeClr val="tx1"/>
-                      </a:solidFill>
-                      <a:prstDash val="solid"/>
-                      <a:round/>
-                      <a:headEnd type="none" w="med" len="med"/>
-                      <a:tailEnd type="none" w="med" len="med"/>
-                    </a:lnR>
-                    <a:lnT w="12700" cap="flat" cmpd="sng" algn="ctr">
-                      <a:solidFill>
-                        <a:schemeClr val="tx1"/>
-                      </a:solidFill>
-                      <a:prstDash val="solid"/>
-                      <a:round/>
-                      <a:headEnd type="none" w="med" len="med"/>
-                      <a:tailEnd type="none" w="med" len="med"/>
-                    </a:lnT>
-                    <a:lnB w="12700" cap="flat" cmpd="sng" algn="ctr">
-                      <a:solidFill>
-                        <a:schemeClr val="tx1"/>
-                      </a:solidFill>
-                      <a:prstDash val="solid"/>
-                      <a:round/>
-                      <a:headEnd type="none" w="med" len="med"/>
-                      <a:tailEnd type="none" w="med" len="med"/>
-                    </a:lnB>
-                    <a:noFill/>
-                  </a:tcPr>
-                </a:tc>
-                <a:tc>
-                  <a:txBody>
-                    <a:bodyPr/>
-                    <a:lstStyle/>
-                    <a:p>
-                      <a:pPr marL="0" algn="ctr" defTabSz="914400" rtl="0" eaLnBrk="1" latinLnBrk="0" hangingPunct="1"/>
-                      <a:endParaRPr lang="en-GB" sz="1800" b="1" kern="1200">
-                        <a:solidFill>
-                          <a:schemeClr val="tx1"/>
-                        </a:solidFill>
-                        <a:latin typeface="+mn-lt"/>
-                        <a:ea typeface="+mn-ea"/>
-                        <a:cs typeface="+mn-cs"/>
-                      </a:endParaRPr>
-                    </a:p>
-                  </a:txBody>
-                  <a:tcPr>
-                    <a:lnL w="12700" cap="flat" cmpd="sng" algn="ctr">
-                      <a:solidFill>
-                        <a:schemeClr val="tx1"/>
-                      </a:solidFill>
-                      <a:prstDash val="solid"/>
-                      <a:round/>
-                      <a:headEnd type="none" w="med" len="med"/>
-                      <a:tailEnd type="none" w="med" len="med"/>
-                    </a:lnL>
-                    <a:lnR w="12700" cap="flat" cmpd="sng" algn="ctr">
-                      <a:solidFill>
-                        <a:schemeClr val="tx1"/>
-                      </a:solidFill>
-                      <a:prstDash val="solid"/>
-                      <a:round/>
-                      <a:headEnd type="none" w="med" len="med"/>
-                      <a:tailEnd type="none" w="med" len="med"/>
-                    </a:lnR>
-                    <a:lnT w="12700" cap="flat" cmpd="sng" algn="ctr">
-                      <a:solidFill>
-                        <a:schemeClr val="tx1"/>
-                      </a:solidFill>
-                      <a:prstDash val="solid"/>
-                      <a:round/>
-                      <a:headEnd type="none" w="med" len="med"/>
-                      <a:tailEnd type="none" w="med" len="med"/>
-                    </a:lnT>
-                    <a:lnB w="12700" cap="flat" cmpd="sng" algn="ctr">
-                      <a:solidFill>
-                        <a:schemeClr val="tx1"/>
-                      </a:solidFill>
-                      <a:prstDash val="solid"/>
-                      <a:round/>
-                      <a:headEnd type="none" w="med" len="med"/>
-                      <a:tailEnd type="none" w="med" len="med"/>
-                    </a:lnB>
-                    <a:noFill/>
-                  </a:tcPr>
-                </a:tc>
-                <a:extLst>
-                  <a:ext uri="{0D108BD9-81ED-4DB2-BD59-A6C34878D82A}">
-                    <a16:rowId xmlns:a16="http://schemas.microsoft.com/office/drawing/2014/main" val="2496144482"/>
-                  </a:ext>
-                </a:extLst>
-              </a:tr>
-              <a:tr h="370840">
-                <a:tc>
-                  <a:txBody>
-                    <a:bodyPr/>
-                    <a:lstStyle/>
-                    <a:p>
-                      <a:pPr marL="0" algn="ctr" defTabSz="914400" rtl="0" eaLnBrk="1" latinLnBrk="0" hangingPunct="1"/>
-                      <a:endParaRPr lang="en-GB" sz="1800" b="1" kern="1200" dirty="0">
-                        <a:solidFill>
-                          <a:schemeClr val="tx1"/>
-                        </a:solidFill>
-                        <a:latin typeface="+mn-lt"/>
-                        <a:ea typeface="+mn-ea"/>
-                        <a:cs typeface="+mn-cs"/>
-                      </a:endParaRPr>
-                    </a:p>
-                  </a:txBody>
-                  <a:tcPr>
-                    <a:lnL w="12700" cap="flat" cmpd="sng" algn="ctr">
-                      <a:solidFill>
-                        <a:schemeClr val="tx1"/>
-                      </a:solidFill>
-                      <a:prstDash val="solid"/>
-                      <a:round/>
-                      <a:headEnd type="none" w="med" len="med"/>
-                      <a:tailEnd type="none" w="med" len="med"/>
-                    </a:lnL>
-                    <a:lnR w="12700" cap="flat" cmpd="sng" algn="ctr">
-                      <a:solidFill>
-                        <a:schemeClr val="tx1"/>
-                      </a:solidFill>
-                      <a:prstDash val="solid"/>
-                      <a:round/>
-                      <a:headEnd type="none" w="med" len="med"/>
-                      <a:tailEnd type="none" w="med" len="med"/>
-                    </a:lnR>
-                    <a:lnT w="12700" cap="flat" cmpd="sng" algn="ctr">
-                      <a:solidFill>
-                        <a:schemeClr val="tx1"/>
-                      </a:solidFill>
-                      <a:prstDash val="solid"/>
-                      <a:round/>
-                      <a:headEnd type="none" w="med" len="med"/>
-                      <a:tailEnd type="none" w="med" len="med"/>
-                    </a:lnT>
-                    <a:lnB w="12700" cap="flat" cmpd="sng" algn="ctr">
-                      <a:solidFill>
-                        <a:schemeClr val="tx1"/>
-                      </a:solidFill>
-                      <a:prstDash val="solid"/>
-                      <a:round/>
-                      <a:headEnd type="none" w="med" len="med"/>
-                      <a:tailEnd type="none" w="med" len="med"/>
-                    </a:lnB>
-                    <a:noFill/>
-                  </a:tcPr>
-                </a:tc>
-                <a:tc>
-                  <a:txBody>
-                    <a:bodyPr/>
-                    <a:lstStyle/>
-                    <a:p>
-                      <a:pPr marL="0" algn="ctr" defTabSz="914400" rtl="0" eaLnBrk="1" latinLnBrk="0" hangingPunct="1"/>
-                      <a:r>
-                        <a:rPr lang="it-IT" sz="1800" b="1" kern="1200" dirty="0">
-                          <a:solidFill>
-                            <a:schemeClr val="tx1"/>
-                          </a:solidFill>
-                          <a:latin typeface="+mn-lt"/>
-                          <a:ea typeface="+mn-ea"/>
-                          <a:cs typeface="+mn-cs"/>
-                        </a:rPr>
-                        <a:t>B</a:t>
-                      </a:r>
-                      <a:endParaRPr lang="en-GB" sz="1800" b="1" kern="1200" dirty="0">
-                        <a:solidFill>
-                          <a:schemeClr val="tx1"/>
-                        </a:solidFill>
-                        <a:latin typeface="+mn-lt"/>
-                        <a:ea typeface="+mn-ea"/>
-                        <a:cs typeface="+mn-cs"/>
-                      </a:endParaRPr>
-                    </a:p>
-                  </a:txBody>
-                  <a:tcPr>
-                    <a:lnL w="12700" cap="flat" cmpd="sng" algn="ctr">
-                      <a:solidFill>
-                        <a:schemeClr val="tx1"/>
-                      </a:solidFill>
-                      <a:prstDash val="solid"/>
-                      <a:round/>
-                      <a:headEnd type="none" w="med" len="med"/>
-                      <a:tailEnd type="none" w="med" len="med"/>
-                    </a:lnL>
-                    <a:lnR w="12700" cap="flat" cmpd="sng" algn="ctr">
-                      <a:solidFill>
-                        <a:schemeClr val="tx1"/>
-                      </a:solidFill>
-                      <a:prstDash val="solid"/>
-                      <a:round/>
-                      <a:headEnd type="none" w="med" len="med"/>
-                      <a:tailEnd type="none" w="med" len="med"/>
-                    </a:lnR>
-                    <a:lnT w="12700" cap="flat" cmpd="sng" algn="ctr">
-                      <a:solidFill>
-                        <a:schemeClr val="tx1"/>
-                      </a:solidFill>
-                      <a:prstDash val="solid"/>
-                      <a:round/>
-                      <a:headEnd type="none" w="med" len="med"/>
-                      <a:tailEnd type="none" w="med" len="med"/>
-                    </a:lnT>
-                    <a:lnB w="12700" cap="flat" cmpd="sng" algn="ctr">
-                      <a:solidFill>
-                        <a:schemeClr val="tx1"/>
-                      </a:solidFill>
-                      <a:prstDash val="solid"/>
-                      <a:round/>
-                      <a:headEnd type="none" w="med" len="med"/>
-                      <a:tailEnd type="none" w="med" len="med"/>
-                    </a:lnB>
-                    <a:noFill/>
-                  </a:tcPr>
-                </a:tc>
-                <a:tc>
-                  <a:txBody>
-                    <a:bodyPr/>
-                    <a:lstStyle/>
-                    <a:p>
-                      <a:pPr marL="0" algn="ctr" defTabSz="914400" rtl="0" eaLnBrk="1" latinLnBrk="0" hangingPunct="1"/>
-                      <a:endParaRPr lang="en-GB" sz="1800" b="1" kern="1200" dirty="0">
-                        <a:solidFill>
-                          <a:schemeClr val="tx1"/>
-                        </a:solidFill>
-                        <a:latin typeface="+mn-lt"/>
-                        <a:ea typeface="+mn-ea"/>
-                        <a:cs typeface="+mn-cs"/>
-                      </a:endParaRPr>
-                    </a:p>
-                  </a:txBody>
-                  <a:tcPr>
-                    <a:lnL w="12700" cap="flat" cmpd="sng" algn="ctr">
-                      <a:solidFill>
-                        <a:schemeClr val="tx1"/>
-                      </a:solidFill>
-                      <a:prstDash val="solid"/>
-                      <a:round/>
-                      <a:headEnd type="none" w="med" len="med"/>
-                      <a:tailEnd type="none" w="med" len="med"/>
-                    </a:lnL>
-                    <a:lnR w="12700" cap="flat" cmpd="sng" algn="ctr">
-                      <a:solidFill>
-                        <a:schemeClr val="tx1"/>
-                      </a:solidFill>
-                      <a:prstDash val="solid"/>
-                      <a:round/>
-                      <a:headEnd type="none" w="med" len="med"/>
-                      <a:tailEnd type="none" w="med" len="med"/>
-                    </a:lnR>
-                    <a:lnT w="12700" cap="flat" cmpd="sng" algn="ctr">
-                      <a:solidFill>
-                        <a:schemeClr val="tx1"/>
-                      </a:solidFill>
-                      <a:prstDash val="solid"/>
-                      <a:round/>
-                      <a:headEnd type="none" w="med" len="med"/>
-                      <a:tailEnd type="none" w="med" len="med"/>
-                    </a:lnT>
-                    <a:lnB w="12700" cap="flat" cmpd="sng" algn="ctr">
-                      <a:solidFill>
-                        <a:schemeClr val="tx1"/>
-                      </a:solidFill>
-                      <a:prstDash val="solid"/>
-                      <a:round/>
-                      <a:headEnd type="none" w="med" len="med"/>
-                      <a:tailEnd type="none" w="med" len="med"/>
-                    </a:lnB>
-                    <a:noFill/>
-                  </a:tcPr>
-                </a:tc>
-                <a:extLst>
-                  <a:ext uri="{0D108BD9-81ED-4DB2-BD59-A6C34878D82A}">
-                    <a16:rowId xmlns:a16="http://schemas.microsoft.com/office/drawing/2014/main" val="527210598"/>
-                  </a:ext>
-                </a:extLst>
-              </a:tr>
-              <a:tr h="370840">
-                <a:tc>
-                  <a:txBody>
-                    <a:bodyPr/>
-                    <a:lstStyle/>
-                    <a:p>
-                      <a:pPr marL="0" algn="ctr" defTabSz="914400" rtl="0" eaLnBrk="1" latinLnBrk="0" hangingPunct="1"/>
-                      <a:endParaRPr lang="en-GB" sz="1800" b="1" kern="1200" dirty="0">
-                        <a:solidFill>
-                          <a:schemeClr val="tx1"/>
-                        </a:solidFill>
-                        <a:latin typeface="+mn-lt"/>
-                        <a:ea typeface="+mn-ea"/>
-                        <a:cs typeface="+mn-cs"/>
-                      </a:endParaRPr>
-                    </a:p>
-                  </a:txBody>
-                  <a:tcPr>
-                    <a:lnL w="12700" cap="flat" cmpd="sng" algn="ctr">
-                      <a:solidFill>
-                        <a:schemeClr val="tx1"/>
-                      </a:solidFill>
-                      <a:prstDash val="solid"/>
-                      <a:round/>
-                      <a:headEnd type="none" w="med" len="med"/>
-                      <a:tailEnd type="none" w="med" len="med"/>
-                    </a:lnL>
-                    <a:lnR w="12700" cap="flat" cmpd="sng" algn="ctr">
-                      <a:solidFill>
-                        <a:schemeClr val="tx1"/>
-                      </a:solidFill>
-                      <a:prstDash val="solid"/>
-                      <a:round/>
-                      <a:headEnd type="none" w="med" len="med"/>
-                      <a:tailEnd type="none" w="med" len="med"/>
-                    </a:lnR>
-                    <a:lnT w="12700" cap="flat" cmpd="sng" algn="ctr">
-                      <a:solidFill>
-                        <a:schemeClr val="tx1"/>
-                      </a:solidFill>
-                      <a:prstDash val="solid"/>
-                      <a:round/>
-                      <a:headEnd type="none" w="med" len="med"/>
-                      <a:tailEnd type="none" w="med" len="med"/>
-                    </a:lnT>
-                    <a:lnB w="12700" cap="flat" cmpd="sng" algn="ctr">
-                      <a:solidFill>
-                        <a:schemeClr val="tx1"/>
-                      </a:solidFill>
-                      <a:prstDash val="solid"/>
-                      <a:round/>
-                      <a:headEnd type="none" w="med" len="med"/>
-                      <a:tailEnd type="none" w="med" len="med"/>
-                    </a:lnB>
-                    <a:noFill/>
-                  </a:tcPr>
-                </a:tc>
-                <a:tc>
-                  <a:txBody>
-                    <a:bodyPr/>
-                    <a:lstStyle/>
-                    <a:p>
-                      <a:pPr marL="0" algn="ctr" defTabSz="914400" rtl="0" eaLnBrk="1" latinLnBrk="0" hangingPunct="1"/>
-                      <a:r>
-                        <a:rPr lang="it-IT" sz="1800" b="1" kern="1200" dirty="0">
-                          <a:solidFill>
-                            <a:schemeClr val="tx1"/>
-                          </a:solidFill>
-                          <a:latin typeface="+mn-lt"/>
-                          <a:ea typeface="+mn-ea"/>
-                          <a:cs typeface="+mn-cs"/>
-                        </a:rPr>
-                        <a:t>A</a:t>
-                      </a:r>
-                      <a:endParaRPr lang="en-GB" sz="1800" b="1" kern="1200" dirty="0">
-                        <a:solidFill>
-                          <a:schemeClr val="tx1"/>
-                        </a:solidFill>
-                        <a:latin typeface="+mn-lt"/>
-                        <a:ea typeface="+mn-ea"/>
-                        <a:cs typeface="+mn-cs"/>
-                      </a:endParaRPr>
-                    </a:p>
-                  </a:txBody>
-                  <a:tcPr>
-                    <a:lnL w="12700" cap="flat" cmpd="sng" algn="ctr">
-                      <a:solidFill>
-                        <a:schemeClr val="tx1"/>
-                      </a:solidFill>
-                      <a:prstDash val="solid"/>
-                      <a:round/>
-                      <a:headEnd type="none" w="med" len="med"/>
-                      <a:tailEnd type="none" w="med" len="med"/>
-                    </a:lnL>
-                    <a:lnR w="12700" cap="flat" cmpd="sng" algn="ctr">
-                      <a:solidFill>
-                        <a:schemeClr val="tx1"/>
-                      </a:solidFill>
-                      <a:prstDash val="solid"/>
-                      <a:round/>
-                      <a:headEnd type="none" w="med" len="med"/>
-                      <a:tailEnd type="none" w="med" len="med"/>
-                    </a:lnR>
-                    <a:lnT w="12700" cap="flat" cmpd="sng" algn="ctr">
-                      <a:solidFill>
-                        <a:schemeClr val="tx1"/>
-                      </a:solidFill>
-                      <a:prstDash val="solid"/>
-                      <a:round/>
-                      <a:headEnd type="none" w="med" len="med"/>
-                      <a:tailEnd type="none" w="med" len="med"/>
-                    </a:lnT>
-                    <a:lnB w="12700" cap="flat" cmpd="sng" algn="ctr">
-                      <a:solidFill>
-                        <a:schemeClr val="tx1"/>
-                      </a:solidFill>
-                      <a:prstDash val="solid"/>
-                      <a:round/>
-                      <a:headEnd type="none" w="med" len="med"/>
-                      <a:tailEnd type="none" w="med" len="med"/>
-                    </a:lnB>
-                    <a:noFill/>
-                  </a:tcPr>
-                </a:tc>
-                <a:tc>
-                  <a:txBody>
-                    <a:bodyPr/>
-                    <a:lstStyle/>
-                    <a:p>
-                      <a:pPr marL="0" algn="ctr" defTabSz="914400" rtl="0" eaLnBrk="1" latinLnBrk="0" hangingPunct="1"/>
-                      <a:endParaRPr lang="en-GB" sz="1800" b="1" kern="1200" dirty="0">
-                        <a:solidFill>
-                          <a:schemeClr val="tx1"/>
-                        </a:solidFill>
-                        <a:latin typeface="+mn-lt"/>
-                        <a:ea typeface="+mn-ea"/>
-                        <a:cs typeface="+mn-cs"/>
-                      </a:endParaRPr>
-                    </a:p>
-                  </a:txBody>
-                  <a:tcPr>
-                    <a:lnL w="12700" cap="flat" cmpd="sng" algn="ctr">
-                      <a:solidFill>
-                        <a:schemeClr val="tx1"/>
-                      </a:solidFill>
-                      <a:prstDash val="solid"/>
-                      <a:round/>
-                      <a:headEnd type="none" w="med" len="med"/>
-                      <a:tailEnd type="none" w="med" len="med"/>
-                    </a:lnL>
-                    <a:lnR w="12700" cap="flat" cmpd="sng" algn="ctr">
-                      <a:solidFill>
-                        <a:schemeClr val="tx1"/>
-                      </a:solidFill>
-                      <a:prstDash val="solid"/>
-                      <a:round/>
-                      <a:headEnd type="none" w="med" len="med"/>
-                      <a:tailEnd type="none" w="med" len="med"/>
-                    </a:lnR>
-                    <a:lnT w="12700" cap="flat" cmpd="sng" algn="ctr">
-                      <a:solidFill>
-                        <a:schemeClr val="tx1"/>
-                      </a:solidFill>
-                      <a:prstDash val="solid"/>
-                      <a:round/>
-                      <a:headEnd type="none" w="med" len="med"/>
-                      <a:tailEnd type="none" w="med" len="med"/>
-                    </a:lnT>
-                    <a:lnB w="12700" cap="flat" cmpd="sng" algn="ctr">
-                      <a:solidFill>
-                        <a:schemeClr val="tx1"/>
-                      </a:solidFill>
-                      <a:prstDash val="solid"/>
-                      <a:round/>
-                      <a:headEnd type="none" w="med" len="med"/>
-                      <a:tailEnd type="none" w="med" len="med"/>
-                    </a:lnB>
-                    <a:noFill/>
-                  </a:tcPr>
-                </a:tc>
-                <a:extLst>
-                  <a:ext uri="{0D108BD9-81ED-4DB2-BD59-A6C34878D82A}">
-                    <a16:rowId xmlns:a16="http://schemas.microsoft.com/office/drawing/2014/main" val="449597499"/>
-                  </a:ext>
-                </a:extLst>
-              </a:tr>
-              <a:tr h="370840">
-                <a:tc>
-                  <a:txBody>
-                    <a:bodyPr/>
-                    <a:lstStyle/>
-                    <a:p>
-                      <a:pPr marL="0" algn="ctr" defTabSz="914400" rtl="0" eaLnBrk="1" latinLnBrk="0" hangingPunct="1"/>
-                      <a:endParaRPr lang="en-GB" sz="1800" b="1" kern="1200" dirty="0">
-                        <a:solidFill>
-                          <a:schemeClr val="tx1"/>
-                        </a:solidFill>
-                        <a:latin typeface="+mn-lt"/>
-                        <a:ea typeface="+mn-ea"/>
-                        <a:cs typeface="+mn-cs"/>
-                      </a:endParaRPr>
-                    </a:p>
-                  </a:txBody>
-                  <a:tcPr>
-                    <a:lnL w="12700" cap="flat" cmpd="sng" algn="ctr">
-                      <a:solidFill>
-                        <a:schemeClr val="tx1"/>
-                      </a:solidFill>
-                      <a:prstDash val="solid"/>
-                      <a:round/>
-                      <a:headEnd type="none" w="med" len="med"/>
-                      <a:tailEnd type="none" w="med" len="med"/>
-                    </a:lnL>
-                    <a:lnR w="12700" cap="flat" cmpd="sng" algn="ctr">
-                      <a:solidFill>
-                        <a:schemeClr val="tx1"/>
-                      </a:solidFill>
-                      <a:prstDash val="solid"/>
-                      <a:round/>
-                      <a:headEnd type="none" w="med" len="med"/>
-                      <a:tailEnd type="none" w="med" len="med"/>
-                    </a:lnR>
-                    <a:lnT w="12700" cap="flat" cmpd="sng" algn="ctr">
-                      <a:solidFill>
-                        <a:schemeClr val="tx1"/>
-                      </a:solidFill>
-                      <a:prstDash val="solid"/>
-                      <a:round/>
-                      <a:headEnd type="none" w="med" len="med"/>
-                      <a:tailEnd type="none" w="med" len="med"/>
-                    </a:lnT>
-                    <a:lnB w="12700" cap="flat" cmpd="sng" algn="ctr">
-                      <a:solidFill>
-                        <a:schemeClr val="tx1"/>
-                      </a:solidFill>
-                      <a:prstDash val="solid"/>
-                      <a:round/>
-                      <a:headEnd type="none" w="med" len="med"/>
-                      <a:tailEnd type="none" w="med" len="med"/>
-                    </a:lnB>
-                    <a:noFill/>
-                  </a:tcPr>
-                </a:tc>
-                <a:tc>
-                  <a:txBody>
-                    <a:bodyPr/>
-                    <a:lstStyle/>
-                    <a:p>
-                      <a:pPr marL="0" algn="ctr" defTabSz="914400" rtl="0" eaLnBrk="1" latinLnBrk="0" hangingPunct="1"/>
-                      <a:r>
-                        <a:rPr lang="it-IT" sz="1800" b="1" kern="1200" dirty="0">
-                          <a:solidFill>
-                            <a:schemeClr val="tx1"/>
-                          </a:solidFill>
-                          <a:latin typeface="+mn-lt"/>
-                          <a:ea typeface="+mn-ea"/>
-                          <a:cs typeface="+mn-cs"/>
-                        </a:rPr>
-                        <a:t>VCC</a:t>
-                      </a:r>
-                      <a:endParaRPr lang="en-GB" sz="1800" b="1" kern="1200" dirty="0">
-                        <a:solidFill>
-                          <a:schemeClr val="tx1"/>
-                        </a:solidFill>
-                        <a:latin typeface="+mn-lt"/>
-                        <a:ea typeface="+mn-ea"/>
-                        <a:cs typeface="+mn-cs"/>
-                      </a:endParaRPr>
-                    </a:p>
-                  </a:txBody>
-                  <a:tcPr>
-                    <a:lnL w="12700" cap="flat" cmpd="sng" algn="ctr">
-                      <a:solidFill>
-                        <a:schemeClr val="tx1"/>
-                      </a:solidFill>
-                      <a:prstDash val="solid"/>
-                      <a:round/>
-                      <a:headEnd type="none" w="med" len="med"/>
-                      <a:tailEnd type="none" w="med" len="med"/>
-                    </a:lnL>
-                    <a:lnR w="12700" cap="flat" cmpd="sng" algn="ctr">
-                      <a:solidFill>
-                        <a:schemeClr val="tx1"/>
-                      </a:solidFill>
-                      <a:prstDash val="solid"/>
-                      <a:round/>
-                      <a:headEnd type="none" w="med" len="med"/>
-                      <a:tailEnd type="none" w="med" len="med"/>
-                    </a:lnR>
-                    <a:lnT w="12700" cap="flat" cmpd="sng" algn="ctr">
-                      <a:solidFill>
-                        <a:schemeClr val="tx1"/>
-                      </a:solidFill>
-                      <a:prstDash val="solid"/>
-                      <a:round/>
-                      <a:headEnd type="none" w="med" len="med"/>
-                      <a:tailEnd type="none" w="med" len="med"/>
-                    </a:lnT>
-                    <a:lnB w="12700" cap="flat" cmpd="sng" algn="ctr">
-                      <a:solidFill>
-                        <a:schemeClr val="tx1"/>
-                      </a:solidFill>
-                      <a:prstDash val="solid"/>
-                      <a:round/>
-                      <a:headEnd type="none" w="med" len="med"/>
-                      <a:tailEnd type="none" w="med" len="med"/>
-                    </a:lnB>
-                    <a:noFill/>
-                  </a:tcPr>
-                </a:tc>
-                <a:tc>
-                  <a:txBody>
-                    <a:bodyPr/>
-                    <a:lstStyle/>
-                    <a:p>
-                      <a:pPr marL="0" algn="ctr" defTabSz="914400" rtl="0" eaLnBrk="1" latinLnBrk="0" hangingPunct="1"/>
-                      <a:endParaRPr lang="en-GB" sz="1800" b="1" kern="1200" dirty="0">
-                        <a:solidFill>
-                          <a:schemeClr val="tx1"/>
-                        </a:solidFill>
-                        <a:latin typeface="+mn-lt"/>
-                        <a:ea typeface="+mn-ea"/>
-                        <a:cs typeface="+mn-cs"/>
-                      </a:endParaRPr>
-                    </a:p>
-                  </a:txBody>
-                  <a:tcPr>
-                    <a:lnL w="12700" cap="flat" cmpd="sng" algn="ctr">
-                      <a:solidFill>
-                        <a:schemeClr val="tx1"/>
-                      </a:solidFill>
-                      <a:prstDash val="solid"/>
-                      <a:round/>
-                      <a:headEnd type="none" w="med" len="med"/>
-                      <a:tailEnd type="none" w="med" len="med"/>
-                    </a:lnL>
-                    <a:lnR w="12700" cap="flat" cmpd="sng" algn="ctr">
-                      <a:solidFill>
-                        <a:schemeClr val="tx1"/>
-                      </a:solidFill>
-                      <a:prstDash val="solid"/>
-                      <a:round/>
-                      <a:headEnd type="none" w="med" len="med"/>
-                      <a:tailEnd type="none" w="med" len="med"/>
-                    </a:lnR>
-                    <a:lnT w="12700" cap="flat" cmpd="sng" algn="ctr">
-                      <a:solidFill>
-                        <a:schemeClr val="tx1"/>
-                      </a:solidFill>
-                      <a:prstDash val="solid"/>
-                      <a:round/>
-                      <a:headEnd type="none" w="med" len="med"/>
-                      <a:tailEnd type="none" w="med" len="med"/>
-                    </a:lnT>
-                    <a:lnB w="12700" cap="flat" cmpd="sng" algn="ctr">
-                      <a:solidFill>
-                        <a:schemeClr val="tx1"/>
-                      </a:solidFill>
-                      <a:prstDash val="solid"/>
-                      <a:round/>
-                      <a:headEnd type="none" w="med" len="med"/>
-                      <a:tailEnd type="none" w="med" len="med"/>
-                    </a:lnB>
-                    <a:noFill/>
-                  </a:tcPr>
-                </a:tc>
-                <a:extLst>
-                  <a:ext uri="{0D108BD9-81ED-4DB2-BD59-A6C34878D82A}">
-                    <a16:rowId xmlns:a16="http://schemas.microsoft.com/office/drawing/2014/main" val="1065075243"/>
-                  </a:ext>
-                </a:extLst>
-              </a:tr>
-              <a:tr h="370840">
-                <a:tc>
-                  <a:txBody>
-                    <a:bodyPr/>
-                    <a:lstStyle/>
-                    <a:p>
-                      <a:pPr marL="0" algn="ctr" defTabSz="914400" rtl="0" eaLnBrk="1" latinLnBrk="0" hangingPunct="1"/>
-                      <a:endParaRPr lang="en-GB" sz="1800" b="1" kern="1200" dirty="0">
-                        <a:solidFill>
-                          <a:schemeClr val="tx1"/>
-                        </a:solidFill>
-                        <a:latin typeface="+mn-lt"/>
-                        <a:ea typeface="+mn-ea"/>
-                        <a:cs typeface="+mn-cs"/>
-                      </a:endParaRPr>
-                    </a:p>
-                  </a:txBody>
-                  <a:tcPr>
-                    <a:lnL w="12700" cap="flat" cmpd="sng" algn="ctr">
-                      <a:solidFill>
-                        <a:schemeClr val="tx1"/>
-                      </a:solidFill>
-                      <a:prstDash val="solid"/>
-                      <a:round/>
-                      <a:headEnd type="none" w="med" len="med"/>
-                      <a:tailEnd type="none" w="med" len="med"/>
-                    </a:lnL>
-                    <a:lnR w="12700" cap="flat" cmpd="sng" algn="ctr">
-                      <a:solidFill>
-                        <a:schemeClr val="tx1"/>
-                      </a:solidFill>
-                      <a:prstDash val="solid"/>
-                      <a:round/>
-                      <a:headEnd type="none" w="med" len="med"/>
-                      <a:tailEnd type="none" w="med" len="med"/>
-                    </a:lnR>
-                    <a:lnT w="12700" cap="flat" cmpd="sng" algn="ctr">
-                      <a:solidFill>
-                        <a:schemeClr val="tx1"/>
-                      </a:solidFill>
-                      <a:prstDash val="solid"/>
-                      <a:round/>
-                      <a:headEnd type="none" w="med" len="med"/>
-                      <a:tailEnd type="none" w="med" len="med"/>
-                    </a:lnT>
-                    <a:lnB w="12700" cap="flat" cmpd="sng" algn="ctr">
-                      <a:solidFill>
-                        <a:schemeClr val="tx1"/>
-                      </a:solidFill>
-                      <a:prstDash val="solid"/>
-                      <a:round/>
-                      <a:headEnd type="none" w="med" len="med"/>
-                      <a:tailEnd type="none" w="med" len="med"/>
-                    </a:lnB>
-                    <a:noFill/>
-                  </a:tcPr>
-                </a:tc>
-                <a:tc>
-                  <a:txBody>
-                    <a:bodyPr/>
-                    <a:lstStyle/>
-                    <a:p>
-                      <a:pPr marL="0" algn="ctr" defTabSz="914400" rtl="0" eaLnBrk="1" latinLnBrk="0" hangingPunct="1"/>
-                      <a:r>
-                        <a:rPr lang="it-IT" sz="1800" b="1" kern="1200" dirty="0">
-                          <a:solidFill>
-                            <a:schemeClr val="tx1"/>
-                          </a:solidFill>
-                          <a:latin typeface="+mn-lt"/>
-                          <a:ea typeface="+mn-ea"/>
-                          <a:cs typeface="+mn-cs"/>
-                        </a:rPr>
-                        <a:t>GND</a:t>
-                      </a:r>
-                      <a:endParaRPr lang="en-GB" sz="1800" b="1" kern="1200" dirty="0">
-                        <a:solidFill>
-                          <a:schemeClr val="tx1"/>
-                        </a:solidFill>
-                        <a:latin typeface="+mn-lt"/>
-                        <a:ea typeface="+mn-ea"/>
-                        <a:cs typeface="+mn-cs"/>
-                      </a:endParaRPr>
-                    </a:p>
-                  </a:txBody>
-                  <a:tcPr>
-                    <a:lnL w="12700" cap="flat" cmpd="sng" algn="ctr">
-                      <a:solidFill>
-                        <a:schemeClr val="tx1"/>
-                      </a:solidFill>
-                      <a:prstDash val="solid"/>
-                      <a:round/>
-                      <a:headEnd type="none" w="med" len="med"/>
-                      <a:tailEnd type="none" w="med" len="med"/>
-                    </a:lnL>
-                    <a:lnR w="12700" cap="flat" cmpd="sng" algn="ctr">
-                      <a:solidFill>
-                        <a:schemeClr val="tx1"/>
-                      </a:solidFill>
-                      <a:prstDash val="solid"/>
-                      <a:round/>
-                      <a:headEnd type="none" w="med" len="med"/>
-                      <a:tailEnd type="none" w="med" len="med"/>
-                    </a:lnR>
-                    <a:lnT w="12700" cap="flat" cmpd="sng" algn="ctr">
-                      <a:solidFill>
-                        <a:schemeClr val="tx1"/>
-                      </a:solidFill>
-                      <a:prstDash val="solid"/>
-                      <a:round/>
-                      <a:headEnd type="none" w="med" len="med"/>
-                      <a:tailEnd type="none" w="med" len="med"/>
-                    </a:lnT>
-                    <a:lnB w="12700" cap="flat" cmpd="sng" algn="ctr">
-                      <a:solidFill>
-                        <a:schemeClr val="tx1"/>
-                      </a:solidFill>
-                      <a:prstDash val="solid"/>
-                      <a:round/>
-                      <a:headEnd type="none" w="med" len="med"/>
-                      <a:tailEnd type="none" w="med" len="med"/>
-                    </a:lnB>
-                    <a:noFill/>
-                  </a:tcPr>
-                </a:tc>
-                <a:tc>
-                  <a:txBody>
-                    <a:bodyPr/>
-                    <a:lstStyle/>
-                    <a:p>
-                      <a:pPr marL="0" algn="ctr" defTabSz="914400" rtl="0" eaLnBrk="1" latinLnBrk="0" hangingPunct="1"/>
-                      <a:endParaRPr lang="en-GB" sz="1800" b="1" kern="1200" dirty="0">
-                        <a:solidFill>
-                          <a:schemeClr val="tx1"/>
-                        </a:solidFill>
-                        <a:latin typeface="+mn-lt"/>
-                        <a:ea typeface="+mn-ea"/>
-                        <a:cs typeface="+mn-cs"/>
-                      </a:endParaRPr>
-                    </a:p>
-                  </a:txBody>
-                  <a:tcPr>
-                    <a:lnL w="12700" cap="flat" cmpd="sng" algn="ctr">
-                      <a:solidFill>
-                        <a:schemeClr val="tx1"/>
-                      </a:solidFill>
-                      <a:prstDash val="solid"/>
-                      <a:round/>
-                      <a:headEnd type="none" w="med" len="med"/>
-                      <a:tailEnd type="none" w="med" len="med"/>
-                    </a:lnL>
-                    <a:lnR w="12700" cap="flat" cmpd="sng" algn="ctr">
-                      <a:solidFill>
-                        <a:schemeClr val="tx1"/>
-                      </a:solidFill>
-                      <a:prstDash val="solid"/>
-                      <a:round/>
-                      <a:headEnd type="none" w="med" len="med"/>
-                      <a:tailEnd type="none" w="med" len="med"/>
-                    </a:lnR>
-                    <a:lnT w="12700" cap="flat" cmpd="sng" algn="ctr">
-                      <a:solidFill>
-                        <a:schemeClr val="tx1"/>
-                      </a:solidFill>
-                      <a:prstDash val="solid"/>
-                      <a:round/>
-                      <a:headEnd type="none" w="med" len="med"/>
-                      <a:tailEnd type="none" w="med" len="med"/>
-                    </a:lnT>
-                    <a:lnB w="12700" cap="flat" cmpd="sng" algn="ctr">
-                      <a:solidFill>
-                        <a:schemeClr val="tx1"/>
-                      </a:solidFill>
-                      <a:prstDash val="solid"/>
-                      <a:round/>
-                      <a:headEnd type="none" w="med" len="med"/>
-                      <a:tailEnd type="none" w="med" len="med"/>
-                    </a:lnB>
-                    <a:noFill/>
-                  </a:tcPr>
-                </a:tc>
-                <a:extLst>
-                  <a:ext uri="{0D108BD9-81ED-4DB2-BD59-A6C34878D82A}">
-                    <a16:rowId xmlns:a16="http://schemas.microsoft.com/office/drawing/2014/main" val="289679875"/>
-                  </a:ext>
-                </a:extLst>
-              </a:tr>
-            </a:tbl>
-          </a:graphicData>
-        </a:graphic>
-      </p:graphicFrame>
-      <p:sp>
-        <p:nvSpPr>
-          <p:cNvPr id="8" name="CasellaDiTesto 7">
-            <a:extLst>
-              <a:ext uri="{FF2B5EF4-FFF2-40B4-BE49-F238E27FC236}">
-                <a16:creationId xmlns:a16="http://schemas.microsoft.com/office/drawing/2014/main" id="{8D1531F3-7014-961C-72AE-3B58D80F81F7}"/>
-              </a:ext>
-            </a:extLst>
-          </p:cNvPr>
-          <p:cNvSpPr txBox="1"/>
-          <p:nvPr/>
-        </p:nvSpPr>
-        <p:spPr>
-          <a:xfrm>
-            <a:off x="5206448" y="2350814"/>
-            <a:ext cx="1779104" cy="369332"/>
-          </a:xfrm>
-          <a:prstGeom prst="rect">
-            <a:avLst/>
-          </a:prstGeom>
-          <a:noFill/>
-        </p:spPr>
-        <p:txBody>
-          <a:bodyPr wrap="square" rtlCol="0">
-            <a:spAutoFit/>
-          </a:bodyPr>
-          <a:lstStyle/>
-          <a:p>
-            <a:pPr algn="ctr"/>
-            <a:r>
-              <a:rPr lang="it-IT" dirty="0"/>
-              <a:t>MAX 485</a:t>
-            </a:r>
-            <a:endParaRPr lang="en-GB" dirty="0"/>
-          </a:p>
-        </p:txBody>
-      </p:sp>
-      <p:graphicFrame>
-        <p:nvGraphicFramePr>
-          <p:cNvPr id="9" name="Segnaposto contenuto 3">
-            <a:extLst>
-              <a:ext uri="{FF2B5EF4-FFF2-40B4-BE49-F238E27FC236}">
-                <a16:creationId xmlns:a16="http://schemas.microsoft.com/office/drawing/2014/main" id="{B47A0793-8996-9A65-C3C6-EE920DA0FFB9}"/>
-              </a:ext>
-            </a:extLst>
-          </p:cNvPr>
-          <p:cNvGraphicFramePr>
-            <a:graphicFrameLocks/>
-          </p:cNvGraphicFramePr>
-          <p:nvPr>
-            <p:extLst>
-              <p:ext uri="{D42A27DB-BD31-4B8C-83A1-F6EECF244321}">
-                <p14:modId xmlns:p14="http://schemas.microsoft.com/office/powerpoint/2010/main" val="4237700967"/>
-              </p:ext>
-            </p:extLst>
-          </p:nvPr>
-        </p:nvGraphicFramePr>
-        <p:xfrm>
-          <a:off x="9438860" y="2740824"/>
-          <a:ext cx="2325248" cy="3017520"/>
-        </p:xfrm>
-        <a:graphic>
-          <a:graphicData uri="http://schemas.openxmlformats.org/drawingml/2006/table">
-            <a:tbl>
-              <a:tblPr firstRow="1" bandRow="1">
-                <a:tableStyleId>{5C22544A-7EE6-4342-B048-85BDC9FD1C3A}</a:tableStyleId>
-              </a:tblPr>
-              <a:tblGrid>
-                <a:gridCol w="571966">
-                  <a:extLst>
-                    <a:ext uri="{9D8B030D-6E8A-4147-A177-3AD203B41FA5}">
-                      <a16:colId xmlns:a16="http://schemas.microsoft.com/office/drawing/2014/main" val="3363426028"/>
-                    </a:ext>
-                  </a:extLst>
-                </a:gridCol>
-                <a:gridCol w="467970">
-                  <a:extLst>
-                    <a:ext uri="{9D8B030D-6E8A-4147-A177-3AD203B41FA5}">
-                      <a16:colId xmlns:a16="http://schemas.microsoft.com/office/drawing/2014/main" val="674531334"/>
-                    </a:ext>
-                  </a:extLst>
-                </a:gridCol>
-                <a:gridCol w="1285312">
-                  <a:extLst>
-                    <a:ext uri="{9D8B030D-6E8A-4147-A177-3AD203B41FA5}">
-                      <a16:colId xmlns:a16="http://schemas.microsoft.com/office/drawing/2014/main" val="888482125"/>
-                    </a:ext>
-                  </a:extLst>
-                </a:gridCol>
-              </a:tblGrid>
-              <a:tr h="370840">
-                <a:tc>
-                  <a:txBody>
-                    <a:bodyPr/>
-                    <a:lstStyle/>
-                    <a:p>
-                      <a:pPr marL="0" algn="ctr" defTabSz="914400" rtl="0" eaLnBrk="1" latinLnBrk="0" hangingPunct="1"/>
-                      <a:endParaRPr lang="en-GB" sz="1800" b="1" kern="1200" dirty="0">
-                        <a:solidFill>
-                          <a:schemeClr val="tx1"/>
-                        </a:solidFill>
-                        <a:latin typeface="+mn-lt"/>
-                        <a:ea typeface="+mn-ea"/>
-                        <a:cs typeface="+mn-cs"/>
-                      </a:endParaRPr>
-                    </a:p>
-                  </a:txBody>
-                  <a:tcPr>
-                    <a:lnL w="12700" cap="flat" cmpd="sng" algn="ctr">
-                      <a:solidFill>
-                        <a:schemeClr val="tx1"/>
-                      </a:solidFill>
-                      <a:prstDash val="solid"/>
-                      <a:round/>
-                      <a:headEnd type="none" w="med" len="med"/>
-                      <a:tailEnd type="none" w="med" len="med"/>
-                    </a:lnL>
-                    <a:lnR w="12700" cap="flat" cmpd="sng" algn="ctr">
-                      <a:solidFill>
-                        <a:schemeClr val="tx1"/>
-                      </a:solidFill>
-                      <a:prstDash val="solid"/>
-                      <a:round/>
-                      <a:headEnd type="none" w="med" len="med"/>
-                      <a:tailEnd type="none" w="med" len="med"/>
-                    </a:lnR>
-                    <a:lnT w="12700" cap="flat" cmpd="sng" algn="ctr">
-                      <a:solidFill>
-                        <a:schemeClr val="tx1"/>
-                      </a:solidFill>
-                      <a:prstDash val="solid"/>
-                      <a:round/>
-                      <a:headEnd type="none" w="med" len="med"/>
-                      <a:tailEnd type="none" w="med" len="med"/>
-                    </a:lnT>
-                    <a:lnB w="12700" cap="flat" cmpd="sng" algn="ctr">
-                      <a:solidFill>
-                        <a:schemeClr val="tx1"/>
-                      </a:solidFill>
-                      <a:prstDash val="solid"/>
-                      <a:round/>
-                      <a:headEnd type="none" w="med" len="med"/>
-                      <a:tailEnd type="none" w="med" len="med"/>
-                    </a:lnB>
-                    <a:noFill/>
-                  </a:tcPr>
-                </a:tc>
-                <a:tc>
-                  <a:txBody>
-                    <a:bodyPr/>
-                    <a:lstStyle/>
-                    <a:p>
-                      <a:pPr marL="0" algn="ctr" defTabSz="914400" rtl="0" eaLnBrk="1" latinLnBrk="0" hangingPunct="1"/>
-                      <a:r>
-                        <a:rPr lang="it-IT" sz="1800" b="1" kern="1200" dirty="0">
-                          <a:solidFill>
-                            <a:schemeClr val="tx1"/>
-                          </a:solidFill>
-                          <a:latin typeface="+mn-lt"/>
-                          <a:ea typeface="+mn-ea"/>
-                          <a:cs typeface="+mn-cs"/>
-                        </a:rPr>
-                        <a:t>1</a:t>
-                      </a:r>
-                      <a:endParaRPr lang="en-GB" sz="1800" b="1" kern="1200" dirty="0">
-                        <a:solidFill>
-                          <a:schemeClr val="tx1"/>
-                        </a:solidFill>
-                        <a:latin typeface="+mn-lt"/>
-                        <a:ea typeface="+mn-ea"/>
-                        <a:cs typeface="+mn-cs"/>
-                      </a:endParaRPr>
-                    </a:p>
-                  </a:txBody>
-                  <a:tcPr>
-                    <a:lnL w="12700" cap="flat" cmpd="sng" algn="ctr">
-                      <a:solidFill>
-                        <a:schemeClr val="tx1"/>
-                      </a:solidFill>
-                      <a:prstDash val="solid"/>
-                      <a:round/>
-                      <a:headEnd type="none" w="med" len="med"/>
-                      <a:tailEnd type="none" w="med" len="med"/>
-                    </a:lnL>
-                    <a:lnR w="12700" cap="flat" cmpd="sng" algn="ctr">
-                      <a:solidFill>
-                        <a:schemeClr val="tx1"/>
-                      </a:solidFill>
-                      <a:prstDash val="solid"/>
-                      <a:round/>
-                      <a:headEnd type="none" w="med" len="med"/>
-                      <a:tailEnd type="none" w="med" len="med"/>
-                    </a:lnR>
-                    <a:lnT w="12700" cap="flat" cmpd="sng" algn="ctr">
-                      <a:solidFill>
-                        <a:schemeClr val="tx1"/>
-                      </a:solidFill>
-                      <a:prstDash val="solid"/>
-                      <a:round/>
-                      <a:headEnd type="none" w="med" len="med"/>
-                      <a:tailEnd type="none" w="med" len="med"/>
-                    </a:lnT>
-                    <a:lnB w="12700" cap="flat" cmpd="sng" algn="ctr">
-                      <a:solidFill>
-                        <a:schemeClr val="tx1"/>
-                      </a:solidFill>
-                      <a:prstDash val="solid"/>
-                      <a:round/>
-                      <a:headEnd type="none" w="med" len="med"/>
-                      <a:tailEnd type="none" w="med" len="med"/>
-                    </a:lnB>
-                    <a:noFill/>
-                  </a:tcPr>
-                </a:tc>
-                <a:tc>
-                  <a:txBody>
-                    <a:bodyPr/>
-                    <a:lstStyle/>
-                    <a:p>
-                      <a:pPr marL="0" algn="ctr" defTabSz="914400" rtl="0" eaLnBrk="1" latinLnBrk="0" hangingPunct="1"/>
-                      <a:r>
-                        <a:rPr lang="it-IT" sz="1000" b="1" kern="1200" dirty="0">
-                          <a:solidFill>
-                            <a:schemeClr val="tx1"/>
-                          </a:solidFill>
-                          <a:latin typeface="+mn-lt"/>
-                          <a:ea typeface="+mn-ea"/>
-                          <a:cs typeface="+mn-cs"/>
-                        </a:rPr>
-                        <a:t>Power Supply output (7.5V)</a:t>
-                      </a:r>
-                      <a:endParaRPr lang="en-GB" sz="1000" b="1" kern="1200" dirty="0">
-                        <a:solidFill>
-                          <a:schemeClr val="tx1"/>
-                        </a:solidFill>
-                        <a:latin typeface="+mn-lt"/>
-                        <a:ea typeface="+mn-ea"/>
-                        <a:cs typeface="+mn-cs"/>
-                      </a:endParaRPr>
-                    </a:p>
-                  </a:txBody>
-                  <a:tcPr>
-                    <a:lnL w="12700" cap="flat" cmpd="sng" algn="ctr">
-                      <a:solidFill>
-                        <a:schemeClr val="tx1"/>
-                      </a:solidFill>
-                      <a:prstDash val="solid"/>
-                      <a:round/>
-                      <a:headEnd type="none" w="med" len="med"/>
-                      <a:tailEnd type="none" w="med" len="med"/>
-                    </a:lnL>
-                    <a:lnR w="12700" cap="flat" cmpd="sng" algn="ctr">
-                      <a:solidFill>
-                        <a:schemeClr val="tx1"/>
-                      </a:solidFill>
-                      <a:prstDash val="solid"/>
-                      <a:round/>
-                      <a:headEnd type="none" w="med" len="med"/>
-                      <a:tailEnd type="none" w="med" len="med"/>
-                    </a:lnR>
-                    <a:lnT w="12700" cap="flat" cmpd="sng" algn="ctr">
-                      <a:solidFill>
-                        <a:schemeClr val="tx1"/>
-                      </a:solidFill>
-                      <a:prstDash val="solid"/>
-                      <a:round/>
-                      <a:headEnd type="none" w="med" len="med"/>
-                      <a:tailEnd type="none" w="med" len="med"/>
-                    </a:lnT>
-                    <a:lnB w="12700" cap="flat" cmpd="sng" algn="ctr">
-                      <a:solidFill>
-                        <a:schemeClr val="tx1"/>
-                      </a:solidFill>
-                      <a:prstDash val="solid"/>
-                      <a:round/>
-                      <a:headEnd type="none" w="med" len="med"/>
-                      <a:tailEnd type="none" w="med" len="med"/>
-                    </a:lnB>
-                    <a:noFill/>
-                  </a:tcPr>
-                </a:tc>
-                <a:extLst>
-                  <a:ext uri="{0D108BD9-81ED-4DB2-BD59-A6C34878D82A}">
-                    <a16:rowId xmlns:a16="http://schemas.microsoft.com/office/drawing/2014/main" val="3552436575"/>
-                  </a:ext>
-                </a:extLst>
-              </a:tr>
-              <a:tr h="370840">
-                <a:tc>
-                  <a:txBody>
-                    <a:bodyPr/>
-                    <a:lstStyle/>
-                    <a:p>
-                      <a:pPr marL="0" algn="ctr" defTabSz="914400" rtl="0" eaLnBrk="1" latinLnBrk="0" hangingPunct="1"/>
-                      <a:endParaRPr lang="en-GB" sz="1800" b="1" kern="1200">
-                        <a:solidFill>
-                          <a:schemeClr val="tx1"/>
-                        </a:solidFill>
-                        <a:latin typeface="+mn-lt"/>
-                        <a:ea typeface="+mn-ea"/>
-                        <a:cs typeface="+mn-cs"/>
-                      </a:endParaRPr>
-                    </a:p>
-                  </a:txBody>
-                  <a:tcPr>
-                    <a:lnL w="12700" cap="flat" cmpd="sng" algn="ctr">
-                      <a:solidFill>
-                        <a:schemeClr val="tx1"/>
-                      </a:solidFill>
-                      <a:prstDash val="solid"/>
-                      <a:round/>
-                      <a:headEnd type="none" w="med" len="med"/>
-                      <a:tailEnd type="none" w="med" len="med"/>
-                    </a:lnL>
-                    <a:lnR w="12700" cap="flat" cmpd="sng" algn="ctr">
-                      <a:solidFill>
-                        <a:schemeClr val="tx1"/>
-                      </a:solidFill>
-                      <a:prstDash val="solid"/>
-                      <a:round/>
-                      <a:headEnd type="none" w="med" len="med"/>
-                      <a:tailEnd type="none" w="med" len="med"/>
-                    </a:lnR>
-                    <a:lnT w="12700" cap="flat" cmpd="sng" algn="ctr">
-                      <a:solidFill>
-                        <a:schemeClr val="tx1"/>
-                      </a:solidFill>
-                      <a:prstDash val="solid"/>
-                      <a:round/>
-                      <a:headEnd type="none" w="med" len="med"/>
-                      <a:tailEnd type="none" w="med" len="med"/>
-                    </a:lnT>
-                    <a:lnB w="12700" cap="flat" cmpd="sng" algn="ctr">
-                      <a:solidFill>
-                        <a:schemeClr val="tx1"/>
-                      </a:solidFill>
-                      <a:prstDash val="solid"/>
-                      <a:round/>
-                      <a:headEnd type="none" w="med" len="med"/>
-                      <a:tailEnd type="none" w="med" len="med"/>
-                    </a:lnB>
-                    <a:noFill/>
-                  </a:tcPr>
-                </a:tc>
-                <a:tc>
-                  <a:txBody>
-                    <a:bodyPr/>
-                    <a:lstStyle/>
-                    <a:p>
-                      <a:pPr marL="0" algn="ctr" defTabSz="914400" rtl="0" eaLnBrk="1" latinLnBrk="0" hangingPunct="1"/>
-                      <a:r>
-                        <a:rPr lang="it-IT" sz="1800" b="1" kern="1200" dirty="0">
-                          <a:solidFill>
-                            <a:schemeClr val="tx1"/>
-                          </a:solidFill>
-                          <a:latin typeface="+mn-lt"/>
-                          <a:ea typeface="+mn-ea"/>
-                          <a:cs typeface="+mn-cs"/>
-                        </a:rPr>
-                        <a:t>2</a:t>
-                      </a:r>
-                      <a:endParaRPr lang="en-GB" sz="1800" b="1" kern="1200" dirty="0">
-                        <a:solidFill>
-                          <a:schemeClr val="tx1"/>
-                        </a:solidFill>
-                        <a:latin typeface="+mn-lt"/>
-                        <a:ea typeface="+mn-ea"/>
-                        <a:cs typeface="+mn-cs"/>
-                      </a:endParaRPr>
-                    </a:p>
-                  </a:txBody>
-                  <a:tcPr>
-                    <a:lnL w="12700" cap="flat" cmpd="sng" algn="ctr">
-                      <a:solidFill>
-                        <a:schemeClr val="tx1"/>
-                      </a:solidFill>
-                      <a:prstDash val="solid"/>
-                      <a:round/>
-                      <a:headEnd type="none" w="med" len="med"/>
-                      <a:tailEnd type="none" w="med" len="med"/>
-                    </a:lnL>
-                    <a:lnR w="12700" cap="flat" cmpd="sng" algn="ctr">
-                      <a:solidFill>
-                        <a:schemeClr val="tx1"/>
-                      </a:solidFill>
-                      <a:prstDash val="solid"/>
-                      <a:round/>
-                      <a:headEnd type="none" w="med" len="med"/>
-                      <a:tailEnd type="none" w="med" len="med"/>
-                    </a:lnR>
-                    <a:lnT w="12700" cap="flat" cmpd="sng" algn="ctr">
-                      <a:solidFill>
-                        <a:schemeClr val="tx1"/>
-                      </a:solidFill>
-                      <a:prstDash val="solid"/>
-                      <a:round/>
-                      <a:headEnd type="none" w="med" len="med"/>
-                      <a:tailEnd type="none" w="med" len="med"/>
-                    </a:lnT>
-                    <a:lnB w="12700" cap="flat" cmpd="sng" algn="ctr">
-                      <a:solidFill>
-                        <a:schemeClr val="tx1"/>
-                      </a:solidFill>
-                      <a:prstDash val="solid"/>
-                      <a:round/>
-                      <a:headEnd type="none" w="med" len="med"/>
-                      <a:tailEnd type="none" w="med" len="med"/>
-                    </a:lnB>
-                    <a:noFill/>
-                  </a:tcPr>
-                </a:tc>
-                <a:tc>
-                  <a:txBody>
-                    <a:bodyPr/>
-                    <a:lstStyle/>
-                    <a:p>
-                      <a:pPr marL="0" algn="ctr" defTabSz="914400" rtl="0" eaLnBrk="1" latinLnBrk="0" hangingPunct="1"/>
-                      <a:r>
-                        <a:rPr lang="en-GB" sz="1000" b="1" kern="1200" dirty="0">
-                          <a:solidFill>
-                            <a:schemeClr val="tx1"/>
-                          </a:solidFill>
-                          <a:latin typeface="+mn-lt"/>
-                          <a:ea typeface="+mn-ea"/>
-                          <a:cs typeface="+mn-cs"/>
-                        </a:rPr>
-                        <a:t>Power Supply output (7.5V)</a:t>
-                      </a:r>
-                    </a:p>
-                  </a:txBody>
-                  <a:tcPr>
-                    <a:lnL w="12700" cap="flat" cmpd="sng" algn="ctr">
-                      <a:solidFill>
-                        <a:schemeClr val="tx1"/>
-                      </a:solidFill>
-                      <a:prstDash val="solid"/>
-                      <a:round/>
-                      <a:headEnd type="none" w="med" len="med"/>
-                      <a:tailEnd type="none" w="med" len="med"/>
-                    </a:lnL>
-                    <a:lnR w="12700" cap="flat" cmpd="sng" algn="ctr">
-                      <a:solidFill>
-                        <a:schemeClr val="tx1"/>
-                      </a:solidFill>
-                      <a:prstDash val="solid"/>
-                      <a:round/>
-                      <a:headEnd type="none" w="med" len="med"/>
-                      <a:tailEnd type="none" w="med" len="med"/>
-                    </a:lnR>
-                    <a:lnT w="12700" cap="flat" cmpd="sng" algn="ctr">
-                      <a:solidFill>
-                        <a:schemeClr val="tx1"/>
-                      </a:solidFill>
-                      <a:prstDash val="solid"/>
-                      <a:round/>
-                      <a:headEnd type="none" w="med" len="med"/>
-                      <a:tailEnd type="none" w="med" len="med"/>
-                    </a:lnT>
-                    <a:lnB w="12700" cap="flat" cmpd="sng" algn="ctr">
-                      <a:solidFill>
-                        <a:schemeClr val="tx1"/>
-                      </a:solidFill>
-                      <a:prstDash val="solid"/>
-                      <a:round/>
-                      <a:headEnd type="none" w="med" len="med"/>
-                      <a:tailEnd type="none" w="med" len="med"/>
-                    </a:lnB>
-                    <a:noFill/>
-                  </a:tcPr>
-                </a:tc>
-                <a:extLst>
-                  <a:ext uri="{0D108BD9-81ED-4DB2-BD59-A6C34878D82A}">
-                    <a16:rowId xmlns:a16="http://schemas.microsoft.com/office/drawing/2014/main" val="2858923362"/>
-                  </a:ext>
-                </a:extLst>
-              </a:tr>
-              <a:tr h="370840">
-                <a:tc>
-                  <a:txBody>
-                    <a:bodyPr/>
-                    <a:lstStyle/>
-                    <a:p>
-                      <a:pPr marL="0" algn="ctr" defTabSz="914400" rtl="0" eaLnBrk="1" latinLnBrk="0" hangingPunct="1"/>
-                      <a:endParaRPr lang="en-GB" sz="1800" b="1" kern="1200">
-                        <a:solidFill>
-                          <a:schemeClr val="tx1"/>
-                        </a:solidFill>
-                        <a:latin typeface="+mn-lt"/>
-                        <a:ea typeface="+mn-ea"/>
-                        <a:cs typeface="+mn-cs"/>
-                      </a:endParaRPr>
-                    </a:p>
-                  </a:txBody>
-                  <a:tcPr>
-                    <a:lnL w="12700" cap="flat" cmpd="sng" algn="ctr">
-                      <a:solidFill>
-                        <a:schemeClr val="tx1"/>
-                      </a:solidFill>
-                      <a:prstDash val="solid"/>
-                      <a:round/>
-                      <a:headEnd type="none" w="med" len="med"/>
-                      <a:tailEnd type="none" w="med" len="med"/>
-                    </a:lnL>
-                    <a:lnR w="12700" cap="flat" cmpd="sng" algn="ctr">
-                      <a:solidFill>
-                        <a:schemeClr val="tx1"/>
-                      </a:solidFill>
-                      <a:prstDash val="solid"/>
-                      <a:round/>
-                      <a:headEnd type="none" w="med" len="med"/>
-                      <a:tailEnd type="none" w="med" len="med"/>
-                    </a:lnR>
-                    <a:lnT w="12700" cap="flat" cmpd="sng" algn="ctr">
-                      <a:solidFill>
-                        <a:schemeClr val="tx1"/>
-                      </a:solidFill>
-                      <a:prstDash val="solid"/>
-                      <a:round/>
-                      <a:headEnd type="none" w="med" len="med"/>
-                      <a:tailEnd type="none" w="med" len="med"/>
-                    </a:lnT>
-                    <a:lnB w="12700" cap="flat" cmpd="sng" algn="ctr">
-                      <a:solidFill>
-                        <a:schemeClr val="tx1"/>
-                      </a:solidFill>
-                      <a:prstDash val="solid"/>
-                      <a:round/>
-                      <a:headEnd type="none" w="med" len="med"/>
-                      <a:tailEnd type="none" w="med" len="med"/>
-                    </a:lnB>
-                    <a:noFill/>
-                  </a:tcPr>
-                </a:tc>
-                <a:tc>
-                  <a:txBody>
-                    <a:bodyPr/>
-                    <a:lstStyle/>
-                    <a:p>
-                      <a:pPr marL="0" algn="ctr" defTabSz="914400" rtl="0" eaLnBrk="1" latinLnBrk="0" hangingPunct="1"/>
-                      <a:r>
-                        <a:rPr lang="it-IT" sz="1800" b="1" kern="1200" dirty="0">
-                          <a:solidFill>
-                            <a:schemeClr val="tx1"/>
-                          </a:solidFill>
-                          <a:latin typeface="+mn-lt"/>
-                          <a:ea typeface="+mn-ea"/>
-                          <a:cs typeface="+mn-cs"/>
-                        </a:rPr>
-                        <a:t>3</a:t>
-                      </a:r>
-                      <a:endParaRPr lang="en-GB" sz="1800" b="1" kern="1200" dirty="0">
-                        <a:solidFill>
-                          <a:schemeClr val="tx1"/>
-                        </a:solidFill>
-                        <a:latin typeface="+mn-lt"/>
-                        <a:ea typeface="+mn-ea"/>
-                        <a:cs typeface="+mn-cs"/>
-                      </a:endParaRPr>
-                    </a:p>
-                  </a:txBody>
-                  <a:tcPr>
-                    <a:lnL w="12700" cap="flat" cmpd="sng" algn="ctr">
-                      <a:solidFill>
-                        <a:schemeClr val="tx1"/>
-                      </a:solidFill>
-                      <a:prstDash val="solid"/>
-                      <a:round/>
-                      <a:headEnd type="none" w="med" len="med"/>
-                      <a:tailEnd type="none" w="med" len="med"/>
-                    </a:lnL>
-                    <a:lnR w="12700" cap="flat" cmpd="sng" algn="ctr">
-                      <a:solidFill>
-                        <a:schemeClr val="tx1"/>
-                      </a:solidFill>
-                      <a:prstDash val="solid"/>
-                      <a:round/>
-                      <a:headEnd type="none" w="med" len="med"/>
-                      <a:tailEnd type="none" w="med" len="med"/>
-                    </a:lnR>
-                    <a:lnT w="12700" cap="flat" cmpd="sng" algn="ctr">
-                      <a:solidFill>
-                        <a:schemeClr val="tx1"/>
-                      </a:solidFill>
-                      <a:prstDash val="solid"/>
-                      <a:round/>
-                      <a:headEnd type="none" w="med" len="med"/>
-                      <a:tailEnd type="none" w="med" len="med"/>
-                    </a:lnT>
-                    <a:lnB w="12700" cap="flat" cmpd="sng" algn="ctr">
-                      <a:solidFill>
-                        <a:schemeClr val="tx1"/>
-                      </a:solidFill>
-                      <a:prstDash val="solid"/>
-                      <a:round/>
-                      <a:headEnd type="none" w="med" len="med"/>
-                      <a:tailEnd type="none" w="med" len="med"/>
-                    </a:lnB>
-                    <a:noFill/>
-                  </a:tcPr>
-                </a:tc>
-                <a:tc>
-                  <a:txBody>
-                    <a:bodyPr/>
-                    <a:lstStyle/>
-                    <a:p>
-                      <a:pPr marL="0" algn="ctr" defTabSz="914400" rtl="0" eaLnBrk="1" latinLnBrk="0" hangingPunct="1"/>
-                      <a:r>
-                        <a:rPr lang="it-IT" sz="1800" b="1" kern="1200" dirty="0">
-                          <a:solidFill>
-                            <a:schemeClr val="tx1"/>
-                          </a:solidFill>
-                          <a:latin typeface="+mn-lt"/>
-                          <a:ea typeface="+mn-ea"/>
-                          <a:cs typeface="+mn-cs"/>
-                        </a:rPr>
-                        <a:t>RS-485 B</a:t>
-                      </a:r>
-                      <a:endParaRPr lang="en-GB" sz="1800" b="1" kern="1200" dirty="0">
-                        <a:solidFill>
-                          <a:schemeClr val="tx1"/>
-                        </a:solidFill>
-                        <a:latin typeface="+mn-lt"/>
-                        <a:ea typeface="+mn-ea"/>
-                        <a:cs typeface="+mn-cs"/>
-                      </a:endParaRPr>
-                    </a:p>
-                  </a:txBody>
-                  <a:tcPr>
-                    <a:lnL w="12700" cap="flat" cmpd="sng" algn="ctr">
-                      <a:solidFill>
-                        <a:schemeClr val="tx1"/>
-                      </a:solidFill>
-                      <a:prstDash val="solid"/>
-                      <a:round/>
-                      <a:headEnd type="none" w="med" len="med"/>
-                      <a:tailEnd type="none" w="med" len="med"/>
-                    </a:lnL>
-                    <a:lnR w="12700" cap="flat" cmpd="sng" algn="ctr">
-                      <a:solidFill>
-                        <a:schemeClr val="tx1"/>
-                      </a:solidFill>
-                      <a:prstDash val="solid"/>
-                      <a:round/>
-                      <a:headEnd type="none" w="med" len="med"/>
-                      <a:tailEnd type="none" w="med" len="med"/>
-                    </a:lnR>
-                    <a:lnT w="12700" cap="flat" cmpd="sng" algn="ctr">
-                      <a:solidFill>
-                        <a:schemeClr val="tx1"/>
-                      </a:solidFill>
-                      <a:prstDash val="solid"/>
-                      <a:round/>
-                      <a:headEnd type="none" w="med" len="med"/>
-                      <a:tailEnd type="none" w="med" len="med"/>
-                    </a:lnT>
-                    <a:lnB w="12700" cap="flat" cmpd="sng" algn="ctr">
-                      <a:solidFill>
-                        <a:schemeClr val="tx1"/>
-                      </a:solidFill>
-                      <a:prstDash val="solid"/>
-                      <a:round/>
-                      <a:headEnd type="none" w="med" len="med"/>
-                      <a:tailEnd type="none" w="med" len="med"/>
-                    </a:lnB>
-                    <a:noFill/>
-                  </a:tcPr>
-                </a:tc>
-                <a:extLst>
-                  <a:ext uri="{0D108BD9-81ED-4DB2-BD59-A6C34878D82A}">
-                    <a16:rowId xmlns:a16="http://schemas.microsoft.com/office/drawing/2014/main" val="4111031725"/>
-                  </a:ext>
-                </a:extLst>
-              </a:tr>
-              <a:tr h="370840">
-                <a:tc>
-                  <a:txBody>
-                    <a:bodyPr/>
-                    <a:lstStyle/>
-                    <a:p>
-                      <a:pPr marL="0" algn="ctr" defTabSz="914400" rtl="0" eaLnBrk="1" latinLnBrk="0" hangingPunct="1"/>
-                      <a:endParaRPr lang="en-GB" sz="1800" b="1" kern="1200">
-                        <a:solidFill>
-                          <a:schemeClr val="tx1"/>
-                        </a:solidFill>
-                        <a:latin typeface="+mn-lt"/>
-                        <a:ea typeface="+mn-ea"/>
-                        <a:cs typeface="+mn-cs"/>
-                      </a:endParaRPr>
-                    </a:p>
-                  </a:txBody>
-                  <a:tcPr>
-                    <a:lnL w="12700" cap="flat" cmpd="sng" algn="ctr">
-                      <a:solidFill>
-                        <a:schemeClr val="tx1"/>
-                      </a:solidFill>
-                      <a:prstDash val="solid"/>
-                      <a:round/>
-                      <a:headEnd type="none" w="med" len="med"/>
-                      <a:tailEnd type="none" w="med" len="med"/>
-                    </a:lnL>
-                    <a:lnR w="12700" cap="flat" cmpd="sng" algn="ctr">
-                      <a:solidFill>
-                        <a:schemeClr val="tx1"/>
-                      </a:solidFill>
-                      <a:prstDash val="solid"/>
-                      <a:round/>
-                      <a:headEnd type="none" w="med" len="med"/>
-                      <a:tailEnd type="none" w="med" len="med"/>
-                    </a:lnR>
-                    <a:lnT w="12700" cap="flat" cmpd="sng" algn="ctr">
-                      <a:solidFill>
-                        <a:schemeClr val="tx1"/>
-                      </a:solidFill>
-                      <a:prstDash val="solid"/>
-                      <a:round/>
-                      <a:headEnd type="none" w="med" len="med"/>
-                      <a:tailEnd type="none" w="med" len="med"/>
-                    </a:lnT>
-                    <a:lnB w="12700" cap="flat" cmpd="sng" algn="ctr">
-                      <a:solidFill>
-                        <a:schemeClr val="tx1"/>
-                      </a:solidFill>
-                      <a:prstDash val="solid"/>
-                      <a:round/>
-                      <a:headEnd type="none" w="med" len="med"/>
-                      <a:tailEnd type="none" w="med" len="med"/>
-                    </a:lnB>
-                    <a:noFill/>
-                  </a:tcPr>
-                </a:tc>
-                <a:tc>
-                  <a:txBody>
-                    <a:bodyPr/>
-                    <a:lstStyle/>
-                    <a:p>
-                      <a:pPr marL="0" marR="0" lvl="0" indent="0" algn="ctr" defTabSz="914400" rtl="0" eaLnBrk="1" fontAlgn="auto" latinLnBrk="0" hangingPunct="1">
-                        <a:lnSpc>
-                          <a:spcPct val="100000"/>
-                        </a:lnSpc>
-                        <a:spcBef>
-                          <a:spcPts val="0"/>
-                        </a:spcBef>
-                        <a:spcAft>
-                          <a:spcPts val="0"/>
-                        </a:spcAft>
-                        <a:buClrTx/>
-                        <a:buSzTx/>
-                        <a:buFontTx/>
-                        <a:buNone/>
-                        <a:tabLst/>
-                        <a:defRPr/>
-                      </a:pPr>
-                      <a:r>
-                        <a:rPr lang="it-IT" sz="1800" b="1" kern="1200" dirty="0">
-                          <a:solidFill>
-                            <a:schemeClr val="tx1"/>
-                          </a:solidFill>
-                          <a:latin typeface="+mn-lt"/>
-                          <a:ea typeface="+mn-ea"/>
-                          <a:cs typeface="+mn-cs"/>
-                        </a:rPr>
-                        <a:t>4</a:t>
-                      </a:r>
-                      <a:endParaRPr lang="en-GB" sz="1800" b="1" kern="1200" dirty="0">
-                        <a:solidFill>
-                          <a:schemeClr val="tx1"/>
-                        </a:solidFill>
-                        <a:latin typeface="+mn-lt"/>
-                        <a:ea typeface="+mn-ea"/>
-                        <a:cs typeface="+mn-cs"/>
-                      </a:endParaRPr>
-                    </a:p>
-                  </a:txBody>
-                  <a:tcPr>
-                    <a:lnL w="12700" cap="flat" cmpd="sng" algn="ctr">
-                      <a:solidFill>
-                        <a:schemeClr val="tx1"/>
-                      </a:solidFill>
-                      <a:prstDash val="solid"/>
-                      <a:round/>
-                      <a:headEnd type="none" w="med" len="med"/>
-                      <a:tailEnd type="none" w="med" len="med"/>
-                    </a:lnL>
-                    <a:lnR w="12700" cap="flat" cmpd="sng" algn="ctr">
-                      <a:solidFill>
-                        <a:schemeClr val="tx1"/>
-                      </a:solidFill>
-                      <a:prstDash val="solid"/>
-                      <a:round/>
-                      <a:headEnd type="none" w="med" len="med"/>
-                      <a:tailEnd type="none" w="med" len="med"/>
-                    </a:lnR>
-                    <a:lnT w="12700" cap="flat" cmpd="sng" algn="ctr">
-                      <a:solidFill>
-                        <a:schemeClr val="tx1"/>
-                      </a:solidFill>
-                      <a:prstDash val="solid"/>
-                      <a:round/>
-                      <a:headEnd type="none" w="med" len="med"/>
-                      <a:tailEnd type="none" w="med" len="med"/>
-                    </a:lnT>
-                    <a:lnB w="12700" cap="flat" cmpd="sng" algn="ctr">
-                      <a:solidFill>
-                        <a:schemeClr val="tx1"/>
-                      </a:solidFill>
-                      <a:prstDash val="solid"/>
-                      <a:round/>
-                      <a:headEnd type="none" w="med" len="med"/>
-                      <a:tailEnd type="none" w="med" len="med"/>
-                    </a:lnB>
-                    <a:noFill/>
-                  </a:tcPr>
-                </a:tc>
-                <a:tc>
-                  <a:txBody>
-                    <a:bodyPr/>
-                    <a:lstStyle/>
-                    <a:p>
-                      <a:pPr marL="0" marR="0" lvl="0" indent="0" algn="ctr" defTabSz="914400" rtl="0" eaLnBrk="1" fontAlgn="auto" latinLnBrk="0" hangingPunct="1">
-                        <a:lnSpc>
-                          <a:spcPct val="100000"/>
-                        </a:lnSpc>
-                        <a:spcBef>
-                          <a:spcPts val="0"/>
-                        </a:spcBef>
-                        <a:spcAft>
-                          <a:spcPts val="0"/>
-                        </a:spcAft>
-                        <a:buClrTx/>
-                        <a:buSzTx/>
-                        <a:buFontTx/>
-                        <a:buNone/>
-                        <a:tabLst/>
-                        <a:defRPr/>
-                      </a:pPr>
-                      <a:r>
-                        <a:rPr lang="it-IT" sz="1800" b="1" kern="1200" dirty="0">
-                          <a:solidFill>
-                            <a:schemeClr val="tx1"/>
-                          </a:solidFill>
-                          <a:latin typeface="+mn-lt"/>
-                          <a:ea typeface="+mn-ea"/>
-                          <a:cs typeface="+mn-cs"/>
-                        </a:rPr>
-                        <a:t>RS-485 B</a:t>
-                      </a:r>
-                      <a:endParaRPr lang="en-GB" sz="1800" b="1" kern="1200" dirty="0">
-                        <a:solidFill>
-                          <a:schemeClr val="tx1"/>
-                        </a:solidFill>
-                        <a:latin typeface="+mn-lt"/>
-                        <a:ea typeface="+mn-ea"/>
-                        <a:cs typeface="+mn-cs"/>
-                      </a:endParaRPr>
-                    </a:p>
-                  </a:txBody>
-                  <a:tcPr>
-                    <a:lnL w="12700" cap="flat" cmpd="sng" algn="ctr">
-                      <a:solidFill>
-                        <a:schemeClr val="tx1"/>
-                      </a:solidFill>
-                      <a:prstDash val="solid"/>
-                      <a:round/>
-                      <a:headEnd type="none" w="med" len="med"/>
-                      <a:tailEnd type="none" w="med" len="med"/>
-                    </a:lnL>
-                    <a:lnR w="12700" cap="flat" cmpd="sng" algn="ctr">
-                      <a:solidFill>
-                        <a:schemeClr val="tx1"/>
-                      </a:solidFill>
-                      <a:prstDash val="solid"/>
-                      <a:round/>
-                      <a:headEnd type="none" w="med" len="med"/>
-                      <a:tailEnd type="none" w="med" len="med"/>
-                    </a:lnR>
-                    <a:lnT w="12700" cap="flat" cmpd="sng" algn="ctr">
-                      <a:solidFill>
-                        <a:schemeClr val="tx1"/>
-                      </a:solidFill>
-                      <a:prstDash val="solid"/>
-                      <a:round/>
-                      <a:headEnd type="none" w="med" len="med"/>
-                      <a:tailEnd type="none" w="med" len="med"/>
-                    </a:lnT>
-                    <a:lnB w="12700" cap="flat" cmpd="sng" algn="ctr">
-                      <a:solidFill>
-                        <a:schemeClr val="tx1"/>
-                      </a:solidFill>
-                      <a:prstDash val="solid"/>
-                      <a:round/>
-                      <a:headEnd type="none" w="med" len="med"/>
-                      <a:tailEnd type="none" w="med" len="med"/>
-                    </a:lnB>
-                    <a:noFill/>
-                  </a:tcPr>
-                </a:tc>
-                <a:extLst>
-                  <a:ext uri="{0D108BD9-81ED-4DB2-BD59-A6C34878D82A}">
-                    <a16:rowId xmlns:a16="http://schemas.microsoft.com/office/drawing/2014/main" val="3097860223"/>
-                  </a:ext>
-                </a:extLst>
-              </a:tr>
-              <a:tr h="370840">
-                <a:tc>
-                  <a:txBody>
-                    <a:bodyPr/>
-                    <a:lstStyle/>
-                    <a:p>
-                      <a:pPr marL="0" algn="ctr" defTabSz="914400" rtl="0" eaLnBrk="1" latinLnBrk="0" hangingPunct="1"/>
-                      <a:endParaRPr lang="en-GB" sz="1800" b="1" kern="1200">
-                        <a:solidFill>
-                          <a:schemeClr val="tx1"/>
-                        </a:solidFill>
-                        <a:latin typeface="+mn-lt"/>
-                        <a:ea typeface="+mn-ea"/>
-                        <a:cs typeface="+mn-cs"/>
-                      </a:endParaRPr>
-                    </a:p>
-                  </a:txBody>
-                  <a:tcPr>
-                    <a:lnL w="12700" cap="flat" cmpd="sng" algn="ctr">
-                      <a:solidFill>
-                        <a:schemeClr val="tx1"/>
-                      </a:solidFill>
-                      <a:prstDash val="solid"/>
-                      <a:round/>
-                      <a:headEnd type="none" w="med" len="med"/>
-                      <a:tailEnd type="none" w="med" len="med"/>
-                    </a:lnL>
-                    <a:lnR w="12700" cap="flat" cmpd="sng" algn="ctr">
-                      <a:solidFill>
-                        <a:schemeClr val="tx1"/>
-                      </a:solidFill>
-                      <a:prstDash val="solid"/>
-                      <a:round/>
-                      <a:headEnd type="none" w="med" len="med"/>
-                      <a:tailEnd type="none" w="med" len="med"/>
-                    </a:lnR>
-                    <a:lnT w="12700" cap="flat" cmpd="sng" algn="ctr">
-                      <a:solidFill>
-                        <a:schemeClr val="tx1"/>
-                      </a:solidFill>
-                      <a:prstDash val="solid"/>
-                      <a:round/>
-                      <a:headEnd type="none" w="med" len="med"/>
-                      <a:tailEnd type="none" w="med" len="med"/>
-                    </a:lnT>
-                    <a:lnB w="12700" cap="flat" cmpd="sng" algn="ctr">
-                      <a:solidFill>
-                        <a:schemeClr val="tx1"/>
-                      </a:solidFill>
-                      <a:prstDash val="solid"/>
-                      <a:round/>
-                      <a:headEnd type="none" w="med" len="med"/>
-                      <a:tailEnd type="none" w="med" len="med"/>
-                    </a:lnB>
-                    <a:noFill/>
-                  </a:tcPr>
-                </a:tc>
-                <a:tc>
-                  <a:txBody>
-                    <a:bodyPr/>
-                    <a:lstStyle/>
-                    <a:p>
-                      <a:pPr marL="0" marR="0" lvl="0" indent="0" algn="ctr" defTabSz="914400" rtl="0" eaLnBrk="1" fontAlgn="auto" latinLnBrk="0" hangingPunct="1">
-                        <a:lnSpc>
-                          <a:spcPct val="100000"/>
-                        </a:lnSpc>
-                        <a:spcBef>
-                          <a:spcPts val="0"/>
-                        </a:spcBef>
-                        <a:spcAft>
-                          <a:spcPts val="0"/>
-                        </a:spcAft>
-                        <a:buClrTx/>
-                        <a:buSzTx/>
-                        <a:buFontTx/>
-                        <a:buNone/>
-                        <a:tabLst/>
-                        <a:defRPr/>
-                      </a:pPr>
-                      <a:r>
-                        <a:rPr lang="it-IT" sz="1800" b="1" kern="1200" dirty="0">
-                          <a:solidFill>
-                            <a:schemeClr val="tx1"/>
-                          </a:solidFill>
-                          <a:latin typeface="+mn-lt"/>
-                          <a:ea typeface="+mn-ea"/>
-                          <a:cs typeface="+mn-cs"/>
-                        </a:rPr>
-                        <a:t>5</a:t>
-                      </a:r>
-                      <a:endParaRPr lang="en-GB" sz="1800" b="1" kern="1200" dirty="0">
-                        <a:solidFill>
-                          <a:schemeClr val="tx1"/>
-                        </a:solidFill>
-                        <a:latin typeface="+mn-lt"/>
-                        <a:ea typeface="+mn-ea"/>
-                        <a:cs typeface="+mn-cs"/>
-                      </a:endParaRPr>
-                    </a:p>
-                  </a:txBody>
-                  <a:tcPr>
-                    <a:lnL w="12700" cap="flat" cmpd="sng" algn="ctr">
-                      <a:solidFill>
-                        <a:schemeClr val="tx1"/>
-                      </a:solidFill>
-                      <a:prstDash val="solid"/>
-                      <a:round/>
-                      <a:headEnd type="none" w="med" len="med"/>
-                      <a:tailEnd type="none" w="med" len="med"/>
-                    </a:lnL>
-                    <a:lnR w="12700" cap="flat" cmpd="sng" algn="ctr">
-                      <a:solidFill>
-                        <a:schemeClr val="tx1"/>
-                      </a:solidFill>
-                      <a:prstDash val="solid"/>
-                      <a:round/>
-                      <a:headEnd type="none" w="med" len="med"/>
-                      <a:tailEnd type="none" w="med" len="med"/>
-                    </a:lnR>
-                    <a:lnT w="12700" cap="flat" cmpd="sng" algn="ctr">
-                      <a:solidFill>
-                        <a:schemeClr val="tx1"/>
-                      </a:solidFill>
-                      <a:prstDash val="solid"/>
-                      <a:round/>
-                      <a:headEnd type="none" w="med" len="med"/>
-                      <a:tailEnd type="none" w="med" len="med"/>
-                    </a:lnT>
-                    <a:lnB w="12700" cap="flat" cmpd="sng" algn="ctr">
-                      <a:solidFill>
-                        <a:schemeClr val="tx1"/>
-                      </a:solidFill>
-                      <a:prstDash val="solid"/>
-                      <a:round/>
-                      <a:headEnd type="none" w="med" len="med"/>
-                      <a:tailEnd type="none" w="med" len="med"/>
-                    </a:lnB>
-                    <a:noFill/>
-                  </a:tcPr>
-                </a:tc>
-                <a:tc>
-                  <a:txBody>
-                    <a:bodyPr/>
-                    <a:lstStyle/>
-                    <a:p>
-                      <a:pPr marL="0" marR="0" lvl="0" indent="0" algn="ctr" defTabSz="914400" rtl="0" eaLnBrk="1" fontAlgn="auto" latinLnBrk="0" hangingPunct="1">
-                        <a:lnSpc>
-                          <a:spcPct val="100000"/>
-                        </a:lnSpc>
-                        <a:spcBef>
-                          <a:spcPts val="0"/>
-                        </a:spcBef>
-                        <a:spcAft>
-                          <a:spcPts val="0"/>
-                        </a:spcAft>
-                        <a:buClrTx/>
-                        <a:buSzTx/>
-                        <a:buFontTx/>
-                        <a:buNone/>
-                        <a:tabLst/>
-                        <a:defRPr/>
-                      </a:pPr>
-                      <a:r>
-                        <a:rPr lang="it-IT" sz="1800" b="1" kern="1200" dirty="0">
-                          <a:solidFill>
-                            <a:schemeClr val="tx1"/>
-                          </a:solidFill>
-                          <a:latin typeface="+mn-lt"/>
-                          <a:ea typeface="+mn-ea"/>
-                          <a:cs typeface="+mn-cs"/>
-                        </a:rPr>
-                        <a:t>RS-485 A</a:t>
-                      </a:r>
-                      <a:endParaRPr lang="en-GB" sz="1800" b="1" kern="1200" dirty="0">
-                        <a:solidFill>
-                          <a:schemeClr val="tx1"/>
-                        </a:solidFill>
-                        <a:latin typeface="+mn-lt"/>
-                        <a:ea typeface="+mn-ea"/>
-                        <a:cs typeface="+mn-cs"/>
-                      </a:endParaRPr>
-                    </a:p>
-                  </a:txBody>
-                  <a:tcPr>
-                    <a:lnL w="12700" cap="flat" cmpd="sng" algn="ctr">
-                      <a:solidFill>
-                        <a:schemeClr val="tx1"/>
-                      </a:solidFill>
-                      <a:prstDash val="solid"/>
-                      <a:round/>
-                      <a:headEnd type="none" w="med" len="med"/>
-                      <a:tailEnd type="none" w="med" len="med"/>
-                    </a:lnL>
-                    <a:lnR w="12700" cap="flat" cmpd="sng" algn="ctr">
-                      <a:solidFill>
-                        <a:schemeClr val="tx1"/>
-                      </a:solidFill>
-                      <a:prstDash val="solid"/>
-                      <a:round/>
-                      <a:headEnd type="none" w="med" len="med"/>
-                      <a:tailEnd type="none" w="med" len="med"/>
-                    </a:lnR>
-                    <a:lnT w="12700" cap="flat" cmpd="sng" algn="ctr">
-                      <a:solidFill>
-                        <a:schemeClr val="tx1"/>
-                      </a:solidFill>
-                      <a:prstDash val="solid"/>
-                      <a:round/>
-                      <a:headEnd type="none" w="med" len="med"/>
-                      <a:tailEnd type="none" w="med" len="med"/>
-                    </a:lnT>
-                    <a:lnB w="12700" cap="flat" cmpd="sng" algn="ctr">
-                      <a:solidFill>
-                        <a:schemeClr val="tx1"/>
-                      </a:solidFill>
-                      <a:prstDash val="solid"/>
-                      <a:round/>
-                      <a:headEnd type="none" w="med" len="med"/>
-                      <a:tailEnd type="none" w="med" len="med"/>
-                    </a:lnB>
-                    <a:noFill/>
-                  </a:tcPr>
-                </a:tc>
-                <a:extLst>
-                  <a:ext uri="{0D108BD9-81ED-4DB2-BD59-A6C34878D82A}">
-                    <a16:rowId xmlns:a16="http://schemas.microsoft.com/office/drawing/2014/main" val="1186590504"/>
-                  </a:ext>
-                </a:extLst>
-              </a:tr>
-              <a:tr h="370840">
-                <a:tc>
-                  <a:txBody>
-                    <a:bodyPr/>
-                    <a:lstStyle/>
-                    <a:p>
-                      <a:pPr marL="0" algn="ctr" defTabSz="914400" rtl="0" eaLnBrk="1" latinLnBrk="0" hangingPunct="1"/>
-                      <a:endParaRPr lang="en-GB" sz="1800" b="1" kern="1200">
-                        <a:solidFill>
-                          <a:schemeClr val="tx1"/>
-                        </a:solidFill>
-                        <a:latin typeface="+mn-lt"/>
-                        <a:ea typeface="+mn-ea"/>
-                        <a:cs typeface="+mn-cs"/>
-                      </a:endParaRPr>
-                    </a:p>
-                  </a:txBody>
-                  <a:tcPr>
-                    <a:lnL w="12700" cap="flat" cmpd="sng" algn="ctr">
-                      <a:solidFill>
-                        <a:schemeClr val="tx1"/>
-                      </a:solidFill>
-                      <a:prstDash val="solid"/>
-                      <a:round/>
-                      <a:headEnd type="none" w="med" len="med"/>
-                      <a:tailEnd type="none" w="med" len="med"/>
-                    </a:lnL>
-                    <a:lnR w="12700" cap="flat" cmpd="sng" algn="ctr">
-                      <a:solidFill>
-                        <a:schemeClr val="tx1"/>
-                      </a:solidFill>
-                      <a:prstDash val="solid"/>
-                      <a:round/>
-                      <a:headEnd type="none" w="med" len="med"/>
-                      <a:tailEnd type="none" w="med" len="med"/>
-                    </a:lnR>
-                    <a:lnT w="12700" cap="flat" cmpd="sng" algn="ctr">
-                      <a:solidFill>
-                        <a:schemeClr val="tx1"/>
-                      </a:solidFill>
-                      <a:prstDash val="solid"/>
-                      <a:round/>
-                      <a:headEnd type="none" w="med" len="med"/>
-                      <a:tailEnd type="none" w="med" len="med"/>
-                    </a:lnT>
-                    <a:lnB w="12700" cap="flat" cmpd="sng" algn="ctr">
-                      <a:solidFill>
-                        <a:schemeClr val="tx1"/>
-                      </a:solidFill>
-                      <a:prstDash val="solid"/>
-                      <a:round/>
-                      <a:headEnd type="none" w="med" len="med"/>
-                      <a:tailEnd type="none" w="med" len="med"/>
-                    </a:lnB>
-                    <a:noFill/>
-                  </a:tcPr>
-                </a:tc>
-                <a:tc>
-                  <a:txBody>
-                    <a:bodyPr/>
-                    <a:lstStyle/>
-                    <a:p>
-                      <a:pPr marL="0" marR="0" lvl="0" indent="0" algn="ctr" defTabSz="914400" rtl="0" eaLnBrk="1" fontAlgn="auto" latinLnBrk="0" hangingPunct="1">
-                        <a:lnSpc>
-                          <a:spcPct val="100000"/>
-                        </a:lnSpc>
-                        <a:spcBef>
-                          <a:spcPts val="0"/>
-                        </a:spcBef>
-                        <a:spcAft>
-                          <a:spcPts val="0"/>
-                        </a:spcAft>
-                        <a:buClrTx/>
-                        <a:buSzTx/>
-                        <a:buFontTx/>
-                        <a:buNone/>
-                        <a:tabLst/>
-                        <a:defRPr/>
-                      </a:pPr>
-                      <a:r>
-                        <a:rPr lang="it-IT" sz="1800" b="1" kern="1200" dirty="0">
-                          <a:solidFill>
-                            <a:schemeClr val="tx1"/>
-                          </a:solidFill>
-                          <a:latin typeface="+mn-lt"/>
-                          <a:ea typeface="+mn-ea"/>
-                          <a:cs typeface="+mn-cs"/>
-                        </a:rPr>
-                        <a:t>6</a:t>
-                      </a:r>
-                      <a:endParaRPr lang="en-GB" sz="1800" b="1" kern="1200" dirty="0">
-                        <a:solidFill>
-                          <a:schemeClr val="tx1"/>
-                        </a:solidFill>
-                        <a:latin typeface="+mn-lt"/>
-                        <a:ea typeface="+mn-ea"/>
-                        <a:cs typeface="+mn-cs"/>
-                      </a:endParaRPr>
-                    </a:p>
-                  </a:txBody>
-                  <a:tcPr>
-                    <a:lnL w="12700" cap="flat" cmpd="sng" algn="ctr">
-                      <a:solidFill>
-                        <a:schemeClr val="tx1"/>
-                      </a:solidFill>
-                      <a:prstDash val="solid"/>
-                      <a:round/>
-                      <a:headEnd type="none" w="med" len="med"/>
-                      <a:tailEnd type="none" w="med" len="med"/>
-                    </a:lnL>
-                    <a:lnR w="12700" cap="flat" cmpd="sng" algn="ctr">
-                      <a:solidFill>
-                        <a:schemeClr val="tx1"/>
-                      </a:solidFill>
-                      <a:prstDash val="solid"/>
-                      <a:round/>
-                      <a:headEnd type="none" w="med" len="med"/>
-                      <a:tailEnd type="none" w="med" len="med"/>
-                    </a:lnR>
-                    <a:lnT w="12700" cap="flat" cmpd="sng" algn="ctr">
-                      <a:solidFill>
-                        <a:schemeClr val="tx1"/>
-                      </a:solidFill>
-                      <a:prstDash val="solid"/>
-                      <a:round/>
-                      <a:headEnd type="none" w="med" len="med"/>
-                      <a:tailEnd type="none" w="med" len="med"/>
-                    </a:lnT>
-                    <a:lnB w="12700" cap="flat" cmpd="sng" algn="ctr">
-                      <a:solidFill>
-                        <a:schemeClr val="tx1"/>
-                      </a:solidFill>
-                      <a:prstDash val="solid"/>
-                      <a:round/>
-                      <a:headEnd type="none" w="med" len="med"/>
-                      <a:tailEnd type="none" w="med" len="med"/>
-                    </a:lnB>
-                    <a:noFill/>
-                  </a:tcPr>
-                </a:tc>
-                <a:tc>
-                  <a:txBody>
-                    <a:bodyPr/>
-                    <a:lstStyle/>
-                    <a:p>
-                      <a:pPr marL="0" marR="0" lvl="0" indent="0" algn="ctr" defTabSz="914400" rtl="0" eaLnBrk="1" fontAlgn="auto" latinLnBrk="0" hangingPunct="1">
-                        <a:lnSpc>
-                          <a:spcPct val="100000"/>
-                        </a:lnSpc>
-                        <a:spcBef>
-                          <a:spcPts val="0"/>
-                        </a:spcBef>
-                        <a:spcAft>
-                          <a:spcPts val="0"/>
-                        </a:spcAft>
-                        <a:buClrTx/>
-                        <a:buSzTx/>
-                        <a:buFontTx/>
-                        <a:buNone/>
-                        <a:tabLst/>
-                        <a:defRPr/>
-                      </a:pPr>
-                      <a:r>
-                        <a:rPr lang="it-IT" sz="1800" b="1" kern="1200" dirty="0">
-                          <a:solidFill>
-                            <a:schemeClr val="tx1"/>
-                          </a:solidFill>
-                          <a:latin typeface="+mn-lt"/>
-                          <a:ea typeface="+mn-ea"/>
-                          <a:cs typeface="+mn-cs"/>
-                        </a:rPr>
-                        <a:t>RS-485 A</a:t>
-                      </a:r>
-                      <a:endParaRPr lang="en-GB" sz="1800" b="1" kern="1200" dirty="0">
-                        <a:solidFill>
-                          <a:schemeClr val="tx1"/>
-                        </a:solidFill>
-                        <a:latin typeface="+mn-lt"/>
-                        <a:ea typeface="+mn-ea"/>
-                        <a:cs typeface="+mn-cs"/>
-                      </a:endParaRPr>
-                    </a:p>
-                  </a:txBody>
-                  <a:tcPr>
-                    <a:lnL w="12700" cap="flat" cmpd="sng" algn="ctr">
-                      <a:solidFill>
-                        <a:schemeClr val="tx1"/>
-                      </a:solidFill>
-                      <a:prstDash val="solid"/>
-                      <a:round/>
-                      <a:headEnd type="none" w="med" len="med"/>
-                      <a:tailEnd type="none" w="med" len="med"/>
-                    </a:lnL>
-                    <a:lnR w="12700" cap="flat" cmpd="sng" algn="ctr">
-                      <a:solidFill>
-                        <a:schemeClr val="tx1"/>
-                      </a:solidFill>
-                      <a:prstDash val="solid"/>
-                      <a:round/>
-                      <a:headEnd type="none" w="med" len="med"/>
-                      <a:tailEnd type="none" w="med" len="med"/>
-                    </a:lnR>
-                    <a:lnT w="12700" cap="flat" cmpd="sng" algn="ctr">
-                      <a:solidFill>
-                        <a:schemeClr val="tx1"/>
-                      </a:solidFill>
-                      <a:prstDash val="solid"/>
-                      <a:round/>
-                      <a:headEnd type="none" w="med" len="med"/>
-                      <a:tailEnd type="none" w="med" len="med"/>
-                    </a:lnT>
-                    <a:lnB w="12700" cap="flat" cmpd="sng" algn="ctr">
-                      <a:solidFill>
-                        <a:schemeClr val="tx1"/>
-                      </a:solidFill>
-                      <a:prstDash val="solid"/>
-                      <a:round/>
-                      <a:headEnd type="none" w="med" len="med"/>
-                      <a:tailEnd type="none" w="med" len="med"/>
-                    </a:lnB>
-                    <a:noFill/>
-                  </a:tcPr>
-                </a:tc>
-                <a:extLst>
-                  <a:ext uri="{0D108BD9-81ED-4DB2-BD59-A6C34878D82A}">
-                    <a16:rowId xmlns:a16="http://schemas.microsoft.com/office/drawing/2014/main" val="1070387443"/>
-                  </a:ext>
-                </a:extLst>
-              </a:tr>
-              <a:tr h="370840">
-                <a:tc>
-                  <a:txBody>
-                    <a:bodyPr/>
-                    <a:lstStyle/>
-                    <a:p>
-                      <a:pPr marL="0" algn="ctr" defTabSz="914400" rtl="0" eaLnBrk="1" latinLnBrk="0" hangingPunct="1"/>
-                      <a:endParaRPr lang="en-GB" sz="1800" b="1" kern="1200">
-                        <a:solidFill>
-                          <a:schemeClr val="tx1"/>
-                        </a:solidFill>
-                        <a:latin typeface="+mn-lt"/>
-                        <a:ea typeface="+mn-ea"/>
-                        <a:cs typeface="+mn-cs"/>
-                      </a:endParaRPr>
-                    </a:p>
-                  </a:txBody>
-                  <a:tcPr>
-                    <a:lnL w="12700" cap="flat" cmpd="sng" algn="ctr">
-                      <a:solidFill>
-                        <a:schemeClr val="tx1"/>
-                      </a:solidFill>
-                      <a:prstDash val="solid"/>
-                      <a:round/>
-                      <a:headEnd type="none" w="med" len="med"/>
-                      <a:tailEnd type="none" w="med" len="med"/>
-                    </a:lnL>
-                    <a:lnR w="12700" cap="flat" cmpd="sng" algn="ctr">
-                      <a:solidFill>
-                        <a:schemeClr val="tx1"/>
-                      </a:solidFill>
-                      <a:prstDash val="solid"/>
-                      <a:round/>
-                      <a:headEnd type="none" w="med" len="med"/>
-                      <a:tailEnd type="none" w="med" len="med"/>
-                    </a:lnR>
-                    <a:lnT w="12700" cap="flat" cmpd="sng" algn="ctr">
-                      <a:solidFill>
-                        <a:schemeClr val="tx1"/>
-                      </a:solidFill>
-                      <a:prstDash val="solid"/>
-                      <a:round/>
-                      <a:headEnd type="none" w="med" len="med"/>
-                      <a:tailEnd type="none" w="med" len="med"/>
-                    </a:lnT>
-                    <a:lnB w="12700" cap="flat" cmpd="sng" algn="ctr">
-                      <a:solidFill>
-                        <a:schemeClr val="tx1"/>
-                      </a:solidFill>
-                      <a:prstDash val="solid"/>
-                      <a:round/>
-                      <a:headEnd type="none" w="med" len="med"/>
-                      <a:tailEnd type="none" w="med" len="med"/>
-                    </a:lnB>
-                    <a:noFill/>
-                  </a:tcPr>
-                </a:tc>
-                <a:tc>
-                  <a:txBody>
-                    <a:bodyPr/>
-                    <a:lstStyle/>
-                    <a:p>
-                      <a:pPr marL="0" algn="ctr" defTabSz="914400" rtl="0" eaLnBrk="1" latinLnBrk="0" hangingPunct="1"/>
-                      <a:r>
-                        <a:rPr lang="it-IT" sz="1800" b="1" kern="1200" dirty="0">
-                          <a:solidFill>
-                            <a:schemeClr val="tx1"/>
-                          </a:solidFill>
-                          <a:latin typeface="+mn-lt"/>
-                          <a:ea typeface="+mn-ea"/>
-                          <a:cs typeface="+mn-cs"/>
-                        </a:rPr>
-                        <a:t>7</a:t>
-                      </a:r>
-                      <a:endParaRPr lang="en-GB" sz="1800" b="1" kern="1200" dirty="0">
-                        <a:solidFill>
-                          <a:schemeClr val="tx1"/>
-                        </a:solidFill>
-                        <a:latin typeface="+mn-lt"/>
-                        <a:ea typeface="+mn-ea"/>
-                        <a:cs typeface="+mn-cs"/>
-                      </a:endParaRPr>
-                    </a:p>
-                  </a:txBody>
-                  <a:tcPr>
-                    <a:lnL w="12700" cap="flat" cmpd="sng" algn="ctr">
-                      <a:solidFill>
-                        <a:schemeClr val="tx1"/>
-                      </a:solidFill>
-                      <a:prstDash val="solid"/>
-                      <a:round/>
-                      <a:headEnd type="none" w="med" len="med"/>
-                      <a:tailEnd type="none" w="med" len="med"/>
-                    </a:lnL>
-                    <a:lnR w="12700" cap="flat" cmpd="sng" algn="ctr">
-                      <a:solidFill>
-                        <a:schemeClr val="tx1"/>
-                      </a:solidFill>
-                      <a:prstDash val="solid"/>
-                      <a:round/>
-                      <a:headEnd type="none" w="med" len="med"/>
-                      <a:tailEnd type="none" w="med" len="med"/>
-                    </a:lnR>
-                    <a:lnT w="12700" cap="flat" cmpd="sng" algn="ctr">
-                      <a:solidFill>
-                        <a:schemeClr val="tx1"/>
-                      </a:solidFill>
-                      <a:prstDash val="solid"/>
-                      <a:round/>
-                      <a:headEnd type="none" w="med" len="med"/>
-                      <a:tailEnd type="none" w="med" len="med"/>
-                    </a:lnT>
-                    <a:lnB w="12700" cap="flat" cmpd="sng" algn="ctr">
-                      <a:solidFill>
-                        <a:schemeClr val="tx1"/>
-                      </a:solidFill>
-                      <a:prstDash val="solid"/>
-                      <a:round/>
-                      <a:headEnd type="none" w="med" len="med"/>
-                      <a:tailEnd type="none" w="med" len="med"/>
-                    </a:lnB>
-                    <a:noFill/>
-                  </a:tcPr>
-                </a:tc>
-                <a:tc>
-                  <a:txBody>
-                    <a:bodyPr/>
-                    <a:lstStyle/>
-                    <a:p>
-                      <a:pPr marL="0" algn="ctr" defTabSz="914400" rtl="0" eaLnBrk="1" latinLnBrk="0" hangingPunct="1"/>
-                      <a:r>
-                        <a:rPr lang="it-IT" sz="1800" b="1" kern="1200" dirty="0">
-                          <a:solidFill>
-                            <a:schemeClr val="tx1"/>
-                          </a:solidFill>
-                          <a:latin typeface="+mn-lt"/>
-                          <a:ea typeface="+mn-ea"/>
-                          <a:cs typeface="+mn-cs"/>
-                        </a:rPr>
-                        <a:t>GND</a:t>
-                      </a:r>
-                      <a:endParaRPr lang="en-GB" sz="1800" b="1" kern="1200" dirty="0">
-                        <a:solidFill>
-                          <a:schemeClr val="tx1"/>
-                        </a:solidFill>
-                        <a:latin typeface="+mn-lt"/>
-                        <a:ea typeface="+mn-ea"/>
-                        <a:cs typeface="+mn-cs"/>
-                      </a:endParaRPr>
-                    </a:p>
-                  </a:txBody>
-                  <a:tcPr>
-                    <a:lnL w="12700" cap="flat" cmpd="sng" algn="ctr">
-                      <a:solidFill>
-                        <a:schemeClr val="tx1"/>
-                      </a:solidFill>
-                      <a:prstDash val="solid"/>
-                      <a:round/>
-                      <a:headEnd type="none" w="med" len="med"/>
-                      <a:tailEnd type="none" w="med" len="med"/>
-                    </a:lnL>
-                    <a:lnR w="12700" cap="flat" cmpd="sng" algn="ctr">
-                      <a:solidFill>
-                        <a:schemeClr val="tx1"/>
-                      </a:solidFill>
-                      <a:prstDash val="solid"/>
-                      <a:round/>
-                      <a:headEnd type="none" w="med" len="med"/>
-                      <a:tailEnd type="none" w="med" len="med"/>
-                    </a:lnR>
-                    <a:lnT w="12700" cap="flat" cmpd="sng" algn="ctr">
-                      <a:solidFill>
-                        <a:schemeClr val="tx1"/>
-                      </a:solidFill>
-                      <a:prstDash val="solid"/>
-                      <a:round/>
-                      <a:headEnd type="none" w="med" len="med"/>
-                      <a:tailEnd type="none" w="med" len="med"/>
-                    </a:lnT>
-                    <a:lnB w="12700" cap="flat" cmpd="sng" algn="ctr">
-                      <a:solidFill>
-                        <a:schemeClr val="tx1"/>
-                      </a:solidFill>
-                      <a:prstDash val="solid"/>
-                      <a:round/>
-                      <a:headEnd type="none" w="med" len="med"/>
-                      <a:tailEnd type="none" w="med" len="med"/>
-                    </a:lnB>
-                    <a:noFill/>
-                  </a:tcPr>
-                </a:tc>
-                <a:extLst>
-                  <a:ext uri="{0D108BD9-81ED-4DB2-BD59-A6C34878D82A}">
-                    <a16:rowId xmlns:a16="http://schemas.microsoft.com/office/drawing/2014/main" val="3787856502"/>
-                  </a:ext>
-                </a:extLst>
-              </a:tr>
-              <a:tr h="370840">
-                <a:tc>
-                  <a:txBody>
-                    <a:bodyPr/>
-                    <a:lstStyle/>
-                    <a:p>
-                      <a:pPr marL="0" algn="ctr" defTabSz="914400" rtl="0" eaLnBrk="1" latinLnBrk="0" hangingPunct="1"/>
-                      <a:endParaRPr lang="en-GB" sz="1800" b="1" kern="1200">
-                        <a:solidFill>
-                          <a:schemeClr val="tx1"/>
-                        </a:solidFill>
-                        <a:latin typeface="+mn-lt"/>
-                        <a:ea typeface="+mn-ea"/>
-                        <a:cs typeface="+mn-cs"/>
-                      </a:endParaRPr>
-                    </a:p>
-                  </a:txBody>
-                  <a:tcPr>
-                    <a:lnL w="12700" cap="flat" cmpd="sng" algn="ctr">
-                      <a:solidFill>
-                        <a:schemeClr val="tx1"/>
-                      </a:solidFill>
-                      <a:prstDash val="solid"/>
-                      <a:round/>
-                      <a:headEnd type="none" w="med" len="med"/>
-                      <a:tailEnd type="none" w="med" len="med"/>
-                    </a:lnL>
-                    <a:lnR w="12700" cap="flat" cmpd="sng" algn="ctr">
-                      <a:solidFill>
-                        <a:schemeClr val="tx1"/>
-                      </a:solidFill>
-                      <a:prstDash val="solid"/>
-                      <a:round/>
-                      <a:headEnd type="none" w="med" len="med"/>
-                      <a:tailEnd type="none" w="med" len="med"/>
-                    </a:lnR>
-                    <a:lnT w="12700" cap="flat" cmpd="sng" algn="ctr">
-                      <a:solidFill>
-                        <a:schemeClr val="tx1"/>
-                      </a:solidFill>
-                      <a:prstDash val="solid"/>
-                      <a:round/>
-                      <a:headEnd type="none" w="med" len="med"/>
-                      <a:tailEnd type="none" w="med" len="med"/>
-                    </a:lnT>
-                    <a:lnB w="12700" cap="flat" cmpd="sng" algn="ctr">
-                      <a:solidFill>
-                        <a:schemeClr val="tx1"/>
-                      </a:solidFill>
-                      <a:prstDash val="solid"/>
-                      <a:round/>
-                      <a:headEnd type="none" w="med" len="med"/>
-                      <a:tailEnd type="none" w="med" len="med"/>
-                    </a:lnB>
-                    <a:noFill/>
-                  </a:tcPr>
-                </a:tc>
-                <a:tc>
-                  <a:txBody>
-                    <a:bodyPr/>
-                    <a:lstStyle/>
-                    <a:p>
-                      <a:pPr marL="0" algn="ctr" defTabSz="914400" rtl="0" eaLnBrk="1" latinLnBrk="0" hangingPunct="1"/>
-                      <a:r>
-                        <a:rPr lang="it-IT" sz="1800" b="1" kern="1200" dirty="0">
-                          <a:solidFill>
-                            <a:schemeClr val="tx1"/>
-                          </a:solidFill>
-                          <a:latin typeface="+mn-lt"/>
-                          <a:ea typeface="+mn-ea"/>
-                          <a:cs typeface="+mn-cs"/>
-                        </a:rPr>
-                        <a:t>8</a:t>
-                      </a:r>
-                      <a:endParaRPr lang="en-GB" sz="1800" b="1" kern="1200" dirty="0">
-                        <a:solidFill>
-                          <a:schemeClr val="tx1"/>
-                        </a:solidFill>
-                        <a:latin typeface="+mn-lt"/>
-                        <a:ea typeface="+mn-ea"/>
-                        <a:cs typeface="+mn-cs"/>
-                      </a:endParaRPr>
-                    </a:p>
-                  </a:txBody>
-                  <a:tcPr>
-                    <a:lnL w="12700" cap="flat" cmpd="sng" algn="ctr">
-                      <a:solidFill>
-                        <a:schemeClr val="tx1"/>
-                      </a:solidFill>
-                      <a:prstDash val="solid"/>
-                      <a:round/>
-                      <a:headEnd type="none" w="med" len="med"/>
-                      <a:tailEnd type="none" w="med" len="med"/>
-                    </a:lnL>
-                    <a:lnR w="12700" cap="flat" cmpd="sng" algn="ctr">
-                      <a:solidFill>
-                        <a:schemeClr val="tx1"/>
-                      </a:solidFill>
-                      <a:prstDash val="solid"/>
-                      <a:round/>
-                      <a:headEnd type="none" w="med" len="med"/>
-                      <a:tailEnd type="none" w="med" len="med"/>
-                    </a:lnR>
-                    <a:lnT w="12700" cap="flat" cmpd="sng" algn="ctr">
-                      <a:solidFill>
-                        <a:schemeClr val="tx1"/>
-                      </a:solidFill>
-                      <a:prstDash val="solid"/>
-                      <a:round/>
-                      <a:headEnd type="none" w="med" len="med"/>
-                      <a:tailEnd type="none" w="med" len="med"/>
-                    </a:lnT>
-                    <a:lnB w="12700" cap="flat" cmpd="sng" algn="ctr">
-                      <a:solidFill>
-                        <a:schemeClr val="tx1"/>
-                      </a:solidFill>
-                      <a:prstDash val="solid"/>
-                      <a:round/>
-                      <a:headEnd type="none" w="med" len="med"/>
-                      <a:tailEnd type="none" w="med" len="med"/>
-                    </a:lnB>
-                    <a:noFill/>
-                  </a:tcPr>
-                </a:tc>
-                <a:tc>
-                  <a:txBody>
-                    <a:bodyPr/>
-                    <a:lstStyle/>
-                    <a:p>
-                      <a:pPr marL="0" algn="ctr" defTabSz="914400" rtl="0" eaLnBrk="1" latinLnBrk="0" hangingPunct="1"/>
-                      <a:r>
-                        <a:rPr lang="it-IT" sz="1800" b="1" kern="1200" dirty="0">
-                          <a:solidFill>
-                            <a:schemeClr val="tx1"/>
-                          </a:solidFill>
-                          <a:latin typeface="+mn-lt"/>
-                          <a:ea typeface="+mn-ea"/>
-                          <a:cs typeface="+mn-cs"/>
-                        </a:rPr>
-                        <a:t>GND</a:t>
-                      </a:r>
-                      <a:endParaRPr lang="en-GB" sz="1800" b="1" kern="1200" dirty="0">
-                        <a:solidFill>
-                          <a:schemeClr val="tx1"/>
-                        </a:solidFill>
-                        <a:latin typeface="+mn-lt"/>
-                        <a:ea typeface="+mn-ea"/>
-                        <a:cs typeface="+mn-cs"/>
-                      </a:endParaRPr>
-                    </a:p>
-                  </a:txBody>
-                  <a:tcPr>
-                    <a:lnL w="12700" cap="flat" cmpd="sng" algn="ctr">
-                      <a:solidFill>
-                        <a:schemeClr val="tx1"/>
-                      </a:solidFill>
-                      <a:prstDash val="solid"/>
-                      <a:round/>
-                      <a:headEnd type="none" w="med" len="med"/>
-                      <a:tailEnd type="none" w="med" len="med"/>
-                    </a:lnL>
-                    <a:lnR w="12700" cap="flat" cmpd="sng" algn="ctr">
-                      <a:solidFill>
-                        <a:schemeClr val="tx1"/>
-                      </a:solidFill>
-                      <a:prstDash val="solid"/>
-                      <a:round/>
-                      <a:headEnd type="none" w="med" len="med"/>
-                      <a:tailEnd type="none" w="med" len="med"/>
-                    </a:lnR>
-                    <a:lnT w="12700" cap="flat" cmpd="sng" algn="ctr">
-                      <a:solidFill>
-                        <a:schemeClr val="tx1"/>
-                      </a:solidFill>
-                      <a:prstDash val="solid"/>
-                      <a:round/>
-                      <a:headEnd type="none" w="med" len="med"/>
-                      <a:tailEnd type="none" w="med" len="med"/>
-                    </a:lnT>
-                    <a:lnB w="12700" cap="flat" cmpd="sng" algn="ctr">
-                      <a:solidFill>
-                        <a:schemeClr val="tx1"/>
-                      </a:solidFill>
-                      <a:prstDash val="solid"/>
-                      <a:round/>
-                      <a:headEnd type="none" w="med" len="med"/>
-                      <a:tailEnd type="none" w="med" len="med"/>
-                    </a:lnB>
-                    <a:noFill/>
-                  </a:tcPr>
-                </a:tc>
-                <a:extLst>
-                  <a:ext uri="{0D108BD9-81ED-4DB2-BD59-A6C34878D82A}">
-                    <a16:rowId xmlns:a16="http://schemas.microsoft.com/office/drawing/2014/main" val="3916069463"/>
-                  </a:ext>
-                </a:extLst>
-              </a:tr>
-            </a:tbl>
-          </a:graphicData>
-        </a:graphic>
-      </p:graphicFrame>
-      <p:sp>
-        <p:nvSpPr>
-          <p:cNvPr id="10" name="CasellaDiTesto 9">
-            <a:extLst>
-              <a:ext uri="{FF2B5EF4-FFF2-40B4-BE49-F238E27FC236}">
                 <a16:creationId xmlns:a16="http://schemas.microsoft.com/office/drawing/2014/main" id="{68AC0D9A-9C7A-85E0-ADAB-82B8DBB25715}"/>
               </a:ext>
             </a:extLst>
@@ -12221,7 +7929,7 @@
         </p:nvSpPr>
         <p:spPr>
           <a:xfrm>
-            <a:off x="9506778" y="2381304"/>
+            <a:off x="9506778" y="3014351"/>
             <a:ext cx="1779104" cy="369332"/>
           </a:xfrm>
           <a:prstGeom prst="rect">
@@ -12260,7 +7968,7 @@
         </p:nvCxnSpPr>
         <p:spPr>
           <a:xfrm flipV="1">
-            <a:off x="2519570" y="2916432"/>
+            <a:off x="2519570" y="3611023"/>
             <a:ext cx="2847560" cy="512568"/>
           </a:xfrm>
           <a:prstGeom prst="bentConnector3">
@@ -12270,6 +7978,8 @@
             <a:solidFill>
               <a:schemeClr val="tx1"/>
             </a:solidFill>
+            <a:headEnd type="oval" w="med" len="med"/>
+            <a:tailEnd type="oval" w="med" len="med"/>
           </a:ln>
         </p:spPr>
         <p:style>
@@ -12301,7 +8011,7 @@
         </p:nvCxnSpPr>
         <p:spPr>
           <a:xfrm flipH="1">
-            <a:off x="3945835" y="3285764"/>
+            <a:off x="3945835" y="3980355"/>
             <a:ext cx="1421295" cy="0"/>
           </a:xfrm>
           <a:prstGeom prst="line">
@@ -12311,6 +8021,7 @@
             <a:solidFill>
               <a:schemeClr val="tx1"/>
             </a:solidFill>
+            <a:headEnd type="oval"/>
           </a:ln>
         </p:spPr>
         <p:style>
@@ -12349,8 +8060,8 @@
         </p:blipFill>
         <p:spPr>
           <a:xfrm>
-            <a:off x="9559364" y="217396"/>
-            <a:ext cx="1726518" cy="2064852"/>
+            <a:off x="10827680" y="1729400"/>
+            <a:ext cx="1309323" cy="1565902"/>
           </a:xfrm>
           <a:prstGeom prst="rect">
             <a:avLst/>
@@ -12371,7 +8082,7 @@
         </p:nvCxnSpPr>
         <p:spPr>
           <a:xfrm>
-            <a:off x="2519570" y="4572000"/>
+            <a:off x="2519570" y="5266591"/>
             <a:ext cx="2847560" cy="567964"/>
           </a:xfrm>
           <a:prstGeom prst="bentConnector3">
@@ -12381,6 +8092,8 @@
             <a:solidFill>
               <a:schemeClr val="tx1"/>
             </a:solidFill>
+            <a:headEnd type="oval" w="med" len="med"/>
+            <a:tailEnd type="oval" w="med" len="med"/>
           </a:ln>
         </p:spPr>
         <p:style>
@@ -12412,7 +8125,7 @@
         </p:nvCxnSpPr>
         <p:spPr>
           <a:xfrm flipV="1">
-            <a:off x="2519570" y="3667539"/>
+            <a:off x="2519570" y="4362130"/>
             <a:ext cx="2847560" cy="168965"/>
           </a:xfrm>
           <a:prstGeom prst="bentConnector3">
@@ -12424,6 +8137,8 @@
             <a:solidFill>
               <a:schemeClr val="tx1"/>
             </a:solidFill>
+            <a:headEnd type="oval"/>
+            <a:tailEnd type="oval"/>
           </a:ln>
         </p:spPr>
         <p:style>
@@ -12455,7 +8170,7 @@
         </p:nvCxnSpPr>
         <p:spPr>
           <a:xfrm flipV="1">
-            <a:off x="2519570" y="4004420"/>
+            <a:off x="2519570" y="4699011"/>
             <a:ext cx="2847560" cy="219764"/>
           </a:xfrm>
           <a:prstGeom prst="bentConnector3">
@@ -12467,6 +8182,8 @@
             <a:solidFill>
               <a:schemeClr val="tx1"/>
             </a:solidFill>
+            <a:headEnd type="oval" w="med" len="med"/>
+            <a:tailEnd type="oval" w="med" len="med"/>
           </a:ln>
         </p:spPr>
         <p:style>
@@ -12500,7 +8217,7 @@
         </p:nvCxnSpPr>
         <p:spPr>
           <a:xfrm>
-            <a:off x="2519570" y="4908847"/>
+            <a:off x="2519570" y="5603438"/>
             <a:ext cx="2847560" cy="623089"/>
           </a:xfrm>
           <a:prstGeom prst="bentConnector3">
@@ -12512,6 +8229,8 @@
             <a:solidFill>
               <a:schemeClr val="tx1"/>
             </a:solidFill>
+            <a:headEnd type="oval" w="med" len="med"/>
+            <a:tailEnd type="oval" w="med" len="med"/>
           </a:ln>
         </p:spPr>
         <p:style>
@@ -12545,7 +8264,7 @@
         </p:nvCxnSpPr>
         <p:spPr>
           <a:xfrm flipV="1">
-            <a:off x="6821143" y="4021260"/>
+            <a:off x="6821143" y="4715851"/>
             <a:ext cx="2851287" cy="394475"/>
           </a:xfrm>
           <a:prstGeom prst="bentConnector3">
@@ -12557,6 +8276,8 @@
             <a:solidFill>
               <a:schemeClr val="tx1"/>
             </a:solidFill>
+            <a:headEnd type="oval"/>
+            <a:tailEnd type="oval"/>
           </a:ln>
         </p:spPr>
         <p:style>
@@ -12590,7 +8311,7 @@
         </p:nvCxnSpPr>
         <p:spPr>
           <a:xfrm flipV="1">
-            <a:off x="6820522" y="4415735"/>
+            <a:off x="6820522" y="5110326"/>
             <a:ext cx="2851908" cy="359520"/>
           </a:xfrm>
           <a:prstGeom prst="bentConnector3">
@@ -12602,6 +8323,8 @@
             <a:solidFill>
               <a:schemeClr val="tx1"/>
             </a:solidFill>
+            <a:headEnd type="oval"/>
+            <a:tailEnd type="oval"/>
           </a:ln>
         </p:spPr>
         <p:style>
@@ -12635,7 +8358,7 @@
         </p:nvCxnSpPr>
         <p:spPr>
           <a:xfrm>
-            <a:off x="2519570" y="5029200"/>
+            <a:off x="2519570" y="5723791"/>
             <a:ext cx="7152860" cy="839583"/>
           </a:xfrm>
           <a:prstGeom prst="bentConnector3">
@@ -12647,6 +8370,8 @@
             <a:solidFill>
               <a:schemeClr val="tx1"/>
             </a:solidFill>
+            <a:headEnd type="oval" w="med" len="med"/>
+            <a:tailEnd type="none" w="med" len="med"/>
           </a:ln>
         </p:spPr>
         <p:style>
@@ -12678,7 +8403,7 @@
         </p:nvCxnSpPr>
         <p:spPr>
           <a:xfrm flipV="1">
-            <a:off x="9672430" y="5504620"/>
+            <a:off x="9672430" y="6199211"/>
             <a:ext cx="0" cy="364163"/>
           </a:xfrm>
           <a:prstGeom prst="line">
@@ -12688,6 +8413,802 @@
             <a:solidFill>
               <a:schemeClr val="tx1"/>
             </a:solidFill>
+            <a:tailEnd type="oval"/>
+          </a:ln>
+        </p:spPr>
+        <p:style>
+          <a:lnRef idx="2">
+            <a:schemeClr val="accent1"/>
+          </a:lnRef>
+          <a:fillRef idx="0">
+            <a:schemeClr val="accent1"/>
+          </a:fillRef>
+          <a:effectRef idx="1">
+            <a:schemeClr val="accent1"/>
+          </a:effectRef>
+          <a:fontRef idx="minor">
+            <a:schemeClr val="tx1"/>
+          </a:fontRef>
+        </p:style>
+      </p:cxnSp>
+      <p:graphicFrame>
+        <p:nvGraphicFramePr>
+          <p:cNvPr id="2" name="Segnaposto contenuto 3">
+            <a:extLst>
+              <a:ext uri="{FF2B5EF4-FFF2-40B4-BE49-F238E27FC236}">
+                <a16:creationId xmlns:a16="http://schemas.microsoft.com/office/drawing/2014/main" id="{A12A67AE-12C4-630B-BC59-AB2DCC5BB8CB}"/>
+              </a:ext>
+            </a:extLst>
+          </p:cNvPr>
+          <p:cNvGraphicFramePr>
+            <a:graphicFrameLocks/>
+          </p:cNvGraphicFramePr>
+          <p:nvPr>
+            <p:extLst>
+              <p:ext uri="{D42A27DB-BD31-4B8C-83A1-F6EECF244321}">
+                <p14:modId xmlns:p14="http://schemas.microsoft.com/office/powerpoint/2010/main" val="956474750"/>
+              </p:ext>
+            </p:extLst>
+          </p:nvPr>
+        </p:nvGraphicFramePr>
+        <p:xfrm>
+          <a:off x="5138530" y="824808"/>
+          <a:ext cx="1421296" cy="1483360"/>
+        </p:xfrm>
+        <a:graphic>
+          <a:graphicData uri="http://schemas.openxmlformats.org/drawingml/2006/table">
+            <a:tbl>
+              <a:tblPr firstRow="1" bandRow="1">
+                <a:tableStyleId>{5C22544A-7EE6-4342-B048-85BDC9FD1C3A}</a:tableStyleId>
+              </a:tblPr>
+              <a:tblGrid>
+                <a:gridCol w="506896">
+                  <a:extLst>
+                    <a:ext uri="{9D8B030D-6E8A-4147-A177-3AD203B41FA5}">
+                      <a16:colId xmlns:a16="http://schemas.microsoft.com/office/drawing/2014/main" val="929489795"/>
+                    </a:ext>
+                  </a:extLst>
+                </a:gridCol>
+                <a:gridCol w="914400">
+                  <a:extLst>
+                    <a:ext uri="{9D8B030D-6E8A-4147-A177-3AD203B41FA5}">
+                      <a16:colId xmlns:a16="http://schemas.microsoft.com/office/drawing/2014/main" val="3363426028"/>
+                    </a:ext>
+                  </a:extLst>
+                </a:gridCol>
+              </a:tblGrid>
+              <a:tr h="370840">
+                <a:tc>
+                  <a:txBody>
+                    <a:bodyPr/>
+                    <a:lstStyle/>
+                    <a:p>
+                      <a:pPr marL="0" algn="ctr" defTabSz="914400" rtl="0" eaLnBrk="1" latinLnBrk="0" hangingPunct="1"/>
+                      <a:endParaRPr lang="en-GB" sz="1800" b="1" kern="1200" dirty="0">
+                        <a:solidFill>
+                          <a:schemeClr val="tx1"/>
+                        </a:solidFill>
+                        <a:latin typeface="+mn-lt"/>
+                        <a:ea typeface="+mn-ea"/>
+                        <a:cs typeface="+mn-cs"/>
+                      </a:endParaRPr>
+                    </a:p>
+                  </a:txBody>
+                  <a:tcPr>
+                    <a:lnL w="12700" cap="flat" cmpd="sng" algn="ctr">
+                      <a:solidFill>
+                        <a:schemeClr val="tx1"/>
+                      </a:solidFill>
+                      <a:prstDash val="solid"/>
+                      <a:round/>
+                      <a:headEnd type="none" w="med" len="med"/>
+                      <a:tailEnd type="none" w="med" len="med"/>
+                    </a:lnL>
+                    <a:lnR w="12700" cap="flat" cmpd="sng" algn="ctr">
+                      <a:solidFill>
+                        <a:schemeClr val="tx1"/>
+                      </a:solidFill>
+                      <a:prstDash val="solid"/>
+                      <a:round/>
+                      <a:headEnd type="none" w="med" len="med"/>
+                      <a:tailEnd type="none" w="med" len="med"/>
+                    </a:lnR>
+                    <a:lnT w="12700" cap="flat" cmpd="sng" algn="ctr">
+                      <a:solidFill>
+                        <a:schemeClr val="tx1"/>
+                      </a:solidFill>
+                      <a:prstDash val="solid"/>
+                      <a:round/>
+                      <a:headEnd type="none" w="med" len="med"/>
+                      <a:tailEnd type="none" w="med" len="med"/>
+                    </a:lnT>
+                    <a:lnB w="12700" cap="flat" cmpd="sng" algn="ctr">
+                      <a:solidFill>
+                        <a:schemeClr val="tx1"/>
+                      </a:solidFill>
+                      <a:prstDash val="solid"/>
+                      <a:round/>
+                      <a:headEnd type="none" w="med" len="med"/>
+                      <a:tailEnd type="none" w="med" len="med"/>
+                    </a:lnB>
+                    <a:noFill/>
+                  </a:tcPr>
+                </a:tc>
+                <a:tc>
+                  <a:txBody>
+                    <a:bodyPr/>
+                    <a:lstStyle/>
+                    <a:p>
+                      <a:pPr marL="0" algn="ctr" defTabSz="914400" rtl="0" eaLnBrk="1" latinLnBrk="0" hangingPunct="1"/>
+                      <a:r>
+                        <a:rPr lang="it-IT" sz="1800" b="1" kern="1200" dirty="0">
+                          <a:solidFill>
+                            <a:schemeClr val="tx1"/>
+                          </a:solidFill>
+                          <a:latin typeface="+mn-lt"/>
+                          <a:ea typeface="+mn-ea"/>
+                          <a:cs typeface="+mn-cs"/>
+                        </a:rPr>
+                        <a:t>RX</a:t>
+                      </a:r>
+                      <a:endParaRPr lang="en-GB" sz="1800" b="1" kern="1200" dirty="0">
+                        <a:solidFill>
+                          <a:schemeClr val="tx1"/>
+                        </a:solidFill>
+                        <a:latin typeface="+mn-lt"/>
+                        <a:ea typeface="+mn-ea"/>
+                        <a:cs typeface="+mn-cs"/>
+                      </a:endParaRPr>
+                    </a:p>
+                  </a:txBody>
+                  <a:tcPr>
+                    <a:lnL w="12700" cap="flat" cmpd="sng" algn="ctr">
+                      <a:solidFill>
+                        <a:schemeClr val="tx1"/>
+                      </a:solidFill>
+                      <a:prstDash val="solid"/>
+                      <a:round/>
+                      <a:headEnd type="none" w="med" len="med"/>
+                      <a:tailEnd type="none" w="med" len="med"/>
+                    </a:lnL>
+                    <a:lnR w="12700" cap="flat" cmpd="sng" algn="ctr">
+                      <a:solidFill>
+                        <a:schemeClr val="tx1"/>
+                      </a:solidFill>
+                      <a:prstDash val="solid"/>
+                      <a:round/>
+                      <a:headEnd type="none" w="med" len="med"/>
+                      <a:tailEnd type="none" w="med" len="med"/>
+                    </a:lnR>
+                    <a:lnT w="12700" cap="flat" cmpd="sng" algn="ctr">
+                      <a:solidFill>
+                        <a:schemeClr val="tx1"/>
+                      </a:solidFill>
+                      <a:prstDash val="solid"/>
+                      <a:round/>
+                      <a:headEnd type="none" w="med" len="med"/>
+                      <a:tailEnd type="none" w="med" len="med"/>
+                    </a:lnT>
+                    <a:lnB w="12700" cap="flat" cmpd="sng" algn="ctr">
+                      <a:solidFill>
+                        <a:schemeClr val="tx1"/>
+                      </a:solidFill>
+                      <a:prstDash val="solid"/>
+                      <a:round/>
+                      <a:headEnd type="none" w="med" len="med"/>
+                      <a:tailEnd type="none" w="med" len="med"/>
+                    </a:lnB>
+                    <a:noFill/>
+                  </a:tcPr>
+                </a:tc>
+                <a:extLst>
+                  <a:ext uri="{0D108BD9-81ED-4DB2-BD59-A6C34878D82A}">
+                    <a16:rowId xmlns:a16="http://schemas.microsoft.com/office/drawing/2014/main" val="527210598"/>
+                  </a:ext>
+                </a:extLst>
+              </a:tr>
+              <a:tr h="370840">
+                <a:tc>
+                  <a:txBody>
+                    <a:bodyPr/>
+                    <a:lstStyle/>
+                    <a:p>
+                      <a:pPr marL="0" algn="ctr" defTabSz="914400" rtl="0" eaLnBrk="1" latinLnBrk="0" hangingPunct="1"/>
+                      <a:endParaRPr lang="en-GB" sz="1800" b="1" kern="1200" dirty="0">
+                        <a:solidFill>
+                          <a:schemeClr val="tx1"/>
+                        </a:solidFill>
+                        <a:latin typeface="+mn-lt"/>
+                        <a:ea typeface="+mn-ea"/>
+                        <a:cs typeface="+mn-cs"/>
+                      </a:endParaRPr>
+                    </a:p>
+                  </a:txBody>
+                  <a:tcPr>
+                    <a:lnL w="12700" cap="flat" cmpd="sng" algn="ctr">
+                      <a:solidFill>
+                        <a:schemeClr val="tx1"/>
+                      </a:solidFill>
+                      <a:prstDash val="solid"/>
+                      <a:round/>
+                      <a:headEnd type="none" w="med" len="med"/>
+                      <a:tailEnd type="none" w="med" len="med"/>
+                    </a:lnL>
+                    <a:lnR w="12700" cap="flat" cmpd="sng" algn="ctr">
+                      <a:solidFill>
+                        <a:schemeClr val="tx1"/>
+                      </a:solidFill>
+                      <a:prstDash val="solid"/>
+                      <a:round/>
+                      <a:headEnd type="none" w="med" len="med"/>
+                      <a:tailEnd type="none" w="med" len="med"/>
+                    </a:lnR>
+                    <a:lnT w="12700" cap="flat" cmpd="sng" algn="ctr">
+                      <a:solidFill>
+                        <a:schemeClr val="tx1"/>
+                      </a:solidFill>
+                      <a:prstDash val="solid"/>
+                      <a:round/>
+                      <a:headEnd type="none" w="med" len="med"/>
+                      <a:tailEnd type="none" w="med" len="med"/>
+                    </a:lnT>
+                    <a:lnB w="12700" cap="flat" cmpd="sng" algn="ctr">
+                      <a:solidFill>
+                        <a:schemeClr val="tx1"/>
+                      </a:solidFill>
+                      <a:prstDash val="solid"/>
+                      <a:round/>
+                      <a:headEnd type="none" w="med" len="med"/>
+                      <a:tailEnd type="none" w="med" len="med"/>
+                    </a:lnB>
+                    <a:noFill/>
+                  </a:tcPr>
+                </a:tc>
+                <a:tc>
+                  <a:txBody>
+                    <a:bodyPr/>
+                    <a:lstStyle/>
+                    <a:p>
+                      <a:pPr marL="0" algn="ctr" defTabSz="914400" rtl="0" eaLnBrk="1" latinLnBrk="0" hangingPunct="1"/>
+                      <a:r>
+                        <a:rPr lang="it-IT" sz="1800" b="1" kern="1200" dirty="0">
+                          <a:solidFill>
+                            <a:schemeClr val="tx1"/>
+                          </a:solidFill>
+                          <a:latin typeface="+mn-lt"/>
+                          <a:ea typeface="+mn-ea"/>
+                          <a:cs typeface="+mn-cs"/>
+                        </a:rPr>
+                        <a:t>TX</a:t>
+                      </a:r>
+                      <a:endParaRPr lang="en-GB" sz="1800" b="1" kern="1200" dirty="0">
+                        <a:solidFill>
+                          <a:schemeClr val="tx1"/>
+                        </a:solidFill>
+                        <a:latin typeface="+mn-lt"/>
+                        <a:ea typeface="+mn-ea"/>
+                        <a:cs typeface="+mn-cs"/>
+                      </a:endParaRPr>
+                    </a:p>
+                  </a:txBody>
+                  <a:tcPr>
+                    <a:lnL w="12700" cap="flat" cmpd="sng" algn="ctr">
+                      <a:solidFill>
+                        <a:schemeClr val="tx1"/>
+                      </a:solidFill>
+                      <a:prstDash val="solid"/>
+                      <a:round/>
+                      <a:headEnd type="none" w="med" len="med"/>
+                      <a:tailEnd type="none" w="med" len="med"/>
+                    </a:lnL>
+                    <a:lnR w="12700" cap="flat" cmpd="sng" algn="ctr">
+                      <a:solidFill>
+                        <a:schemeClr val="tx1"/>
+                      </a:solidFill>
+                      <a:prstDash val="solid"/>
+                      <a:round/>
+                      <a:headEnd type="none" w="med" len="med"/>
+                      <a:tailEnd type="none" w="med" len="med"/>
+                    </a:lnR>
+                    <a:lnT w="12700" cap="flat" cmpd="sng" algn="ctr">
+                      <a:solidFill>
+                        <a:schemeClr val="tx1"/>
+                      </a:solidFill>
+                      <a:prstDash val="solid"/>
+                      <a:round/>
+                      <a:headEnd type="none" w="med" len="med"/>
+                      <a:tailEnd type="none" w="med" len="med"/>
+                    </a:lnT>
+                    <a:lnB w="12700" cap="flat" cmpd="sng" algn="ctr">
+                      <a:solidFill>
+                        <a:schemeClr val="tx1"/>
+                      </a:solidFill>
+                      <a:prstDash val="solid"/>
+                      <a:round/>
+                      <a:headEnd type="none" w="med" len="med"/>
+                      <a:tailEnd type="none" w="med" len="med"/>
+                    </a:lnB>
+                    <a:noFill/>
+                  </a:tcPr>
+                </a:tc>
+                <a:extLst>
+                  <a:ext uri="{0D108BD9-81ED-4DB2-BD59-A6C34878D82A}">
+                    <a16:rowId xmlns:a16="http://schemas.microsoft.com/office/drawing/2014/main" val="449597499"/>
+                  </a:ext>
+                </a:extLst>
+              </a:tr>
+              <a:tr h="370840">
+                <a:tc>
+                  <a:txBody>
+                    <a:bodyPr/>
+                    <a:lstStyle/>
+                    <a:p>
+                      <a:pPr marL="0" algn="ctr" defTabSz="914400" rtl="0" eaLnBrk="1" latinLnBrk="0" hangingPunct="1"/>
+                      <a:endParaRPr lang="en-GB" sz="1800" b="1" kern="1200" dirty="0">
+                        <a:solidFill>
+                          <a:schemeClr val="tx1"/>
+                        </a:solidFill>
+                        <a:latin typeface="+mn-lt"/>
+                        <a:ea typeface="+mn-ea"/>
+                        <a:cs typeface="+mn-cs"/>
+                      </a:endParaRPr>
+                    </a:p>
+                  </a:txBody>
+                  <a:tcPr>
+                    <a:lnL w="12700" cap="flat" cmpd="sng" algn="ctr">
+                      <a:solidFill>
+                        <a:schemeClr val="tx1"/>
+                      </a:solidFill>
+                      <a:prstDash val="solid"/>
+                      <a:round/>
+                      <a:headEnd type="none" w="med" len="med"/>
+                      <a:tailEnd type="none" w="med" len="med"/>
+                    </a:lnL>
+                    <a:lnR w="12700" cap="flat" cmpd="sng" algn="ctr">
+                      <a:solidFill>
+                        <a:schemeClr val="tx1"/>
+                      </a:solidFill>
+                      <a:prstDash val="solid"/>
+                      <a:round/>
+                      <a:headEnd type="none" w="med" len="med"/>
+                      <a:tailEnd type="none" w="med" len="med"/>
+                    </a:lnR>
+                    <a:lnT w="12700" cap="flat" cmpd="sng" algn="ctr">
+                      <a:solidFill>
+                        <a:schemeClr val="tx1"/>
+                      </a:solidFill>
+                      <a:prstDash val="solid"/>
+                      <a:round/>
+                      <a:headEnd type="none" w="med" len="med"/>
+                      <a:tailEnd type="none" w="med" len="med"/>
+                    </a:lnT>
+                    <a:lnB w="12700" cap="flat" cmpd="sng" algn="ctr">
+                      <a:solidFill>
+                        <a:schemeClr val="tx1"/>
+                      </a:solidFill>
+                      <a:prstDash val="solid"/>
+                      <a:round/>
+                      <a:headEnd type="none" w="med" len="med"/>
+                      <a:tailEnd type="none" w="med" len="med"/>
+                    </a:lnB>
+                    <a:noFill/>
+                  </a:tcPr>
+                </a:tc>
+                <a:tc>
+                  <a:txBody>
+                    <a:bodyPr/>
+                    <a:lstStyle/>
+                    <a:p>
+                      <a:pPr marL="0" algn="ctr" defTabSz="914400" rtl="0" eaLnBrk="1" latinLnBrk="0" hangingPunct="1"/>
+                      <a:r>
+                        <a:rPr lang="it-IT" sz="1800" b="1" kern="1200" dirty="0">
+                          <a:solidFill>
+                            <a:schemeClr val="tx1"/>
+                          </a:solidFill>
+                          <a:latin typeface="+mn-lt"/>
+                          <a:ea typeface="+mn-ea"/>
+                          <a:cs typeface="+mn-cs"/>
+                        </a:rPr>
+                        <a:t>VCC</a:t>
+                      </a:r>
+                      <a:endParaRPr lang="en-GB" sz="1800" b="1" kern="1200" dirty="0">
+                        <a:solidFill>
+                          <a:schemeClr val="tx1"/>
+                        </a:solidFill>
+                        <a:latin typeface="+mn-lt"/>
+                        <a:ea typeface="+mn-ea"/>
+                        <a:cs typeface="+mn-cs"/>
+                      </a:endParaRPr>
+                    </a:p>
+                  </a:txBody>
+                  <a:tcPr>
+                    <a:lnL w="12700" cap="flat" cmpd="sng" algn="ctr">
+                      <a:solidFill>
+                        <a:schemeClr val="tx1"/>
+                      </a:solidFill>
+                      <a:prstDash val="solid"/>
+                      <a:round/>
+                      <a:headEnd type="none" w="med" len="med"/>
+                      <a:tailEnd type="none" w="med" len="med"/>
+                    </a:lnL>
+                    <a:lnR w="12700" cap="flat" cmpd="sng" algn="ctr">
+                      <a:solidFill>
+                        <a:schemeClr val="tx1"/>
+                      </a:solidFill>
+                      <a:prstDash val="solid"/>
+                      <a:round/>
+                      <a:headEnd type="none" w="med" len="med"/>
+                      <a:tailEnd type="none" w="med" len="med"/>
+                    </a:lnR>
+                    <a:lnT w="12700" cap="flat" cmpd="sng" algn="ctr">
+                      <a:solidFill>
+                        <a:schemeClr val="tx1"/>
+                      </a:solidFill>
+                      <a:prstDash val="solid"/>
+                      <a:round/>
+                      <a:headEnd type="none" w="med" len="med"/>
+                      <a:tailEnd type="none" w="med" len="med"/>
+                    </a:lnT>
+                    <a:lnB w="12700" cap="flat" cmpd="sng" algn="ctr">
+                      <a:solidFill>
+                        <a:schemeClr val="tx1"/>
+                      </a:solidFill>
+                      <a:prstDash val="solid"/>
+                      <a:round/>
+                      <a:headEnd type="none" w="med" len="med"/>
+                      <a:tailEnd type="none" w="med" len="med"/>
+                    </a:lnB>
+                    <a:noFill/>
+                  </a:tcPr>
+                </a:tc>
+                <a:extLst>
+                  <a:ext uri="{0D108BD9-81ED-4DB2-BD59-A6C34878D82A}">
+                    <a16:rowId xmlns:a16="http://schemas.microsoft.com/office/drawing/2014/main" val="1065075243"/>
+                  </a:ext>
+                </a:extLst>
+              </a:tr>
+              <a:tr h="370840">
+                <a:tc>
+                  <a:txBody>
+                    <a:bodyPr/>
+                    <a:lstStyle/>
+                    <a:p>
+                      <a:pPr marL="0" algn="ctr" defTabSz="914400" rtl="0" eaLnBrk="1" latinLnBrk="0" hangingPunct="1"/>
+                      <a:endParaRPr lang="en-GB" sz="1800" b="1" kern="1200" dirty="0">
+                        <a:solidFill>
+                          <a:schemeClr val="tx1"/>
+                        </a:solidFill>
+                        <a:latin typeface="+mn-lt"/>
+                        <a:ea typeface="+mn-ea"/>
+                        <a:cs typeface="+mn-cs"/>
+                      </a:endParaRPr>
+                    </a:p>
+                  </a:txBody>
+                  <a:tcPr>
+                    <a:lnL w="12700" cap="flat" cmpd="sng" algn="ctr">
+                      <a:solidFill>
+                        <a:schemeClr val="tx1"/>
+                      </a:solidFill>
+                      <a:prstDash val="solid"/>
+                      <a:round/>
+                      <a:headEnd type="none" w="med" len="med"/>
+                      <a:tailEnd type="none" w="med" len="med"/>
+                    </a:lnL>
+                    <a:lnR w="12700" cap="flat" cmpd="sng" algn="ctr">
+                      <a:solidFill>
+                        <a:schemeClr val="tx1"/>
+                      </a:solidFill>
+                      <a:prstDash val="solid"/>
+                      <a:round/>
+                      <a:headEnd type="none" w="med" len="med"/>
+                      <a:tailEnd type="none" w="med" len="med"/>
+                    </a:lnR>
+                    <a:lnT w="12700" cap="flat" cmpd="sng" algn="ctr">
+                      <a:solidFill>
+                        <a:schemeClr val="tx1"/>
+                      </a:solidFill>
+                      <a:prstDash val="solid"/>
+                      <a:round/>
+                      <a:headEnd type="none" w="med" len="med"/>
+                      <a:tailEnd type="none" w="med" len="med"/>
+                    </a:lnT>
+                    <a:lnB w="12700" cap="flat" cmpd="sng" algn="ctr">
+                      <a:solidFill>
+                        <a:schemeClr val="tx1"/>
+                      </a:solidFill>
+                      <a:prstDash val="solid"/>
+                      <a:round/>
+                      <a:headEnd type="none" w="med" len="med"/>
+                      <a:tailEnd type="none" w="med" len="med"/>
+                    </a:lnB>
+                    <a:noFill/>
+                  </a:tcPr>
+                </a:tc>
+                <a:tc>
+                  <a:txBody>
+                    <a:bodyPr/>
+                    <a:lstStyle/>
+                    <a:p>
+                      <a:pPr marL="0" algn="ctr" defTabSz="914400" rtl="0" eaLnBrk="1" latinLnBrk="0" hangingPunct="1"/>
+                      <a:r>
+                        <a:rPr lang="it-IT" sz="1800" b="1" kern="1200" dirty="0">
+                          <a:solidFill>
+                            <a:schemeClr val="tx1"/>
+                          </a:solidFill>
+                          <a:latin typeface="+mn-lt"/>
+                          <a:ea typeface="+mn-ea"/>
+                          <a:cs typeface="+mn-cs"/>
+                        </a:rPr>
+                        <a:t>GND</a:t>
+                      </a:r>
+                      <a:endParaRPr lang="en-GB" sz="1800" b="1" kern="1200" dirty="0">
+                        <a:solidFill>
+                          <a:schemeClr val="tx1"/>
+                        </a:solidFill>
+                        <a:latin typeface="+mn-lt"/>
+                        <a:ea typeface="+mn-ea"/>
+                        <a:cs typeface="+mn-cs"/>
+                      </a:endParaRPr>
+                    </a:p>
+                  </a:txBody>
+                  <a:tcPr>
+                    <a:lnL w="12700" cap="flat" cmpd="sng" algn="ctr">
+                      <a:solidFill>
+                        <a:schemeClr val="tx1"/>
+                      </a:solidFill>
+                      <a:prstDash val="solid"/>
+                      <a:round/>
+                      <a:headEnd type="none" w="med" len="med"/>
+                      <a:tailEnd type="none" w="med" len="med"/>
+                    </a:lnL>
+                    <a:lnR w="12700" cap="flat" cmpd="sng" algn="ctr">
+                      <a:solidFill>
+                        <a:schemeClr val="tx1"/>
+                      </a:solidFill>
+                      <a:prstDash val="solid"/>
+                      <a:round/>
+                      <a:headEnd type="none" w="med" len="med"/>
+                      <a:tailEnd type="none" w="med" len="med"/>
+                    </a:lnR>
+                    <a:lnT w="12700" cap="flat" cmpd="sng" algn="ctr">
+                      <a:solidFill>
+                        <a:schemeClr val="tx1"/>
+                      </a:solidFill>
+                      <a:prstDash val="solid"/>
+                      <a:round/>
+                      <a:headEnd type="none" w="med" len="med"/>
+                      <a:tailEnd type="none" w="med" len="med"/>
+                    </a:lnT>
+                    <a:lnB w="12700" cap="flat" cmpd="sng" algn="ctr">
+                      <a:solidFill>
+                        <a:schemeClr val="tx1"/>
+                      </a:solidFill>
+                      <a:prstDash val="solid"/>
+                      <a:round/>
+                      <a:headEnd type="none" w="med" len="med"/>
+                      <a:tailEnd type="none" w="med" len="med"/>
+                    </a:lnB>
+                    <a:noFill/>
+                  </a:tcPr>
+                </a:tc>
+                <a:extLst>
+                  <a:ext uri="{0D108BD9-81ED-4DB2-BD59-A6C34878D82A}">
+                    <a16:rowId xmlns:a16="http://schemas.microsoft.com/office/drawing/2014/main" val="289679875"/>
+                  </a:ext>
+                </a:extLst>
+              </a:tr>
+            </a:tbl>
+          </a:graphicData>
+        </a:graphic>
+      </p:graphicFrame>
+      <p:sp>
+        <p:nvSpPr>
+          <p:cNvPr id="6" name="CasellaDiTesto 5">
+            <a:extLst>
+              <a:ext uri="{FF2B5EF4-FFF2-40B4-BE49-F238E27FC236}">
+                <a16:creationId xmlns:a16="http://schemas.microsoft.com/office/drawing/2014/main" id="{0C523D9A-B0F0-854A-7080-AE09B2892209}"/>
+              </a:ext>
+            </a:extLst>
+          </p:cNvPr>
+          <p:cNvSpPr txBox="1"/>
+          <p:nvPr/>
+        </p:nvSpPr>
+        <p:spPr>
+          <a:xfrm>
+            <a:off x="5081762" y="455476"/>
+            <a:ext cx="1534832" cy="369332"/>
+          </a:xfrm>
+          <a:prstGeom prst="rect">
+            <a:avLst/>
+          </a:prstGeom>
+          <a:noFill/>
+        </p:spPr>
+        <p:txBody>
+          <a:bodyPr wrap="square" rtlCol="0">
+            <a:spAutoFit/>
+          </a:bodyPr>
+          <a:lstStyle/>
+          <a:p>
+            <a:pPr algn="ctr"/>
+            <a:r>
+              <a:rPr lang="it-IT" dirty="0"/>
+              <a:t>JSY-MK-194G</a:t>
+            </a:r>
+            <a:endParaRPr lang="en-GB" dirty="0"/>
+          </a:p>
+        </p:txBody>
+      </p:sp>
+      <p:cxnSp>
+        <p:nvCxnSpPr>
+          <p:cNvPr id="11" name="Connettore a gomito 10">
+            <a:extLst>
+              <a:ext uri="{FF2B5EF4-FFF2-40B4-BE49-F238E27FC236}">
+                <a16:creationId xmlns:a16="http://schemas.microsoft.com/office/drawing/2014/main" id="{D9ED1B64-2CEE-257B-B42F-4596033EBBB9}"/>
+              </a:ext>
+            </a:extLst>
+          </p:cNvPr>
+          <p:cNvCxnSpPr>
+            <a:cxnSpLocks/>
+          </p:cNvCxnSpPr>
+          <p:nvPr/>
+        </p:nvCxnSpPr>
+        <p:spPr>
+          <a:xfrm flipV="1">
+            <a:off x="2519070" y="1768846"/>
+            <a:ext cx="2833528" cy="1270899"/>
+          </a:xfrm>
+          <a:prstGeom prst="bentConnector3">
+            <a:avLst>
+              <a:gd name="adj1" fmla="val 50000"/>
+            </a:avLst>
+          </a:prstGeom>
+          <a:ln w="28575">
+            <a:solidFill>
+              <a:schemeClr val="tx1"/>
+            </a:solidFill>
+            <a:headEnd type="oval"/>
+            <a:tailEnd type="oval"/>
+          </a:ln>
+        </p:spPr>
+        <p:style>
+          <a:lnRef idx="2">
+            <a:schemeClr val="accent1"/>
+          </a:lnRef>
+          <a:fillRef idx="0">
+            <a:schemeClr val="accent1"/>
+          </a:fillRef>
+          <a:effectRef idx="1">
+            <a:schemeClr val="accent1"/>
+          </a:effectRef>
+          <a:fontRef idx="minor">
+            <a:schemeClr val="tx1"/>
+          </a:fontRef>
+        </p:style>
+      </p:cxnSp>
+      <p:cxnSp>
+        <p:nvCxnSpPr>
+          <p:cNvPr id="16" name="Connettore a gomito 15">
+            <a:extLst>
+              <a:ext uri="{FF2B5EF4-FFF2-40B4-BE49-F238E27FC236}">
+                <a16:creationId xmlns:a16="http://schemas.microsoft.com/office/drawing/2014/main" id="{0772521F-D8B8-7647-1A3E-A097CA7413CB}"/>
+              </a:ext>
+            </a:extLst>
+          </p:cNvPr>
+          <p:cNvCxnSpPr>
+            <a:cxnSpLocks/>
+          </p:cNvCxnSpPr>
+          <p:nvPr/>
+        </p:nvCxnSpPr>
+        <p:spPr>
+          <a:xfrm flipV="1">
+            <a:off x="2522055" y="1386480"/>
+            <a:ext cx="2844575" cy="2389175"/>
+          </a:xfrm>
+          <a:prstGeom prst="bentConnector3">
+            <a:avLst>
+              <a:gd name="adj1" fmla="val 41964"/>
+            </a:avLst>
+          </a:prstGeom>
+          <a:ln w="28575">
+            <a:solidFill>
+              <a:schemeClr val="tx1"/>
+            </a:solidFill>
+            <a:headEnd type="oval"/>
+            <a:tailEnd type="oval"/>
+          </a:ln>
+        </p:spPr>
+        <p:style>
+          <a:lnRef idx="2">
+            <a:schemeClr val="accent1"/>
+          </a:lnRef>
+          <a:fillRef idx="0">
+            <a:schemeClr val="accent1"/>
+          </a:fillRef>
+          <a:effectRef idx="1">
+            <a:schemeClr val="accent1"/>
+          </a:effectRef>
+          <a:fontRef idx="minor">
+            <a:schemeClr val="tx1"/>
+          </a:fontRef>
+        </p:style>
+      </p:cxnSp>
+      <p:cxnSp>
+        <p:nvCxnSpPr>
+          <p:cNvPr id="22" name="Connettore a gomito 21">
+            <a:extLst>
+              <a:ext uri="{FF2B5EF4-FFF2-40B4-BE49-F238E27FC236}">
+                <a16:creationId xmlns:a16="http://schemas.microsoft.com/office/drawing/2014/main" id="{0D4B2A28-9202-40E5-BDE3-B14C22FC6AA0}"/>
+              </a:ext>
+            </a:extLst>
+          </p:cNvPr>
+          <p:cNvCxnSpPr>
+            <a:cxnSpLocks/>
+          </p:cNvCxnSpPr>
+          <p:nvPr/>
+        </p:nvCxnSpPr>
+        <p:spPr>
+          <a:xfrm flipV="1">
+            <a:off x="2522305" y="984075"/>
+            <a:ext cx="2844575" cy="2389175"/>
+          </a:xfrm>
+          <a:prstGeom prst="bentConnector3">
+            <a:avLst>
+              <a:gd name="adj1" fmla="val 34237"/>
+            </a:avLst>
+          </a:prstGeom>
+          <a:ln w="28575">
+            <a:solidFill>
+              <a:schemeClr val="tx1"/>
+            </a:solidFill>
+            <a:headEnd type="oval"/>
+            <a:tailEnd type="oval"/>
+          </a:ln>
+        </p:spPr>
+        <p:style>
+          <a:lnRef idx="2">
+            <a:schemeClr val="accent1"/>
+          </a:lnRef>
+          <a:fillRef idx="0">
+            <a:schemeClr val="accent1"/>
+          </a:fillRef>
+          <a:effectRef idx="1">
+            <a:schemeClr val="accent1"/>
+          </a:effectRef>
+          <a:fontRef idx="minor">
+            <a:schemeClr val="tx1"/>
+          </a:fontRef>
+        </p:style>
+      </p:cxnSp>
+      <p:cxnSp>
+        <p:nvCxnSpPr>
+          <p:cNvPr id="27" name="Connettore a gomito 26">
+            <a:extLst>
+              <a:ext uri="{FF2B5EF4-FFF2-40B4-BE49-F238E27FC236}">
+                <a16:creationId xmlns:a16="http://schemas.microsoft.com/office/drawing/2014/main" id="{5792BA83-AC60-C832-BC0C-F3514AA21444}"/>
+              </a:ext>
+            </a:extLst>
+          </p:cNvPr>
+          <p:cNvCxnSpPr>
+            <a:cxnSpLocks/>
+          </p:cNvCxnSpPr>
+          <p:nvPr/>
+        </p:nvCxnSpPr>
+        <p:spPr>
+          <a:xfrm rot="5400000" flipH="1" flipV="1">
+            <a:off x="2749300" y="3941703"/>
+            <a:ext cx="4380216" cy="814202"/>
+          </a:xfrm>
+          <a:prstGeom prst="bentConnector3">
+            <a:avLst>
+              <a:gd name="adj1" fmla="val 100182"/>
+            </a:avLst>
+          </a:prstGeom>
+          <a:ln w="28575">
+            <a:solidFill>
+              <a:schemeClr val="tx1"/>
+            </a:solidFill>
+            <a:headEnd type="oval"/>
+            <a:tailEnd type="oval"/>
           </a:ln>
         </p:spPr>
         <p:style>
